--- a/assets/MachineLearning_RedesNeurais.pptx
+++ b/assets/MachineLearning_RedesNeurais.pptx
@@ -5,7 +5,7 @@
     <p:sldMasterId id="2147483648" r:id="rId1"/>
   </p:sldMasterIdLst>
   <p:notesMasterIdLst>
-    <p:notesMasterId r:id="rId32"/>
+    <p:notesMasterId r:id="rId33"/>
   </p:notesMasterIdLst>
   <p:sldIdLst>
     <p:sldId id="256" r:id="rId2"/>
@@ -38,6 +38,7 @@
     <p:sldId id="292" r:id="rId29"/>
     <p:sldId id="301" r:id="rId30"/>
     <p:sldId id="303" r:id="rId31"/>
+    <p:sldId id="309" r:id="rId32"/>
   </p:sldIdLst>
   <p:sldSz cx="12192000" cy="6858000"/>
   <p:notesSz cx="6858000" cy="9144000"/>
@@ -226,7 +227,7 @@
           <a:p>
             <a:fld id="{F75F9399-9FCD-4EB5-9097-B1F7C844D6C0}" type="datetimeFigureOut">
               <a:rPr lang="pt-BR" smtClean="0"/>
-              <a:t>22/07/2024</a:t>
+              <a:t>09/09/2024</a:t>
             </a:fld>
             <a:endParaRPr lang="pt-BR"/>
           </a:p>
@@ -808,7 +809,7 @@
           <a:p>
             <a:fld id="{6C726EF1-3415-47A9-AAD0-DEB93AD0CD29}" type="datetime1">
               <a:rPr lang="pt-BR" smtClean="0"/>
-              <a:t>22/07/2024</a:t>
+              <a:t>09/09/2024</a:t>
             </a:fld>
             <a:endParaRPr lang="pt-BR"/>
           </a:p>
@@ -1006,7 +1007,7 @@
           <a:p>
             <a:fld id="{EE569239-516C-47E0-BCF6-9A2AF4BC06CA}" type="datetime1">
               <a:rPr lang="pt-BR" smtClean="0"/>
-              <a:t>22/07/2024</a:t>
+              <a:t>09/09/2024</a:t>
             </a:fld>
             <a:endParaRPr lang="pt-BR"/>
           </a:p>
@@ -1214,7 +1215,7 @@
           <a:p>
             <a:fld id="{76DF1AFA-F169-45B6-8F49-433F5750701E}" type="datetime1">
               <a:rPr lang="pt-BR" smtClean="0"/>
-              <a:t>22/07/2024</a:t>
+              <a:t>09/09/2024</a:t>
             </a:fld>
             <a:endParaRPr lang="pt-BR"/>
           </a:p>
@@ -1412,7 +1413,7 @@
           <a:p>
             <a:fld id="{2CBB738E-6E7C-42C7-B306-D2F69400786E}" type="datetime1">
               <a:rPr lang="pt-BR" smtClean="0"/>
-              <a:t>22/07/2024</a:t>
+              <a:t>09/09/2024</a:t>
             </a:fld>
             <a:endParaRPr lang="pt-BR"/>
           </a:p>
@@ -1687,7 +1688,7 @@
           <a:p>
             <a:fld id="{5DEC77CB-96CC-4F6A-B0CA-CC6FDE8F2E03}" type="datetime1">
               <a:rPr lang="pt-BR" smtClean="0"/>
-              <a:t>22/07/2024</a:t>
+              <a:t>09/09/2024</a:t>
             </a:fld>
             <a:endParaRPr lang="pt-BR"/>
           </a:p>
@@ -1952,7 +1953,7 @@
           <a:p>
             <a:fld id="{AF461D1F-EC60-44F8-806D-8AB5B22260D2}" type="datetime1">
               <a:rPr lang="pt-BR" smtClean="0"/>
-              <a:t>22/07/2024</a:t>
+              <a:t>09/09/2024</a:t>
             </a:fld>
             <a:endParaRPr lang="pt-BR"/>
           </a:p>
@@ -2364,7 +2365,7 @@
           <a:p>
             <a:fld id="{17F36871-66A0-4B15-8698-510B8E856200}" type="datetime1">
               <a:rPr lang="pt-BR" smtClean="0"/>
-              <a:t>22/07/2024</a:t>
+              <a:t>09/09/2024</a:t>
             </a:fld>
             <a:endParaRPr lang="pt-BR"/>
           </a:p>
@@ -2505,7 +2506,7 @@
           <a:p>
             <a:fld id="{EECFC82D-BFF4-466D-8450-5252E65136C8}" type="datetime1">
               <a:rPr lang="pt-BR" smtClean="0"/>
-              <a:t>22/07/2024</a:t>
+              <a:t>09/09/2024</a:t>
             </a:fld>
             <a:endParaRPr lang="pt-BR"/>
           </a:p>
@@ -2618,7 +2619,7 @@
           <a:p>
             <a:fld id="{C70813B8-F369-43AF-AE80-11F6175FB80C}" type="datetime1">
               <a:rPr lang="pt-BR" smtClean="0"/>
-              <a:t>22/07/2024</a:t>
+              <a:t>09/09/2024</a:t>
             </a:fld>
             <a:endParaRPr lang="pt-BR"/>
           </a:p>
@@ -2929,7 +2930,7 @@
           <a:p>
             <a:fld id="{2A78AA8D-55C6-4247-9D6C-A98EA9875AE4}" type="datetime1">
               <a:rPr lang="pt-BR" smtClean="0"/>
-              <a:t>22/07/2024</a:t>
+              <a:t>09/09/2024</a:t>
             </a:fld>
             <a:endParaRPr lang="pt-BR"/>
           </a:p>
@@ -3217,7 +3218,7 @@
           <a:p>
             <a:fld id="{2F63D052-0229-42E2-AE2E-542AE57F799B}" type="datetime1">
               <a:rPr lang="pt-BR" smtClean="0"/>
-              <a:t>22/07/2024</a:t>
+              <a:t>09/09/2024</a:t>
             </a:fld>
             <a:endParaRPr lang="pt-BR"/>
           </a:p>
@@ -3458,7 +3459,7 @@
           <a:p>
             <a:fld id="{66D610B5-AA65-4A19-B373-E5658444F765}" type="datetime1">
               <a:rPr lang="pt-BR" smtClean="0"/>
-              <a:t>22/07/2024</a:t>
+              <a:t>09/09/2024</a:t>
             </a:fld>
             <a:endParaRPr lang="pt-BR"/>
           </a:p>
@@ -17865,6 +17866,232 @@
 </p:sld>
 </file>
 
+<file path=ppt/slides/slide31.xml><?xml version="1.0" encoding="utf-8"?>
+<p:sld xmlns:a="http://schemas.openxmlformats.org/drawingml/2006/main" xmlns:r="http://schemas.openxmlformats.org/officeDocument/2006/relationships" xmlns:p="http://schemas.openxmlformats.org/presentationml/2006/main">
+  <p:cSld>
+    <p:spTree>
+      <p:nvGrpSpPr>
+        <p:cNvPr id="1" name=""/>
+        <p:cNvGrpSpPr/>
+        <p:nvPr/>
+      </p:nvGrpSpPr>
+      <p:grpSpPr>
+        <a:xfrm>
+          <a:off x="0" y="0"/>
+          <a:ext cx="0" cy="0"/>
+          <a:chOff x="0" y="0"/>
+          <a:chExt cx="0" cy="0"/>
+        </a:xfrm>
+      </p:grpSpPr>
+      <p:sp>
+        <p:nvSpPr>
+          <p:cNvPr id="2" name="Título 1">
+            <a:extLst>
+              <a:ext uri="{FF2B5EF4-FFF2-40B4-BE49-F238E27FC236}">
+                <a16:creationId xmlns:a16="http://schemas.microsoft.com/office/drawing/2014/main" id="{BFC061CD-8025-7E8A-76C8-26AC09C7E85D}"/>
+              </a:ext>
+            </a:extLst>
+          </p:cNvPr>
+          <p:cNvSpPr>
+            <a:spLocks noGrp="1"/>
+          </p:cNvSpPr>
+          <p:nvPr>
+            <p:ph type="title"/>
+          </p:nvPr>
+        </p:nvSpPr>
+        <p:spPr>
+          <a:xfrm>
+            <a:off x="838199" y="365125"/>
+            <a:ext cx="11049097" cy="1325563"/>
+          </a:xfrm>
+        </p:spPr>
+        <p:txBody>
+          <a:bodyPr/>
+          <a:lstStyle/>
+          <a:p>
+            <a:r>
+              <a:rPr lang="pt-BR" b="1" dirty="0"/>
+              <a:t>PLAYGROUND DO TENSORFLOW</a:t>
+            </a:r>
+          </a:p>
+        </p:txBody>
+      </p:sp>
+      <p:sp>
+        <p:nvSpPr>
+          <p:cNvPr id="6" name="Retângulo 5">
+            <a:extLst>
+              <a:ext uri="{FF2B5EF4-FFF2-40B4-BE49-F238E27FC236}">
+                <a16:creationId xmlns:a16="http://schemas.microsoft.com/office/drawing/2014/main" id="{6400DBFB-4C95-4BC9-2AC3-48B17B718C74}"/>
+              </a:ext>
+            </a:extLst>
+          </p:cNvPr>
+          <p:cNvSpPr/>
+          <p:nvPr/>
+        </p:nvSpPr>
+        <p:spPr>
+          <a:xfrm>
+            <a:off x="0" y="0"/>
+            <a:ext cx="12192000" cy="230188"/>
+          </a:xfrm>
+          <a:prstGeom prst="rect">
+            <a:avLst/>
+          </a:prstGeom>
+          <a:solidFill>
+            <a:schemeClr val="accent4">
+              <a:lumMod val="20000"/>
+              <a:lumOff val="80000"/>
+            </a:schemeClr>
+          </a:solidFill>
+          <a:ln>
+            <a:noFill/>
+          </a:ln>
+        </p:spPr>
+        <p:style>
+          <a:lnRef idx="2">
+            <a:schemeClr val="accent1">
+              <a:shade val="15000"/>
+            </a:schemeClr>
+          </a:lnRef>
+          <a:fillRef idx="1">
+            <a:schemeClr val="accent1"/>
+          </a:fillRef>
+          <a:effectRef idx="0">
+            <a:schemeClr val="accent1"/>
+          </a:effectRef>
+          <a:fontRef idx="minor">
+            <a:schemeClr val="lt1"/>
+          </a:fontRef>
+        </p:style>
+        <p:txBody>
+          <a:bodyPr rtlCol="0" anchor="ctr"/>
+          <a:lstStyle/>
+          <a:p>
+            <a:pPr algn="ctr"/>
+            <a:endParaRPr lang="pt-BR"/>
+          </a:p>
+        </p:txBody>
+      </p:sp>
+      <p:sp>
+        <p:nvSpPr>
+          <p:cNvPr id="4" name="Espaço Reservado para Número de Slide 3">
+            <a:extLst>
+              <a:ext uri="{FF2B5EF4-FFF2-40B4-BE49-F238E27FC236}">
+                <a16:creationId xmlns:a16="http://schemas.microsoft.com/office/drawing/2014/main" id="{1A1582B6-145D-0C8B-C335-D471D444DA79}"/>
+              </a:ext>
+            </a:extLst>
+          </p:cNvPr>
+          <p:cNvSpPr>
+            <a:spLocks noGrp="1"/>
+          </p:cNvSpPr>
+          <p:nvPr>
+            <p:ph type="sldNum" sz="quarter" idx="12"/>
+          </p:nvPr>
+        </p:nvSpPr>
+        <p:spPr/>
+        <p:txBody>
+          <a:bodyPr/>
+          <a:lstStyle/>
+          <a:p>
+            <a:fld id="{100E1BD7-A6F2-47E2-ACB3-3469C810C63E}" type="slidenum">
+              <a:rPr lang="pt-BR" smtClean="0"/>
+              <a:t>31</a:t>
+            </a:fld>
+            <a:endParaRPr lang="pt-BR"/>
+          </a:p>
+        </p:txBody>
+      </p:sp>
+      <p:sp>
+        <p:nvSpPr>
+          <p:cNvPr id="10" name="TextBox 9">
+            <a:extLst>
+              <a:ext uri="{FF2B5EF4-FFF2-40B4-BE49-F238E27FC236}">
+                <a16:creationId xmlns:a16="http://schemas.microsoft.com/office/drawing/2014/main" id="{52E3E3C8-6B05-B5B5-D4CC-13EED8717509}"/>
+              </a:ext>
+            </a:extLst>
+          </p:cNvPr>
+          <p:cNvSpPr txBox="1"/>
+          <p:nvPr/>
+        </p:nvSpPr>
+        <p:spPr>
+          <a:xfrm>
+            <a:off x="2104158" y="3109119"/>
+            <a:ext cx="8517177" cy="676532"/>
+          </a:xfrm>
+          <a:prstGeom prst="rect">
+            <a:avLst/>
+          </a:prstGeom>
+          <a:noFill/>
+        </p:spPr>
+        <p:txBody>
+          <a:bodyPr wrap="square" rtlCol="0" anchor="ctr">
+            <a:spAutoFit/>
+          </a:bodyPr>
+          <a:lstStyle/>
+          <a:p>
+            <a:pPr algn="ctr">
+              <a:lnSpc>
+                <a:spcPct val="150000"/>
+              </a:lnSpc>
+            </a:pPr>
+            <a:r>
+              <a:rPr lang="pt-BR" sz="2800" i="1" dirty="0">
+                <a:hlinkClick r:id="rId2"/>
+              </a:rPr>
+              <a:t>https://playground.tensorflow.org/</a:t>
+            </a:r>
+            <a:endParaRPr lang="pt-BR" sz="2800" dirty="0"/>
+          </a:p>
+        </p:txBody>
+      </p:sp>
+      <p:pic>
+        <p:nvPicPr>
+          <p:cNvPr id="7" name="Gráfico 6" descr="Processador com preenchimento sólido">
+            <a:extLst>
+              <a:ext uri="{FF2B5EF4-FFF2-40B4-BE49-F238E27FC236}">
+                <a16:creationId xmlns:a16="http://schemas.microsoft.com/office/drawing/2014/main" id="{B9C5C48E-2C24-EC30-1801-77FF3735EDC5}"/>
+              </a:ext>
+            </a:extLst>
+          </p:cNvPr>
+          <p:cNvPicPr>
+            <a:picLocks noChangeAspect="1"/>
+          </p:cNvPicPr>
+          <p:nvPr/>
+        </p:nvPicPr>
+        <p:blipFill>
+          <a:blip r:embed="rId3">
+            <a:extLst>
+              <a:ext uri="{96DAC541-7B7A-43D3-8B79-37D633B846F1}">
+                <asvg:svgBlip xmlns:asvg="http://schemas.microsoft.com/office/drawing/2016/SVG/main" r:embed="rId4"/>
+              </a:ext>
+            </a:extLst>
+          </a:blip>
+          <a:stretch>
+            <a:fillRect/>
+          </a:stretch>
+        </p:blipFill>
+        <p:spPr>
+          <a:xfrm>
+            <a:off x="2809581" y="3109119"/>
+            <a:ext cx="795466" cy="795466"/>
+          </a:xfrm>
+          <a:prstGeom prst="rect">
+            <a:avLst/>
+          </a:prstGeom>
+        </p:spPr>
+      </p:pic>
+    </p:spTree>
+    <p:extLst>
+      <p:ext uri="{BB962C8B-B14F-4D97-AF65-F5344CB8AC3E}">
+        <p14:creationId xmlns:p14="http://schemas.microsoft.com/office/powerpoint/2010/main" val="2338394085"/>
+      </p:ext>
+    </p:extLst>
+  </p:cSld>
+  <p:clrMapOvr>
+    <a:masterClrMapping/>
+  </p:clrMapOvr>
+</p:sld>
+</file>
+
 <file path=ppt/slides/slide4.xml><?xml version="1.0" encoding="utf-8"?>
 <p:sld xmlns:a="http://schemas.openxmlformats.org/drawingml/2006/main" xmlns:r="http://schemas.openxmlformats.org/officeDocument/2006/relationships" xmlns:p="http://schemas.openxmlformats.org/presentationml/2006/main">
   <p:cSld>

--- a/assets/MachineLearning_RedesNeurais.pptx
+++ b/assets/MachineLearning_RedesNeurais.pptx
@@ -5,40 +5,37 @@
     <p:sldMasterId id="2147483648" r:id="rId1"/>
   </p:sldMasterIdLst>
   <p:notesMasterIdLst>
-    <p:notesMasterId r:id="rId33"/>
+    <p:notesMasterId r:id="rId30"/>
   </p:notesMasterIdLst>
   <p:sldIdLst>
     <p:sldId id="256" r:id="rId2"/>
     <p:sldId id="257" r:id="rId3"/>
-    <p:sldId id="258" r:id="rId4"/>
-    <p:sldId id="282" r:id="rId5"/>
-    <p:sldId id="259" r:id="rId6"/>
-    <p:sldId id="260" r:id="rId7"/>
-    <p:sldId id="283" r:id="rId8"/>
-    <p:sldId id="304" r:id="rId9"/>
-    <p:sldId id="305" r:id="rId10"/>
-    <p:sldId id="306" r:id="rId11"/>
-    <p:sldId id="308" r:id="rId12"/>
-    <p:sldId id="307" r:id="rId13"/>
-    <p:sldId id="280" r:id="rId14"/>
-    <p:sldId id="278" r:id="rId15"/>
-    <p:sldId id="287" r:id="rId16"/>
-    <p:sldId id="285" r:id="rId17"/>
-    <p:sldId id="286" r:id="rId18"/>
-    <p:sldId id="284" r:id="rId19"/>
-    <p:sldId id="289" r:id="rId20"/>
-    <p:sldId id="290" r:id="rId21"/>
-    <p:sldId id="302" r:id="rId22"/>
-    <p:sldId id="288" r:id="rId23"/>
-    <p:sldId id="293" r:id="rId24"/>
-    <p:sldId id="297" r:id="rId25"/>
-    <p:sldId id="299" r:id="rId26"/>
-    <p:sldId id="298" r:id="rId27"/>
-    <p:sldId id="300" r:id="rId28"/>
-    <p:sldId id="292" r:id="rId29"/>
-    <p:sldId id="301" r:id="rId30"/>
-    <p:sldId id="303" r:id="rId31"/>
-    <p:sldId id="309" r:id="rId32"/>
+    <p:sldId id="309" r:id="rId4"/>
+    <p:sldId id="258" r:id="rId5"/>
+    <p:sldId id="282" r:id="rId6"/>
+    <p:sldId id="259" r:id="rId7"/>
+    <p:sldId id="260" r:id="rId8"/>
+    <p:sldId id="283" r:id="rId9"/>
+    <p:sldId id="304" r:id="rId10"/>
+    <p:sldId id="305" r:id="rId11"/>
+    <p:sldId id="306" r:id="rId12"/>
+    <p:sldId id="308" r:id="rId13"/>
+    <p:sldId id="307" r:id="rId14"/>
+    <p:sldId id="280" r:id="rId15"/>
+    <p:sldId id="278" r:id="rId16"/>
+    <p:sldId id="287" r:id="rId17"/>
+    <p:sldId id="285" r:id="rId18"/>
+    <p:sldId id="286" r:id="rId19"/>
+    <p:sldId id="284" r:id="rId20"/>
+    <p:sldId id="289" r:id="rId21"/>
+    <p:sldId id="290" r:id="rId22"/>
+    <p:sldId id="302" r:id="rId23"/>
+    <p:sldId id="288" r:id="rId24"/>
+    <p:sldId id="293" r:id="rId25"/>
+    <p:sldId id="297" r:id="rId26"/>
+    <p:sldId id="292" r:id="rId27"/>
+    <p:sldId id="301" r:id="rId28"/>
+    <p:sldId id="303" r:id="rId29"/>
   </p:sldIdLst>
   <p:sldSz cx="12192000" cy="6858000"/>
   <p:notesSz cx="6858000" cy="9144000"/>
@@ -227,7 +224,7 @@
           <a:p>
             <a:fld id="{F75F9399-9FCD-4EB5-9097-B1F7C844D6C0}" type="datetimeFigureOut">
               <a:rPr lang="pt-BR" smtClean="0"/>
-              <a:t>09/09/2024</a:t>
+              <a:t>12/09/2024</a:t>
             </a:fld>
             <a:endParaRPr lang="pt-BR"/>
           </a:p>
@@ -559,7 +556,7 @@
           <a:p>
             <a:fld id="{2AFE8E06-5ACC-4B76-ABC7-227BE4050CB3}" type="slidenum">
               <a:rPr lang="pt-BR" smtClean="0"/>
-              <a:t>6</a:t>
+              <a:t>7</a:t>
             </a:fld>
             <a:endParaRPr lang="pt-BR"/>
           </a:p>
@@ -643,7 +640,7 @@
           <a:p>
             <a:fld id="{2AFE8E06-5ACC-4B76-ABC7-227BE4050CB3}" type="slidenum">
               <a:rPr lang="pt-BR" smtClean="0"/>
-              <a:t>19</a:t>
+              <a:t>20</a:t>
             </a:fld>
             <a:endParaRPr lang="pt-BR"/>
           </a:p>
@@ -809,7 +806,7 @@
           <a:p>
             <a:fld id="{6C726EF1-3415-47A9-AAD0-DEB93AD0CD29}" type="datetime1">
               <a:rPr lang="pt-BR" smtClean="0"/>
-              <a:t>09/09/2024</a:t>
+              <a:t>12/09/2024</a:t>
             </a:fld>
             <a:endParaRPr lang="pt-BR"/>
           </a:p>
@@ -1007,7 +1004,7 @@
           <a:p>
             <a:fld id="{EE569239-516C-47E0-BCF6-9A2AF4BC06CA}" type="datetime1">
               <a:rPr lang="pt-BR" smtClean="0"/>
-              <a:t>09/09/2024</a:t>
+              <a:t>12/09/2024</a:t>
             </a:fld>
             <a:endParaRPr lang="pt-BR"/>
           </a:p>
@@ -1215,7 +1212,7 @@
           <a:p>
             <a:fld id="{76DF1AFA-F169-45B6-8F49-433F5750701E}" type="datetime1">
               <a:rPr lang="pt-BR" smtClean="0"/>
-              <a:t>09/09/2024</a:t>
+              <a:t>12/09/2024</a:t>
             </a:fld>
             <a:endParaRPr lang="pt-BR"/>
           </a:p>
@@ -1413,7 +1410,7 @@
           <a:p>
             <a:fld id="{2CBB738E-6E7C-42C7-B306-D2F69400786E}" type="datetime1">
               <a:rPr lang="pt-BR" smtClean="0"/>
-              <a:t>09/09/2024</a:t>
+              <a:t>12/09/2024</a:t>
             </a:fld>
             <a:endParaRPr lang="pt-BR"/>
           </a:p>
@@ -1688,7 +1685,7 @@
           <a:p>
             <a:fld id="{5DEC77CB-96CC-4F6A-B0CA-CC6FDE8F2E03}" type="datetime1">
               <a:rPr lang="pt-BR" smtClean="0"/>
-              <a:t>09/09/2024</a:t>
+              <a:t>12/09/2024</a:t>
             </a:fld>
             <a:endParaRPr lang="pt-BR"/>
           </a:p>
@@ -1953,7 +1950,7 @@
           <a:p>
             <a:fld id="{AF461D1F-EC60-44F8-806D-8AB5B22260D2}" type="datetime1">
               <a:rPr lang="pt-BR" smtClean="0"/>
-              <a:t>09/09/2024</a:t>
+              <a:t>12/09/2024</a:t>
             </a:fld>
             <a:endParaRPr lang="pt-BR"/>
           </a:p>
@@ -2365,7 +2362,7 @@
           <a:p>
             <a:fld id="{17F36871-66A0-4B15-8698-510B8E856200}" type="datetime1">
               <a:rPr lang="pt-BR" smtClean="0"/>
-              <a:t>09/09/2024</a:t>
+              <a:t>12/09/2024</a:t>
             </a:fld>
             <a:endParaRPr lang="pt-BR"/>
           </a:p>
@@ -2506,7 +2503,7 @@
           <a:p>
             <a:fld id="{EECFC82D-BFF4-466D-8450-5252E65136C8}" type="datetime1">
               <a:rPr lang="pt-BR" smtClean="0"/>
-              <a:t>09/09/2024</a:t>
+              <a:t>12/09/2024</a:t>
             </a:fld>
             <a:endParaRPr lang="pt-BR"/>
           </a:p>
@@ -2619,7 +2616,7 @@
           <a:p>
             <a:fld id="{C70813B8-F369-43AF-AE80-11F6175FB80C}" type="datetime1">
               <a:rPr lang="pt-BR" smtClean="0"/>
-              <a:t>09/09/2024</a:t>
+              <a:t>12/09/2024</a:t>
             </a:fld>
             <a:endParaRPr lang="pt-BR"/>
           </a:p>
@@ -2930,7 +2927,7 @@
           <a:p>
             <a:fld id="{2A78AA8D-55C6-4247-9D6C-A98EA9875AE4}" type="datetime1">
               <a:rPr lang="pt-BR" smtClean="0"/>
-              <a:t>09/09/2024</a:t>
+              <a:t>12/09/2024</a:t>
             </a:fld>
             <a:endParaRPr lang="pt-BR"/>
           </a:p>
@@ -3218,7 +3215,7 @@
           <a:p>
             <a:fld id="{2F63D052-0229-42E2-AE2E-542AE57F799B}" type="datetime1">
               <a:rPr lang="pt-BR" smtClean="0"/>
-              <a:t>09/09/2024</a:t>
+              <a:t>12/09/2024</a:t>
             </a:fld>
             <a:endParaRPr lang="pt-BR"/>
           </a:p>
@@ -3459,7 +3456,7 @@
           <a:p>
             <a:fld id="{66D610B5-AA65-4A19-B373-E5658444F765}" type="datetime1">
               <a:rPr lang="pt-BR" smtClean="0"/>
-              <a:t>09/09/2024</a:t>
+              <a:t>12/09/2024</a:t>
             </a:fld>
             <a:endParaRPr lang="pt-BR"/>
           </a:p>
@@ -4353,7 +4350,7 @@
         </p:nvSpPr>
         <p:spPr>
           <a:xfrm>
-            <a:off x="2140788" y="6202461"/>
+            <a:off x="1999766" y="6231135"/>
             <a:ext cx="8192467" cy="307777"/>
           </a:xfrm>
           <a:prstGeom prst="rect">
@@ -4385,10 +4382,10 @@
       </p:sp>
       <p:pic>
         <p:nvPicPr>
-          <p:cNvPr id="3" name="Picture 2">
-            <a:extLst>
-              <a:ext uri="{FF2B5EF4-FFF2-40B4-BE49-F238E27FC236}">
-                <a16:creationId xmlns:a16="http://schemas.microsoft.com/office/drawing/2014/main" id="{1530405B-DFC5-23E8-8018-0BFDF3897BF5}"/>
+          <p:cNvPr id="7" name="Picture 6">
+            <a:extLst>
+              <a:ext uri="{FF2B5EF4-FFF2-40B4-BE49-F238E27FC236}">
+                <a16:creationId xmlns:a16="http://schemas.microsoft.com/office/drawing/2014/main" id="{279ECDCC-E37B-E13A-DB1E-7174B1A137E8}"/>
               </a:ext>
             </a:extLst>
           </p:cNvPr>
@@ -4417,8 +4414,8 @@
         </p:blipFill>
         <p:spPr>
           <a:xfrm>
-            <a:off x="2491845" y="1694978"/>
-            <a:ext cx="7490355" cy="4473550"/>
+            <a:off x="2360908" y="1428947"/>
+            <a:ext cx="7286625" cy="4619625"/>
           </a:xfrm>
           <a:prstGeom prst="rect">
             <a:avLst/>
@@ -4428,7 +4425,7 @@
     </p:spTree>
     <p:extLst>
       <p:ext uri="{BB962C8B-B14F-4D97-AF65-F5344CB8AC3E}">
-        <p14:creationId xmlns:p14="http://schemas.microsoft.com/office/powerpoint/2010/main" val="2433083078"/>
+        <p14:creationId xmlns:p14="http://schemas.microsoft.com/office/powerpoint/2010/main" val="53910045"/>
       </p:ext>
     </p:extLst>
   </p:cSld>
@@ -4586,7 +4583,7 @@
         </p:nvSpPr>
         <p:spPr>
           <a:xfrm>
-            <a:off x="2380286" y="5509824"/>
+            <a:off x="2140788" y="6202461"/>
             <a:ext cx="8192467" cy="307777"/>
           </a:xfrm>
           <a:prstGeom prst="rect">
@@ -4618,10 +4615,10 @@
       </p:sp>
       <p:pic>
         <p:nvPicPr>
-          <p:cNvPr id="7" name="Picture 6">
-            <a:extLst>
-              <a:ext uri="{FF2B5EF4-FFF2-40B4-BE49-F238E27FC236}">
-                <a16:creationId xmlns:a16="http://schemas.microsoft.com/office/drawing/2014/main" id="{0D6E7E6B-F925-635B-732B-622ADCFEC04C}"/>
+          <p:cNvPr id="3" name="Picture 2">
+            <a:extLst>
+              <a:ext uri="{FF2B5EF4-FFF2-40B4-BE49-F238E27FC236}">
+                <a16:creationId xmlns:a16="http://schemas.microsoft.com/office/drawing/2014/main" id="{1530405B-DFC5-23E8-8018-0BFDF3897BF5}"/>
               </a:ext>
             </a:extLst>
           </p:cNvPr>
@@ -4650,8 +4647,8 @@
         </p:blipFill>
         <p:spPr>
           <a:xfrm>
-            <a:off x="2017375" y="2453884"/>
-            <a:ext cx="8918291" cy="2824970"/>
+            <a:off x="2491845" y="1694978"/>
+            <a:ext cx="7490355" cy="4473550"/>
           </a:xfrm>
           <a:prstGeom prst="rect">
             <a:avLst/>
@@ -4661,7 +4658,7 @@
     </p:spTree>
     <p:extLst>
       <p:ext uri="{BB962C8B-B14F-4D97-AF65-F5344CB8AC3E}">
-        <p14:creationId xmlns:p14="http://schemas.microsoft.com/office/powerpoint/2010/main" val="1422847517"/>
+        <p14:creationId xmlns:p14="http://schemas.microsoft.com/office/powerpoint/2010/main" val="2433083078"/>
       </p:ext>
     </p:extLst>
   </p:cSld>
@@ -4819,7 +4816,7 @@
         </p:nvSpPr>
         <p:spPr>
           <a:xfrm>
-            <a:off x="1999766" y="6231135"/>
+            <a:off x="2380286" y="5509824"/>
             <a:ext cx="8192467" cy="307777"/>
           </a:xfrm>
           <a:prstGeom prst="rect">
@@ -4851,10 +4848,10 @@
       </p:sp>
       <p:pic>
         <p:nvPicPr>
-          <p:cNvPr id="9" name="Picture 8">
-            <a:extLst>
-              <a:ext uri="{FF2B5EF4-FFF2-40B4-BE49-F238E27FC236}">
-                <a16:creationId xmlns:a16="http://schemas.microsoft.com/office/drawing/2014/main" id="{9BDC96E8-6368-F0A8-EF87-0B251C3326FF}"/>
+          <p:cNvPr id="7" name="Picture 6">
+            <a:extLst>
+              <a:ext uri="{FF2B5EF4-FFF2-40B4-BE49-F238E27FC236}">
+                <a16:creationId xmlns:a16="http://schemas.microsoft.com/office/drawing/2014/main" id="{0D6E7E6B-F925-635B-732B-622ADCFEC04C}"/>
               </a:ext>
             </a:extLst>
           </p:cNvPr>
@@ -4883,8 +4880,8 @@
         </p:blipFill>
         <p:spPr>
           <a:xfrm>
-            <a:off x="2306017" y="1787366"/>
-            <a:ext cx="8185947" cy="4319164"/>
+            <a:off x="2017375" y="2453884"/>
+            <a:ext cx="8918291" cy="2824970"/>
           </a:xfrm>
           <a:prstGeom prst="rect">
             <a:avLst/>
@@ -4894,7 +4891,7 @@
     </p:spTree>
     <p:extLst>
       <p:ext uri="{BB962C8B-B14F-4D97-AF65-F5344CB8AC3E}">
-        <p14:creationId xmlns:p14="http://schemas.microsoft.com/office/powerpoint/2010/main" val="3781481651"/>
+        <p14:creationId xmlns:p14="http://schemas.microsoft.com/office/powerpoint/2010/main" val="1422847517"/>
       </p:ext>
     </p:extLst>
   </p:cSld>
@@ -4921,40 +4918,6 @@
           <a:chExt cx="0" cy="0"/>
         </a:xfrm>
       </p:grpSpPr>
-      <p:sp>
-        <p:nvSpPr>
-          <p:cNvPr id="2" name="Título 1">
-            <a:extLst>
-              <a:ext uri="{FF2B5EF4-FFF2-40B4-BE49-F238E27FC236}">
-                <a16:creationId xmlns:a16="http://schemas.microsoft.com/office/drawing/2014/main" id="{BFC061CD-8025-7E8A-76C8-26AC09C7E85D}"/>
-              </a:ext>
-            </a:extLst>
-          </p:cNvPr>
-          <p:cNvSpPr>
-            <a:spLocks noGrp="1"/>
-          </p:cNvSpPr>
-          <p:nvPr>
-            <p:ph type="title"/>
-          </p:nvPr>
-        </p:nvSpPr>
-        <p:spPr>
-          <a:xfrm>
-            <a:off x="399407" y="364893"/>
-            <a:ext cx="11441298" cy="1325563"/>
-          </a:xfrm>
-        </p:spPr>
-        <p:txBody>
-          <a:bodyPr/>
-          <a:lstStyle/>
-          <a:p>
-            <a:pPr algn="ctr"/>
-            <a:r>
-              <a:rPr lang="pt-BR" b="1" dirty="0"/>
-              <a:t>Arquitetura da Rede Neural Artificial (RNA)</a:t>
-            </a:r>
-          </a:p>
-        </p:txBody>
-      </p:sp>
       <p:sp>
         <p:nvSpPr>
           <p:cNvPr id="6" name="Retângulo 5">
@@ -5034,6 +4997,273 @@
             <a:fld id="{100E1BD7-A6F2-47E2-ACB3-3469C810C63E}" type="slidenum">
               <a:rPr lang="pt-BR" smtClean="0"/>
               <a:t>13</a:t>
+            </a:fld>
+            <a:endParaRPr lang="pt-BR"/>
+          </a:p>
+        </p:txBody>
+      </p:sp>
+      <p:sp>
+        <p:nvSpPr>
+          <p:cNvPr id="60" name="Título 1">
+            <a:extLst>
+              <a:ext uri="{FF2B5EF4-FFF2-40B4-BE49-F238E27FC236}">
+                <a16:creationId xmlns:a16="http://schemas.microsoft.com/office/drawing/2014/main" id="{B82307BE-8878-9979-A9B3-8CF4C113D780}"/>
+              </a:ext>
+            </a:extLst>
+          </p:cNvPr>
+          <p:cNvSpPr>
+            <a:spLocks noGrp="1"/>
+          </p:cNvSpPr>
+          <p:nvPr>
+            <p:ph type="title"/>
+          </p:nvPr>
+        </p:nvSpPr>
+        <p:spPr>
+          <a:xfrm>
+            <a:off x="746421" y="211983"/>
+            <a:ext cx="10515600" cy="1325563"/>
+          </a:xfrm>
+        </p:spPr>
+        <p:txBody>
+          <a:bodyPr/>
+          <a:lstStyle/>
+          <a:p>
+            <a:r>
+              <a:rPr lang="pt-BR" b="1" dirty="0"/>
+              <a:t>Funções de ativação</a:t>
+            </a:r>
+          </a:p>
+        </p:txBody>
+      </p:sp>
+      <p:sp>
+        <p:nvSpPr>
+          <p:cNvPr id="4" name="TextBox 3">
+            <a:extLst>
+              <a:ext uri="{FF2B5EF4-FFF2-40B4-BE49-F238E27FC236}">
+                <a16:creationId xmlns:a16="http://schemas.microsoft.com/office/drawing/2014/main" id="{6CF33CFD-3616-D755-AC64-97717068517B}"/>
+              </a:ext>
+            </a:extLst>
+          </p:cNvPr>
+          <p:cNvSpPr txBox="1"/>
+          <p:nvPr/>
+        </p:nvSpPr>
+        <p:spPr>
+          <a:xfrm>
+            <a:off x="1999766" y="6231135"/>
+            <a:ext cx="8192467" cy="307777"/>
+          </a:xfrm>
+          <a:prstGeom prst="rect">
+            <a:avLst/>
+          </a:prstGeom>
+          <a:noFill/>
+        </p:spPr>
+        <p:txBody>
+          <a:bodyPr wrap="square" rtlCol="0">
+            <a:spAutoFit/>
+          </a:bodyPr>
+          <a:lstStyle/>
+          <a:p>
+            <a:r>
+              <a:rPr lang="en-US" sz="1400" dirty="0"/>
+              <a:t>ELGENDY, Mohamed. </a:t>
+            </a:r>
+            <a:r>
+              <a:rPr lang="en-US" sz="1400" b="1" dirty="0"/>
+              <a:t>Deep Learning for Vision Systems</a:t>
+            </a:r>
+            <a:r>
+              <a:rPr lang="en-US" sz="1400" dirty="0"/>
+              <a:t>. Shelter Island: Manning Publications, 2020.</a:t>
+            </a:r>
+            <a:endParaRPr lang="pt-BR" sz="1400" dirty="0"/>
+          </a:p>
+        </p:txBody>
+      </p:sp>
+      <p:pic>
+        <p:nvPicPr>
+          <p:cNvPr id="9" name="Picture 8">
+            <a:extLst>
+              <a:ext uri="{FF2B5EF4-FFF2-40B4-BE49-F238E27FC236}">
+                <a16:creationId xmlns:a16="http://schemas.microsoft.com/office/drawing/2014/main" id="{9BDC96E8-6368-F0A8-EF87-0B251C3326FF}"/>
+              </a:ext>
+            </a:extLst>
+          </p:cNvPr>
+          <p:cNvPicPr>
+            <a:picLocks noChangeAspect="1"/>
+          </p:cNvPicPr>
+          <p:nvPr/>
+        </p:nvPicPr>
+        <p:blipFill>
+          <a:blip r:embed="rId2">
+            <a:extLst>
+              <a:ext uri="{BEBA8EAE-BF5A-486C-A8C5-ECC9F3942E4B}">
+                <a14:imgProps xmlns:a14="http://schemas.microsoft.com/office/drawing/2010/main">
+                  <a14:imgLayer r:embed="rId3">
+                    <a14:imgEffect>
+                      <a14:sharpenSoften amount="25000"/>
+                    </a14:imgEffect>
+                  </a14:imgLayer>
+                </a14:imgProps>
+              </a:ext>
+            </a:extLst>
+          </a:blip>
+          <a:stretch>
+            <a:fillRect/>
+          </a:stretch>
+        </p:blipFill>
+        <p:spPr>
+          <a:xfrm>
+            <a:off x="2306017" y="1787366"/>
+            <a:ext cx="8185947" cy="4319164"/>
+          </a:xfrm>
+          <a:prstGeom prst="rect">
+            <a:avLst/>
+          </a:prstGeom>
+        </p:spPr>
+      </p:pic>
+    </p:spTree>
+    <p:extLst>
+      <p:ext uri="{BB962C8B-B14F-4D97-AF65-F5344CB8AC3E}">
+        <p14:creationId xmlns:p14="http://schemas.microsoft.com/office/powerpoint/2010/main" val="3781481651"/>
+      </p:ext>
+    </p:extLst>
+  </p:cSld>
+  <p:clrMapOvr>
+    <a:masterClrMapping/>
+  </p:clrMapOvr>
+</p:sld>
+</file>
+
+<file path=ppt/slides/slide14.xml><?xml version="1.0" encoding="utf-8"?>
+<p:sld xmlns:a="http://schemas.openxmlformats.org/drawingml/2006/main" xmlns:r="http://schemas.openxmlformats.org/officeDocument/2006/relationships" xmlns:p="http://schemas.openxmlformats.org/presentationml/2006/main">
+  <p:cSld>
+    <p:spTree>
+      <p:nvGrpSpPr>
+        <p:cNvPr id="1" name=""/>
+        <p:cNvGrpSpPr/>
+        <p:nvPr/>
+      </p:nvGrpSpPr>
+      <p:grpSpPr>
+        <a:xfrm>
+          <a:off x="0" y="0"/>
+          <a:ext cx="0" cy="0"/>
+          <a:chOff x="0" y="0"/>
+          <a:chExt cx="0" cy="0"/>
+        </a:xfrm>
+      </p:grpSpPr>
+      <p:sp>
+        <p:nvSpPr>
+          <p:cNvPr id="2" name="Título 1">
+            <a:extLst>
+              <a:ext uri="{FF2B5EF4-FFF2-40B4-BE49-F238E27FC236}">
+                <a16:creationId xmlns:a16="http://schemas.microsoft.com/office/drawing/2014/main" id="{BFC061CD-8025-7E8A-76C8-26AC09C7E85D}"/>
+              </a:ext>
+            </a:extLst>
+          </p:cNvPr>
+          <p:cNvSpPr>
+            <a:spLocks noGrp="1"/>
+          </p:cNvSpPr>
+          <p:nvPr>
+            <p:ph type="title"/>
+          </p:nvPr>
+        </p:nvSpPr>
+        <p:spPr>
+          <a:xfrm>
+            <a:off x="399407" y="364893"/>
+            <a:ext cx="11441298" cy="1325563"/>
+          </a:xfrm>
+        </p:spPr>
+        <p:txBody>
+          <a:bodyPr/>
+          <a:lstStyle/>
+          <a:p>
+            <a:pPr algn="ctr"/>
+            <a:r>
+              <a:rPr lang="pt-BR" b="1" dirty="0"/>
+              <a:t>Arquitetura da Rede Neural Artificial (RNA)</a:t>
+            </a:r>
+          </a:p>
+        </p:txBody>
+      </p:sp>
+      <p:sp>
+        <p:nvSpPr>
+          <p:cNvPr id="6" name="Retângulo 5">
+            <a:extLst>
+              <a:ext uri="{FF2B5EF4-FFF2-40B4-BE49-F238E27FC236}">
+                <a16:creationId xmlns:a16="http://schemas.microsoft.com/office/drawing/2014/main" id="{6400DBFB-4C95-4BC9-2AC3-48B17B718C74}"/>
+              </a:ext>
+            </a:extLst>
+          </p:cNvPr>
+          <p:cNvSpPr/>
+          <p:nvPr/>
+        </p:nvSpPr>
+        <p:spPr>
+          <a:xfrm>
+            <a:off x="0" y="0"/>
+            <a:ext cx="12192000" cy="230188"/>
+          </a:xfrm>
+          <a:prstGeom prst="rect">
+            <a:avLst/>
+          </a:prstGeom>
+          <a:solidFill>
+            <a:schemeClr val="accent4">
+              <a:lumMod val="20000"/>
+              <a:lumOff val="80000"/>
+            </a:schemeClr>
+          </a:solidFill>
+          <a:ln>
+            <a:noFill/>
+          </a:ln>
+        </p:spPr>
+        <p:style>
+          <a:lnRef idx="2">
+            <a:schemeClr val="accent1">
+              <a:shade val="15000"/>
+            </a:schemeClr>
+          </a:lnRef>
+          <a:fillRef idx="1">
+            <a:schemeClr val="accent1"/>
+          </a:fillRef>
+          <a:effectRef idx="0">
+            <a:schemeClr val="accent1"/>
+          </a:effectRef>
+          <a:fontRef idx="minor">
+            <a:schemeClr val="lt1"/>
+          </a:fontRef>
+        </p:style>
+        <p:txBody>
+          <a:bodyPr rtlCol="0" anchor="ctr"/>
+          <a:lstStyle/>
+          <a:p>
+            <a:pPr algn="ctr"/>
+            <a:endParaRPr lang="pt-BR"/>
+          </a:p>
+        </p:txBody>
+      </p:sp>
+      <p:sp>
+        <p:nvSpPr>
+          <p:cNvPr id="5" name="Espaço Reservado para Número de Slide 4">
+            <a:extLst>
+              <a:ext uri="{FF2B5EF4-FFF2-40B4-BE49-F238E27FC236}">
+                <a16:creationId xmlns:a16="http://schemas.microsoft.com/office/drawing/2014/main" id="{D416299F-8052-567E-AB96-8DD159F8779D}"/>
+              </a:ext>
+            </a:extLst>
+          </p:cNvPr>
+          <p:cNvSpPr>
+            <a:spLocks noGrp="1"/>
+          </p:cNvSpPr>
+          <p:nvPr>
+            <p:ph type="sldNum" sz="quarter" idx="12"/>
+          </p:nvPr>
+        </p:nvSpPr>
+        <p:spPr/>
+        <p:txBody>
+          <a:bodyPr/>
+          <a:lstStyle/>
+          <a:p>
+            <a:fld id="{100E1BD7-A6F2-47E2-ACB3-3469C810C63E}" type="slidenum">
+              <a:rPr lang="pt-BR" smtClean="0"/>
+              <a:t>14</a:t>
             </a:fld>
             <a:endParaRPr lang="pt-BR"/>
           </a:p>
@@ -5448,7 +5678,7 @@
 </p:sld>
 </file>
 
-<file path=ppt/slides/slide14.xml><?xml version="1.0" encoding="utf-8"?>
+<file path=ppt/slides/slide15.xml><?xml version="1.0" encoding="utf-8"?>
 <p:sld xmlns:a="http://schemas.openxmlformats.org/drawingml/2006/main" xmlns:r="http://schemas.openxmlformats.org/officeDocument/2006/relationships" xmlns:p="http://schemas.openxmlformats.org/presentationml/2006/main">
   <p:cSld>
     <p:spTree>
@@ -5576,7 +5806,7 @@
           <a:p>
             <a:fld id="{100E1BD7-A6F2-47E2-ACB3-3469C810C63E}" type="slidenum">
               <a:rPr lang="pt-BR" smtClean="0"/>
-              <a:t>14</a:t>
+              <a:t>15</a:t>
             </a:fld>
             <a:endParaRPr lang="pt-BR"/>
           </a:p>
@@ -6240,7 +6470,7 @@
 </p:sld>
 </file>
 
-<file path=ppt/slides/slide15.xml><?xml version="1.0" encoding="utf-8"?>
+<file path=ppt/slides/slide16.xml><?xml version="1.0" encoding="utf-8"?>
 <p:sld xmlns:a="http://schemas.openxmlformats.org/drawingml/2006/main" xmlns:r="http://schemas.openxmlformats.org/officeDocument/2006/relationships" xmlns:p="http://schemas.openxmlformats.org/presentationml/2006/main">
   <p:cSld>
     <p:spTree>
@@ -6452,7 +6682,7 @@
           <a:p>
             <a:fld id="{100E1BD7-A6F2-47E2-ACB3-3469C810C63E}" type="slidenum">
               <a:rPr lang="pt-BR" smtClean="0"/>
-              <a:t>15</a:t>
+              <a:t>16</a:t>
             </a:fld>
             <a:endParaRPr lang="pt-BR"/>
           </a:p>
@@ -6493,7 +6723,21 @@
             </a:pPr>
             <a:r>
               <a:rPr lang="pt-BR" sz="1500" b="1" dirty="0"/>
-              <a:t>O </a:t>
+              <a:t>O</a:t>
+            </a:r>
+            <a:r>
+              <a:rPr lang="pt-BR" sz="1500" b="1" dirty="0">
+                <a:solidFill>
+                  <a:schemeClr val="accent4">
+                    <a:lumMod val="50000"/>
+                  </a:schemeClr>
+                </a:solidFill>
+              </a:rPr>
+              <a:t> modelo  #1 </a:t>
+            </a:r>
+            <a:r>
+              <a:rPr lang="pt-BR" sz="1500" b="1" dirty="0"/>
+              <a:t>está fazendo um trabalho melhor em minimizar o erro, enquanto o </a:t>
             </a:r>
             <a:r>
               <a:rPr lang="pt-BR" sz="1500" b="1" dirty="0">
@@ -6501,11 +6745,7 @@
                   <a:srgbClr val="7C282A"/>
                 </a:solidFill>
               </a:rPr>
-              <a:t>modelo  #1 </a:t>
-            </a:r>
-            <a:r>
-              <a:rPr lang="pt-BR" sz="1500" b="1" dirty="0"/>
-              <a:t>está fazendo um trabalho melhor em minimizar o erro, enquanto o </a:t>
+              <a:t>modelo #2</a:t>
             </a:r>
             <a:r>
               <a:rPr lang="pt-BR" sz="1500" b="1" dirty="0">
@@ -6513,7 +6753,7 @@
                   <a:srgbClr val="235867"/>
                 </a:solidFill>
               </a:rPr>
-              <a:t>modelo #2 </a:t>
+              <a:t> </a:t>
             </a:r>
             <a:r>
               <a:rPr lang="pt-BR" sz="1500" b="1" dirty="0"/>
@@ -6662,7 +6902,7 @@
 </p:sld>
 </file>
 
-<file path=ppt/slides/slide16.xml><?xml version="1.0" encoding="utf-8"?>
+<file path=ppt/slides/slide17.xml><?xml version="1.0" encoding="utf-8"?>
 <p:sld xmlns:a="http://schemas.openxmlformats.org/drawingml/2006/main" xmlns:r="http://schemas.openxmlformats.org/officeDocument/2006/relationships" xmlns:p="http://schemas.openxmlformats.org/presentationml/2006/main">
   <p:cSld>
     <p:spTree>
@@ -6785,7 +7025,7 @@
           <a:p>
             <a:fld id="{100E1BD7-A6F2-47E2-ACB3-3469C810C63E}" type="slidenum">
               <a:rPr lang="pt-BR" smtClean="0"/>
-              <a:t>16</a:t>
+              <a:t>17</a:t>
             </a:fld>
             <a:endParaRPr lang="pt-BR"/>
           </a:p>
@@ -7088,7 +7328,7 @@
 </p:sld>
 </file>
 
-<file path=ppt/slides/slide17.xml><?xml version="1.0" encoding="utf-8"?>
+<file path=ppt/slides/slide18.xml><?xml version="1.0" encoding="utf-8"?>
 <p:sld xmlns:a="http://schemas.openxmlformats.org/drawingml/2006/main" xmlns:r="http://schemas.openxmlformats.org/officeDocument/2006/relationships" xmlns:p="http://schemas.openxmlformats.org/presentationml/2006/main">
   <p:cSld>
     <p:spTree>
@@ -7216,7 +7456,7 @@
           <a:p>
             <a:fld id="{100E1BD7-A6F2-47E2-ACB3-3469C810C63E}" type="slidenum">
               <a:rPr lang="pt-BR" smtClean="0"/>
-              <a:t>17</a:t>
+              <a:t>18</a:t>
             </a:fld>
             <a:endParaRPr lang="pt-BR"/>
           </a:p>
@@ -7371,7 +7611,7 @@
 </p:sld>
 </file>
 
-<file path=ppt/slides/slide18.xml><?xml version="1.0" encoding="utf-8"?>
+<file path=ppt/slides/slide19.xml><?xml version="1.0" encoding="utf-8"?>
 <p:sld xmlns:a="http://schemas.openxmlformats.org/drawingml/2006/main" xmlns:r="http://schemas.openxmlformats.org/officeDocument/2006/relationships" xmlns:p="http://schemas.openxmlformats.org/presentationml/2006/main">
   <p:cSld>
     <p:spTree>
@@ -7524,7 +7764,7 @@
           <a:p>
             <a:fld id="{100E1BD7-A6F2-47E2-ACB3-3469C810C63E}" type="slidenum">
               <a:rPr lang="pt-BR" smtClean="0"/>
-              <a:t>18</a:t>
+              <a:t>19</a:t>
             </a:fld>
             <a:endParaRPr lang="pt-BR"/>
           </a:p>
@@ -7726,239 +7966,6 @@
     <p:extLst>
       <p:ext uri="{BB962C8B-B14F-4D97-AF65-F5344CB8AC3E}">
         <p14:creationId xmlns:p14="http://schemas.microsoft.com/office/powerpoint/2010/main" val="1978176053"/>
-      </p:ext>
-    </p:extLst>
-  </p:cSld>
-  <p:clrMapOvr>
-    <a:masterClrMapping/>
-  </p:clrMapOvr>
-</p:sld>
-</file>
-
-<file path=ppt/slides/slide19.xml><?xml version="1.0" encoding="utf-8"?>
-<p:sld xmlns:a="http://schemas.openxmlformats.org/drawingml/2006/main" xmlns:r="http://schemas.openxmlformats.org/officeDocument/2006/relationships" xmlns:p="http://schemas.openxmlformats.org/presentationml/2006/main">
-  <p:cSld>
-    <p:spTree>
-      <p:nvGrpSpPr>
-        <p:cNvPr id="1" name=""/>
-        <p:cNvGrpSpPr/>
-        <p:nvPr/>
-      </p:nvGrpSpPr>
-      <p:grpSpPr>
-        <a:xfrm>
-          <a:off x="0" y="0"/>
-          <a:ext cx="0" cy="0"/>
-          <a:chOff x="0" y="0"/>
-          <a:chExt cx="0" cy="0"/>
-        </a:xfrm>
-      </p:grpSpPr>
-      <p:sp>
-        <p:nvSpPr>
-          <p:cNvPr id="2" name="Título 1">
-            <a:extLst>
-              <a:ext uri="{FF2B5EF4-FFF2-40B4-BE49-F238E27FC236}">
-                <a16:creationId xmlns:a16="http://schemas.microsoft.com/office/drawing/2014/main" id="{BFC061CD-8025-7E8A-76C8-26AC09C7E85D}"/>
-              </a:ext>
-            </a:extLst>
-          </p:cNvPr>
-          <p:cNvSpPr>
-            <a:spLocks noGrp="1"/>
-          </p:cNvSpPr>
-          <p:nvPr>
-            <p:ph type="title"/>
-          </p:nvPr>
-        </p:nvSpPr>
-        <p:spPr>
-          <a:xfrm>
-            <a:off x="838200" y="200003"/>
-            <a:ext cx="10515600" cy="1325563"/>
-          </a:xfrm>
-        </p:spPr>
-        <p:txBody>
-          <a:bodyPr/>
-          <a:lstStyle/>
-          <a:p>
-            <a:r>
-              <a:rPr lang="pt-BR" b="1" dirty="0"/>
-              <a:t>Exemplo prático 1</a:t>
-            </a:r>
-          </a:p>
-        </p:txBody>
-      </p:sp>
-      <p:sp>
-        <p:nvSpPr>
-          <p:cNvPr id="6" name="Retângulo 5">
-            <a:extLst>
-              <a:ext uri="{FF2B5EF4-FFF2-40B4-BE49-F238E27FC236}">
-                <a16:creationId xmlns:a16="http://schemas.microsoft.com/office/drawing/2014/main" id="{6400DBFB-4C95-4BC9-2AC3-48B17B718C74}"/>
-              </a:ext>
-            </a:extLst>
-          </p:cNvPr>
-          <p:cNvSpPr/>
-          <p:nvPr/>
-        </p:nvSpPr>
-        <p:spPr>
-          <a:xfrm>
-            <a:off x="0" y="0"/>
-            <a:ext cx="12192000" cy="230188"/>
-          </a:xfrm>
-          <a:prstGeom prst="rect">
-            <a:avLst/>
-          </a:prstGeom>
-          <a:solidFill>
-            <a:schemeClr val="accent4">
-              <a:lumMod val="20000"/>
-              <a:lumOff val="80000"/>
-            </a:schemeClr>
-          </a:solidFill>
-          <a:ln>
-            <a:noFill/>
-          </a:ln>
-        </p:spPr>
-        <p:style>
-          <a:lnRef idx="2">
-            <a:schemeClr val="accent1">
-              <a:shade val="15000"/>
-            </a:schemeClr>
-          </a:lnRef>
-          <a:fillRef idx="1">
-            <a:schemeClr val="accent1"/>
-          </a:fillRef>
-          <a:effectRef idx="0">
-            <a:schemeClr val="accent1"/>
-          </a:effectRef>
-          <a:fontRef idx="minor">
-            <a:schemeClr val="lt1"/>
-          </a:fontRef>
-        </p:style>
-        <p:txBody>
-          <a:bodyPr rtlCol="0" anchor="ctr"/>
-          <a:lstStyle/>
-          <a:p>
-            <a:pPr algn="ctr"/>
-            <a:endParaRPr lang="pt-BR"/>
-          </a:p>
-        </p:txBody>
-      </p:sp>
-      <p:sp>
-        <p:nvSpPr>
-          <p:cNvPr id="4" name="Espaço Reservado para Número de Slide 3">
-            <a:extLst>
-              <a:ext uri="{FF2B5EF4-FFF2-40B4-BE49-F238E27FC236}">
-                <a16:creationId xmlns:a16="http://schemas.microsoft.com/office/drawing/2014/main" id="{1A1582B6-145D-0C8B-C335-D471D444DA79}"/>
-              </a:ext>
-            </a:extLst>
-          </p:cNvPr>
-          <p:cNvSpPr>
-            <a:spLocks noGrp="1"/>
-          </p:cNvSpPr>
-          <p:nvPr>
-            <p:ph type="sldNum" sz="quarter" idx="12"/>
-          </p:nvPr>
-        </p:nvSpPr>
-        <p:spPr/>
-        <p:txBody>
-          <a:bodyPr/>
-          <a:lstStyle/>
-          <a:p>
-            <a:fld id="{100E1BD7-A6F2-47E2-ACB3-3469C810C63E}" type="slidenum">
-              <a:rPr lang="pt-BR" smtClean="0"/>
-              <a:t>19</a:t>
-            </a:fld>
-            <a:endParaRPr lang="pt-BR"/>
-          </a:p>
-        </p:txBody>
-      </p:sp>
-      <p:pic>
-        <p:nvPicPr>
-          <p:cNvPr id="5" name="Picture 4">
-            <a:extLst>
-              <a:ext uri="{FF2B5EF4-FFF2-40B4-BE49-F238E27FC236}">
-                <a16:creationId xmlns:a16="http://schemas.microsoft.com/office/drawing/2014/main" id="{BEB181CB-491E-0D86-32D2-5A88B69EC3BE}"/>
-              </a:ext>
-            </a:extLst>
-          </p:cNvPr>
-          <p:cNvPicPr>
-            <a:picLocks noChangeAspect="1"/>
-          </p:cNvPicPr>
-          <p:nvPr/>
-        </p:nvPicPr>
-        <p:blipFill>
-          <a:blip r:embed="rId3">
-            <a:extLst>
-              <a:ext uri="{BEBA8EAE-BF5A-486C-A8C5-ECC9F3942E4B}">
-                <a14:imgProps xmlns:a14="http://schemas.microsoft.com/office/drawing/2010/main">
-                  <a14:imgLayer r:embed="rId4">
-                    <a14:imgEffect>
-                      <a14:sharpenSoften amount="25000"/>
-                    </a14:imgEffect>
-                  </a14:imgLayer>
-                </a14:imgProps>
-              </a:ext>
-            </a:extLst>
-          </a:blip>
-          <a:stretch>
-            <a:fillRect/>
-          </a:stretch>
-        </p:blipFill>
-        <p:spPr>
-          <a:xfrm>
-            <a:off x="2790702" y="1773813"/>
-            <a:ext cx="7191498" cy="4041094"/>
-          </a:xfrm>
-          <a:prstGeom prst="rect">
-            <a:avLst/>
-          </a:prstGeom>
-        </p:spPr>
-      </p:pic>
-      <p:sp>
-        <p:nvSpPr>
-          <p:cNvPr id="3" name="TextBox 2">
-            <a:extLst>
-              <a:ext uri="{FF2B5EF4-FFF2-40B4-BE49-F238E27FC236}">
-                <a16:creationId xmlns:a16="http://schemas.microsoft.com/office/drawing/2014/main" id="{5DA65894-F5D5-7ACA-3F91-467CDE79CFE6}"/>
-              </a:ext>
-            </a:extLst>
-          </p:cNvPr>
-          <p:cNvSpPr txBox="1"/>
-          <p:nvPr/>
-        </p:nvSpPr>
-        <p:spPr>
-          <a:xfrm>
-            <a:off x="2399372" y="6048573"/>
-            <a:ext cx="8192467" cy="307777"/>
-          </a:xfrm>
-          <a:prstGeom prst="rect">
-            <a:avLst/>
-          </a:prstGeom>
-          <a:noFill/>
-        </p:spPr>
-        <p:txBody>
-          <a:bodyPr wrap="square" rtlCol="0">
-            <a:spAutoFit/>
-          </a:bodyPr>
-          <a:lstStyle/>
-          <a:p>
-            <a:r>
-              <a:rPr lang="en-US" sz="1400" dirty="0"/>
-              <a:t>ELGENDY, Mohamed. </a:t>
-            </a:r>
-            <a:r>
-              <a:rPr lang="en-US" sz="1400" b="1" dirty="0"/>
-              <a:t>Deep Learning for Vision Systems</a:t>
-            </a:r>
-            <a:r>
-              <a:rPr lang="en-US" sz="1400" dirty="0"/>
-              <a:t>. Shelter Island: Manning Publications, 2020.</a:t>
-            </a:r>
-            <a:endParaRPr lang="pt-BR" sz="1400" dirty="0"/>
-          </a:p>
-        </p:txBody>
-      </p:sp>
-    </p:spTree>
-    <p:extLst>
-      <p:ext uri="{BB962C8B-B14F-4D97-AF65-F5344CB8AC3E}">
-        <p14:creationId xmlns:p14="http://schemas.microsoft.com/office/powerpoint/2010/main" val="2586896809"/>
       </p:ext>
     </p:extLst>
   </p:cSld>
@@ -8286,6 +8293,39 @@
       </p:grpSpPr>
       <p:sp>
         <p:nvSpPr>
+          <p:cNvPr id="2" name="Título 1">
+            <a:extLst>
+              <a:ext uri="{FF2B5EF4-FFF2-40B4-BE49-F238E27FC236}">
+                <a16:creationId xmlns:a16="http://schemas.microsoft.com/office/drawing/2014/main" id="{BFC061CD-8025-7E8A-76C8-26AC09C7E85D}"/>
+              </a:ext>
+            </a:extLst>
+          </p:cNvPr>
+          <p:cNvSpPr>
+            <a:spLocks noGrp="1"/>
+          </p:cNvSpPr>
+          <p:nvPr>
+            <p:ph type="title"/>
+          </p:nvPr>
+        </p:nvSpPr>
+        <p:spPr>
+          <a:xfrm>
+            <a:off x="838200" y="200003"/>
+            <a:ext cx="10515600" cy="1325563"/>
+          </a:xfrm>
+        </p:spPr>
+        <p:txBody>
+          <a:bodyPr/>
+          <a:lstStyle/>
+          <a:p>
+            <a:r>
+              <a:rPr lang="pt-BR" b="1" dirty="0"/>
+              <a:t>Exemplo prático 1</a:t>
+            </a:r>
+          </a:p>
+        </p:txBody>
+      </p:sp>
+      <p:sp>
+        <p:nvSpPr>
           <p:cNvPr id="6" name="Retângulo 5">
             <a:extLst>
               <a:ext uri="{FF2B5EF4-FFF2-40B4-BE49-F238E27FC236}">
@@ -8370,10 +8410,10 @@
       </p:sp>
       <p:pic>
         <p:nvPicPr>
-          <p:cNvPr id="7" name="Picture 6">
-            <a:extLst>
-              <a:ext uri="{FF2B5EF4-FFF2-40B4-BE49-F238E27FC236}">
-                <a16:creationId xmlns:a16="http://schemas.microsoft.com/office/drawing/2014/main" id="{F3DA4F00-D01C-76CC-80C1-7465C12A9BAD}"/>
+          <p:cNvPr id="5" name="Picture 4">
+            <a:extLst>
+              <a:ext uri="{FF2B5EF4-FFF2-40B4-BE49-F238E27FC236}">
+                <a16:creationId xmlns:a16="http://schemas.microsoft.com/office/drawing/2014/main" id="{BEB181CB-491E-0D86-32D2-5A88B69EC3BE}"/>
               </a:ext>
             </a:extLst>
           </p:cNvPr>
@@ -8382,12 +8422,12 @@
           </p:cNvPicPr>
           <p:nvPr/>
         </p:nvPicPr>
-        <p:blipFill rotWithShape="1">
-          <a:blip r:embed="rId2">
+        <p:blipFill>
+          <a:blip r:embed="rId3">
             <a:extLst>
               <a:ext uri="{BEBA8EAE-BF5A-486C-A8C5-ECC9F3942E4B}">
                 <a14:imgProps xmlns:a14="http://schemas.microsoft.com/office/drawing/2010/main">
-                  <a14:imgLayer r:embed="rId3">
+                  <a14:imgLayer r:embed="rId4">
                     <a14:imgEffect>
                       <a14:sharpenSoften amount="25000"/>
                     </a14:imgEffect>
@@ -8396,13 +8436,14 @@
               </a:ext>
             </a:extLst>
           </a:blip>
-          <a:srcRect l="616" t="507" r="-616"/>
-          <a:stretch/>
+          <a:stretch>
+            <a:fillRect/>
+          </a:stretch>
         </p:blipFill>
         <p:spPr>
           <a:xfrm>
-            <a:off x="3504244" y="1212714"/>
-            <a:ext cx="4849342" cy="4870435"/>
+            <a:off x="2790702" y="1773813"/>
+            <a:ext cx="7191498" cy="4041094"/>
           </a:xfrm>
           <a:prstGeom prst="rect">
             <a:avLst/>
@@ -8414,7 +8455,7 @@
           <p:cNvPr id="3" name="TextBox 2">
             <a:extLst>
               <a:ext uri="{FF2B5EF4-FFF2-40B4-BE49-F238E27FC236}">
-                <a16:creationId xmlns:a16="http://schemas.microsoft.com/office/drawing/2014/main" id="{259D28BC-4C84-A2E7-48E2-630D21AB34BC}"/>
+                <a16:creationId xmlns:a16="http://schemas.microsoft.com/office/drawing/2014/main" id="{5DA65894-F5D5-7ACA-3F91-467CDE79CFE6}"/>
               </a:ext>
             </a:extLst>
           </p:cNvPr>
@@ -8423,7 +8464,7 @@
         </p:nvSpPr>
         <p:spPr>
           <a:xfrm>
-            <a:off x="2383874" y="6231135"/>
+            <a:off x="2399372" y="6048573"/>
             <a:ext cx="8192467" cy="307777"/>
           </a:xfrm>
           <a:prstGeom prst="rect">
@@ -8453,43 +8494,10 @@
           </a:p>
         </p:txBody>
       </p:sp>
-      <p:sp>
-        <p:nvSpPr>
-          <p:cNvPr id="10" name="Título 1">
-            <a:extLst>
-              <a:ext uri="{FF2B5EF4-FFF2-40B4-BE49-F238E27FC236}">
-                <a16:creationId xmlns:a16="http://schemas.microsoft.com/office/drawing/2014/main" id="{48E30312-10B9-B7E0-D6C0-65A9450A52A7}"/>
-              </a:ext>
-            </a:extLst>
-          </p:cNvPr>
-          <p:cNvSpPr>
-            <a:spLocks noGrp="1"/>
-          </p:cNvSpPr>
-          <p:nvPr>
-            <p:ph type="title"/>
-          </p:nvPr>
-        </p:nvSpPr>
-        <p:spPr>
-          <a:xfrm>
-            <a:off x="838200" y="200003"/>
-            <a:ext cx="10515600" cy="1325563"/>
-          </a:xfrm>
-        </p:spPr>
-        <p:txBody>
-          <a:bodyPr/>
-          <a:lstStyle/>
-          <a:p>
-            <a:r>
-              <a:rPr lang="pt-BR" b="1" dirty="0"/>
-              <a:t>Exemplo prático 2</a:t>
-            </a:r>
-          </a:p>
-        </p:txBody>
-      </p:sp>
     </p:spTree>
     <p:extLst>
       <p:ext uri="{BB962C8B-B14F-4D97-AF65-F5344CB8AC3E}">
-        <p14:creationId xmlns:p14="http://schemas.microsoft.com/office/powerpoint/2010/main" val="925514896"/>
+        <p14:creationId xmlns:p14="http://schemas.microsoft.com/office/powerpoint/2010/main" val="2586896809"/>
       </p:ext>
     </p:extLst>
   </p:cSld>
@@ -8516,34 +8524,6 @@
           <a:chExt cx="0" cy="0"/>
         </a:xfrm>
       </p:grpSpPr>
-      <p:sp>
-        <p:nvSpPr>
-          <p:cNvPr id="2" name="Título 1">
-            <a:extLst>
-              <a:ext uri="{FF2B5EF4-FFF2-40B4-BE49-F238E27FC236}">
-                <a16:creationId xmlns:a16="http://schemas.microsoft.com/office/drawing/2014/main" id="{BFC061CD-8025-7E8A-76C8-26AC09C7E85D}"/>
-              </a:ext>
-            </a:extLst>
-          </p:cNvPr>
-          <p:cNvSpPr>
-            <a:spLocks noGrp="1"/>
-          </p:cNvSpPr>
-          <p:nvPr>
-            <p:ph type="title"/>
-          </p:nvPr>
-        </p:nvSpPr>
-        <p:spPr/>
-        <p:txBody>
-          <a:bodyPr/>
-          <a:lstStyle/>
-          <a:p>
-            <a:r>
-              <a:rPr lang="pt-BR" b="1" dirty="0"/>
-              <a:t>Exemplo prático 3</a:t>
-            </a:r>
-          </a:p>
-        </p:txBody>
-      </p:sp>
       <p:sp>
         <p:nvSpPr>
           <p:cNvPr id="6" name="Retângulo 5">
@@ -8623,6 +8603,266 @@
             <a:fld id="{100E1BD7-A6F2-47E2-ACB3-3469C810C63E}" type="slidenum">
               <a:rPr lang="pt-BR" smtClean="0"/>
               <a:t>21</a:t>
+            </a:fld>
+            <a:endParaRPr lang="pt-BR"/>
+          </a:p>
+        </p:txBody>
+      </p:sp>
+      <p:pic>
+        <p:nvPicPr>
+          <p:cNvPr id="7" name="Picture 6">
+            <a:extLst>
+              <a:ext uri="{FF2B5EF4-FFF2-40B4-BE49-F238E27FC236}">
+                <a16:creationId xmlns:a16="http://schemas.microsoft.com/office/drawing/2014/main" id="{F3DA4F00-D01C-76CC-80C1-7465C12A9BAD}"/>
+              </a:ext>
+            </a:extLst>
+          </p:cNvPr>
+          <p:cNvPicPr>
+            <a:picLocks noChangeAspect="1"/>
+          </p:cNvPicPr>
+          <p:nvPr/>
+        </p:nvPicPr>
+        <p:blipFill rotWithShape="1">
+          <a:blip r:embed="rId2">
+            <a:extLst>
+              <a:ext uri="{BEBA8EAE-BF5A-486C-A8C5-ECC9F3942E4B}">
+                <a14:imgProps xmlns:a14="http://schemas.microsoft.com/office/drawing/2010/main">
+                  <a14:imgLayer r:embed="rId3">
+                    <a14:imgEffect>
+                      <a14:sharpenSoften amount="25000"/>
+                    </a14:imgEffect>
+                  </a14:imgLayer>
+                </a14:imgProps>
+              </a:ext>
+            </a:extLst>
+          </a:blip>
+          <a:srcRect l="616" t="507" r="-616"/>
+          <a:stretch/>
+        </p:blipFill>
+        <p:spPr>
+          <a:xfrm>
+            <a:off x="3504244" y="1212714"/>
+            <a:ext cx="4849342" cy="4870435"/>
+          </a:xfrm>
+          <a:prstGeom prst="rect">
+            <a:avLst/>
+          </a:prstGeom>
+        </p:spPr>
+      </p:pic>
+      <p:sp>
+        <p:nvSpPr>
+          <p:cNvPr id="3" name="TextBox 2">
+            <a:extLst>
+              <a:ext uri="{FF2B5EF4-FFF2-40B4-BE49-F238E27FC236}">
+                <a16:creationId xmlns:a16="http://schemas.microsoft.com/office/drawing/2014/main" id="{259D28BC-4C84-A2E7-48E2-630D21AB34BC}"/>
+              </a:ext>
+            </a:extLst>
+          </p:cNvPr>
+          <p:cNvSpPr txBox="1"/>
+          <p:nvPr/>
+        </p:nvSpPr>
+        <p:spPr>
+          <a:xfrm>
+            <a:off x="2383874" y="6231135"/>
+            <a:ext cx="8192467" cy="307777"/>
+          </a:xfrm>
+          <a:prstGeom prst="rect">
+            <a:avLst/>
+          </a:prstGeom>
+          <a:noFill/>
+        </p:spPr>
+        <p:txBody>
+          <a:bodyPr wrap="square" rtlCol="0">
+            <a:spAutoFit/>
+          </a:bodyPr>
+          <a:lstStyle/>
+          <a:p>
+            <a:r>
+              <a:rPr lang="en-US" sz="1400" dirty="0"/>
+              <a:t>ELGENDY, Mohamed. </a:t>
+            </a:r>
+            <a:r>
+              <a:rPr lang="en-US" sz="1400" b="1" dirty="0"/>
+              <a:t>Deep Learning for Vision Systems</a:t>
+            </a:r>
+            <a:r>
+              <a:rPr lang="en-US" sz="1400" dirty="0"/>
+              <a:t>. Shelter Island: Manning Publications, 2020.</a:t>
+            </a:r>
+            <a:endParaRPr lang="pt-BR" sz="1400" dirty="0"/>
+          </a:p>
+        </p:txBody>
+      </p:sp>
+      <p:sp>
+        <p:nvSpPr>
+          <p:cNvPr id="10" name="Título 1">
+            <a:extLst>
+              <a:ext uri="{FF2B5EF4-FFF2-40B4-BE49-F238E27FC236}">
+                <a16:creationId xmlns:a16="http://schemas.microsoft.com/office/drawing/2014/main" id="{48E30312-10B9-B7E0-D6C0-65A9450A52A7}"/>
+              </a:ext>
+            </a:extLst>
+          </p:cNvPr>
+          <p:cNvSpPr>
+            <a:spLocks noGrp="1"/>
+          </p:cNvSpPr>
+          <p:nvPr>
+            <p:ph type="title"/>
+          </p:nvPr>
+        </p:nvSpPr>
+        <p:spPr>
+          <a:xfrm>
+            <a:off x="838200" y="200003"/>
+            <a:ext cx="10515600" cy="1325563"/>
+          </a:xfrm>
+        </p:spPr>
+        <p:txBody>
+          <a:bodyPr/>
+          <a:lstStyle/>
+          <a:p>
+            <a:r>
+              <a:rPr lang="pt-BR" b="1" dirty="0"/>
+              <a:t>Exemplo prático 2</a:t>
+            </a:r>
+          </a:p>
+        </p:txBody>
+      </p:sp>
+    </p:spTree>
+    <p:extLst>
+      <p:ext uri="{BB962C8B-B14F-4D97-AF65-F5344CB8AC3E}">
+        <p14:creationId xmlns:p14="http://schemas.microsoft.com/office/powerpoint/2010/main" val="925514896"/>
+      </p:ext>
+    </p:extLst>
+  </p:cSld>
+  <p:clrMapOvr>
+    <a:masterClrMapping/>
+  </p:clrMapOvr>
+</p:sld>
+</file>
+
+<file path=ppt/slides/slide22.xml><?xml version="1.0" encoding="utf-8"?>
+<p:sld xmlns:a="http://schemas.openxmlformats.org/drawingml/2006/main" xmlns:r="http://schemas.openxmlformats.org/officeDocument/2006/relationships" xmlns:p="http://schemas.openxmlformats.org/presentationml/2006/main">
+  <p:cSld>
+    <p:spTree>
+      <p:nvGrpSpPr>
+        <p:cNvPr id="1" name=""/>
+        <p:cNvGrpSpPr/>
+        <p:nvPr/>
+      </p:nvGrpSpPr>
+      <p:grpSpPr>
+        <a:xfrm>
+          <a:off x="0" y="0"/>
+          <a:ext cx="0" cy="0"/>
+          <a:chOff x="0" y="0"/>
+          <a:chExt cx="0" cy="0"/>
+        </a:xfrm>
+      </p:grpSpPr>
+      <p:sp>
+        <p:nvSpPr>
+          <p:cNvPr id="2" name="Título 1">
+            <a:extLst>
+              <a:ext uri="{FF2B5EF4-FFF2-40B4-BE49-F238E27FC236}">
+                <a16:creationId xmlns:a16="http://schemas.microsoft.com/office/drawing/2014/main" id="{BFC061CD-8025-7E8A-76C8-26AC09C7E85D}"/>
+              </a:ext>
+            </a:extLst>
+          </p:cNvPr>
+          <p:cNvSpPr>
+            <a:spLocks noGrp="1"/>
+          </p:cNvSpPr>
+          <p:nvPr>
+            <p:ph type="title"/>
+          </p:nvPr>
+        </p:nvSpPr>
+        <p:spPr/>
+        <p:txBody>
+          <a:bodyPr/>
+          <a:lstStyle/>
+          <a:p>
+            <a:r>
+              <a:rPr lang="pt-BR" b="1" dirty="0"/>
+              <a:t>Exemplo prático 3</a:t>
+            </a:r>
+          </a:p>
+        </p:txBody>
+      </p:sp>
+      <p:sp>
+        <p:nvSpPr>
+          <p:cNvPr id="6" name="Retângulo 5">
+            <a:extLst>
+              <a:ext uri="{FF2B5EF4-FFF2-40B4-BE49-F238E27FC236}">
+                <a16:creationId xmlns:a16="http://schemas.microsoft.com/office/drawing/2014/main" id="{6400DBFB-4C95-4BC9-2AC3-48B17B718C74}"/>
+              </a:ext>
+            </a:extLst>
+          </p:cNvPr>
+          <p:cNvSpPr/>
+          <p:nvPr/>
+        </p:nvSpPr>
+        <p:spPr>
+          <a:xfrm>
+            <a:off x="0" y="0"/>
+            <a:ext cx="12192000" cy="230188"/>
+          </a:xfrm>
+          <a:prstGeom prst="rect">
+            <a:avLst/>
+          </a:prstGeom>
+          <a:solidFill>
+            <a:schemeClr val="accent4">
+              <a:lumMod val="20000"/>
+              <a:lumOff val="80000"/>
+            </a:schemeClr>
+          </a:solidFill>
+          <a:ln>
+            <a:noFill/>
+          </a:ln>
+        </p:spPr>
+        <p:style>
+          <a:lnRef idx="2">
+            <a:schemeClr val="accent1">
+              <a:shade val="15000"/>
+            </a:schemeClr>
+          </a:lnRef>
+          <a:fillRef idx="1">
+            <a:schemeClr val="accent1"/>
+          </a:fillRef>
+          <a:effectRef idx="0">
+            <a:schemeClr val="accent1"/>
+          </a:effectRef>
+          <a:fontRef idx="minor">
+            <a:schemeClr val="lt1"/>
+          </a:fontRef>
+        </p:style>
+        <p:txBody>
+          <a:bodyPr rtlCol="0" anchor="ctr"/>
+          <a:lstStyle/>
+          <a:p>
+            <a:pPr algn="ctr"/>
+            <a:endParaRPr lang="pt-BR"/>
+          </a:p>
+        </p:txBody>
+      </p:sp>
+      <p:sp>
+        <p:nvSpPr>
+          <p:cNvPr id="4" name="Espaço Reservado para Número de Slide 3">
+            <a:extLst>
+              <a:ext uri="{FF2B5EF4-FFF2-40B4-BE49-F238E27FC236}">
+                <a16:creationId xmlns:a16="http://schemas.microsoft.com/office/drawing/2014/main" id="{1A1582B6-145D-0C8B-C335-D471D444DA79}"/>
+              </a:ext>
+            </a:extLst>
+          </p:cNvPr>
+          <p:cNvSpPr>
+            <a:spLocks noGrp="1"/>
+          </p:cNvSpPr>
+          <p:nvPr>
+            <p:ph type="sldNum" sz="quarter" idx="12"/>
+          </p:nvPr>
+        </p:nvSpPr>
+        <p:spPr/>
+        <p:txBody>
+          <a:bodyPr/>
+          <a:lstStyle/>
+          <a:p>
+            <a:fld id="{100E1BD7-A6F2-47E2-ACB3-3469C810C63E}" type="slidenum">
+              <a:rPr lang="pt-BR" smtClean="0"/>
+              <a:t>22</a:t>
             </a:fld>
             <a:endParaRPr lang="pt-BR"/>
           </a:p>
@@ -10054,7 +10294,7 @@
 </p:sld>
 </file>
 
-<file path=ppt/slides/slide22.xml><?xml version="1.0" encoding="utf-8"?>
+<file path=ppt/slides/slide23.xml><?xml version="1.0" encoding="utf-8"?>
 <p:sld xmlns:a="http://schemas.openxmlformats.org/drawingml/2006/main" xmlns:r="http://schemas.openxmlformats.org/officeDocument/2006/relationships" xmlns:p="http://schemas.openxmlformats.org/presentationml/2006/main">
   <p:cSld>
     <p:spTree>
@@ -10177,7 +10417,7 @@
           <a:p>
             <a:fld id="{100E1BD7-A6F2-47E2-ACB3-3469C810C63E}" type="slidenum">
               <a:rPr lang="pt-BR" smtClean="0"/>
-              <a:t>22</a:t>
+              <a:t>23</a:t>
             </a:fld>
             <a:endParaRPr lang="pt-BR"/>
           </a:p>
@@ -10944,7 +11184,7 @@
 </p:sld>
 </file>
 
-<file path=ppt/slides/slide23.xml><?xml version="1.0" encoding="utf-8"?>
+<file path=ppt/slides/slide24.xml><?xml version="1.0" encoding="utf-8"?>
 <p:sld xmlns:a="http://schemas.openxmlformats.org/drawingml/2006/main" xmlns:r="http://schemas.openxmlformats.org/officeDocument/2006/relationships" xmlns:p="http://schemas.openxmlformats.org/presentationml/2006/main">
   <p:cSld>
     <p:spTree>
@@ -11067,7 +11307,7 @@
           <a:p>
             <a:fld id="{100E1BD7-A6F2-47E2-ACB3-3469C810C63E}" type="slidenum">
               <a:rPr lang="pt-BR" smtClean="0"/>
-              <a:t>23</a:t>
+              <a:t>24</a:t>
             </a:fld>
             <a:endParaRPr lang="pt-BR"/>
           </a:p>
@@ -11727,7 +11967,7 @@
 </p:sld>
 </file>
 
-<file path=ppt/slides/slide24.xml><?xml version="1.0" encoding="utf-8"?>
+<file path=ppt/slides/slide25.xml><?xml version="1.0" encoding="utf-8"?>
 <p:sld xmlns:a="http://schemas.openxmlformats.org/drawingml/2006/main" xmlns:r="http://schemas.openxmlformats.org/officeDocument/2006/relationships" xmlns:p="http://schemas.openxmlformats.org/presentationml/2006/main">
   <p:cSld>
     <p:spTree>
@@ -11850,7 +12090,7 @@
           <a:p>
             <a:fld id="{100E1BD7-A6F2-47E2-ACB3-3469C810C63E}" type="slidenum">
               <a:rPr lang="pt-BR" smtClean="0"/>
-              <a:t>24</a:t>
+              <a:t>25</a:t>
             </a:fld>
             <a:endParaRPr lang="pt-BR"/>
           </a:p>
@@ -12604,7 +12844,7 @@
 </p:sld>
 </file>
 
-<file path=ppt/slides/slide25.xml><?xml version="1.0" encoding="utf-8"?>
+<file path=ppt/slides/slide26.xml><?xml version="1.0" encoding="utf-8"?>
 <p:sld xmlns:a="http://schemas.openxmlformats.org/drawingml/2006/main" xmlns:r="http://schemas.openxmlformats.org/officeDocument/2006/relationships" xmlns:p="http://schemas.openxmlformats.org/presentationml/2006/main">
   <p:cSld>
     <p:spTree>
@@ -12644,7 +12884,7 @@
           <a:p>
             <a:r>
               <a:rPr lang="pt-BR" b="1" dirty="0"/>
-              <a:t>Implementação (Google colab)</a:t>
+              <a:t>Output</a:t>
             </a:r>
           </a:p>
         </p:txBody>
@@ -12727,1273 +12967,340 @@
           <a:p>
             <a:fld id="{100E1BD7-A6F2-47E2-ACB3-3469C810C63E}" type="slidenum">
               <a:rPr lang="pt-BR" smtClean="0"/>
-              <a:t>25</a:t>
+              <a:t>26</a:t>
             </a:fld>
             <a:endParaRPr lang="pt-BR"/>
           </a:p>
         </p:txBody>
       </p:sp>
-      <p:grpSp>
-        <p:nvGrpSpPr>
-          <p:cNvPr id="15" name="Group 14">
-            <a:extLst>
-              <a:ext uri="{FF2B5EF4-FFF2-40B4-BE49-F238E27FC236}">
-                <a16:creationId xmlns:a16="http://schemas.microsoft.com/office/drawing/2014/main" id="{C58E6B1F-A7EE-3F48-9CA1-33E5A66130D2}"/>
-              </a:ext>
-            </a:extLst>
-          </p:cNvPr>
-          <p:cNvGrpSpPr/>
+      <p:pic>
+        <p:nvPicPr>
+          <p:cNvPr id="5" name="Picture 4">
+            <a:extLst>
+              <a:ext uri="{FF2B5EF4-FFF2-40B4-BE49-F238E27FC236}">
+                <a16:creationId xmlns:a16="http://schemas.microsoft.com/office/drawing/2014/main" id="{6041C225-42B4-AFAD-238C-72F3E5F9E168}"/>
+              </a:ext>
+            </a:extLst>
+          </p:cNvPr>
+          <p:cNvPicPr>
+            <a:picLocks noChangeAspect="1"/>
+          </p:cNvPicPr>
           <p:nvPr/>
-        </p:nvGrpSpPr>
-        <p:grpSpPr>
+        </p:nvPicPr>
+        <p:blipFill>
+          <a:blip r:embed="rId2">
+            <a:extLst>
+              <a:ext uri="{BEBA8EAE-BF5A-486C-A8C5-ECC9F3942E4B}">
+                <a14:imgProps xmlns:a14="http://schemas.microsoft.com/office/drawing/2010/main">
+                  <a14:imgLayer r:embed="rId3">
+                    <a14:imgEffect>
+                      <a14:sharpenSoften amount="25000"/>
+                    </a14:imgEffect>
+                  </a14:imgLayer>
+                </a14:imgProps>
+              </a:ext>
+            </a:extLst>
+          </a:blip>
+          <a:stretch>
+            <a:fillRect/>
+          </a:stretch>
+        </p:blipFill>
+        <p:spPr>
           <a:xfrm>
-            <a:off x="566979" y="1690688"/>
-            <a:ext cx="11058041" cy="3704927"/>
-            <a:chOff x="1139125" y="1612902"/>
-            <a:chExt cx="11058041" cy="3704927"/>
+            <a:off x="233766" y="1825625"/>
+            <a:ext cx="11036244" cy="4183170"/>
           </a:xfrm>
-        </p:grpSpPr>
-        <p:sp>
-          <p:nvSpPr>
-            <p:cNvPr id="14" name="Rectangle 13">
-              <a:extLst>
-                <a:ext uri="{FF2B5EF4-FFF2-40B4-BE49-F238E27FC236}">
-                  <a16:creationId xmlns:a16="http://schemas.microsoft.com/office/drawing/2014/main" id="{C3C490B3-4568-FB11-6CB0-F6E2AC7C7A52}"/>
-                </a:ext>
-              </a:extLst>
-            </p:cNvPr>
-            <p:cNvSpPr/>
-            <p:nvPr/>
-          </p:nvSpPr>
-          <p:spPr>
-            <a:xfrm>
-              <a:off x="1551122" y="1612902"/>
-              <a:ext cx="10646044" cy="3704927"/>
-            </a:xfrm>
-            <a:prstGeom prst="rect">
-              <a:avLst/>
-            </a:prstGeom>
-            <a:solidFill>
-              <a:schemeClr val="bg2"/>
-            </a:solidFill>
-            <a:ln>
-              <a:noFill/>
-            </a:ln>
-          </p:spPr>
-          <p:style>
-            <a:lnRef idx="2">
-              <a:schemeClr val="accent1">
-                <a:shade val="15000"/>
-              </a:schemeClr>
-            </a:lnRef>
-            <a:fillRef idx="1">
-              <a:schemeClr val="accent1"/>
-            </a:fillRef>
-            <a:effectRef idx="0">
-              <a:schemeClr val="accent1"/>
-            </a:effectRef>
-            <a:fontRef idx="minor">
-              <a:schemeClr val="lt1"/>
-            </a:fontRef>
-          </p:style>
-          <p:txBody>
-            <a:bodyPr rtlCol="0" anchor="ctr"/>
-            <a:lstStyle/>
-            <a:p>
-              <a:pPr algn="ctr"/>
-              <a:endParaRPr lang="pt-BR"/>
-            </a:p>
-          </p:txBody>
-        </p:sp>
-        <p:grpSp>
-          <p:nvGrpSpPr>
-            <p:cNvPr id="12" name="Group 11">
-              <a:extLst>
-                <a:ext uri="{FF2B5EF4-FFF2-40B4-BE49-F238E27FC236}">
-                  <a16:creationId xmlns:a16="http://schemas.microsoft.com/office/drawing/2014/main" id="{F0719E0C-93BE-3002-3B4B-1F17CF33DE0B}"/>
-                </a:ext>
-              </a:extLst>
-            </p:cNvPr>
-            <p:cNvGrpSpPr/>
-            <p:nvPr/>
-          </p:nvGrpSpPr>
-          <p:grpSpPr>
-            <a:xfrm>
-              <a:off x="1139125" y="1612902"/>
-              <a:ext cx="10697706" cy="3704927"/>
-              <a:chOff x="1139125" y="1612902"/>
-              <a:chExt cx="10697706" cy="3704927"/>
-            </a:xfrm>
-          </p:grpSpPr>
-          <p:sp>
-            <p:nvSpPr>
-              <p:cNvPr id="9" name="TextBox 8">
-                <a:extLst>
-                  <a:ext uri="{FF2B5EF4-FFF2-40B4-BE49-F238E27FC236}">
-                    <a16:creationId xmlns:a16="http://schemas.microsoft.com/office/drawing/2014/main" id="{4A4797E5-491A-5D6F-22F7-3C74552D5684}"/>
-                  </a:ext>
-                </a:extLst>
-              </p:cNvPr>
-              <p:cNvSpPr txBox="1"/>
-              <p:nvPr/>
-            </p:nvSpPr>
-            <p:spPr>
-              <a:xfrm>
-                <a:off x="1691898" y="1716843"/>
-                <a:ext cx="10144933" cy="3600986"/>
-              </a:xfrm>
-              <a:prstGeom prst="rect">
-                <a:avLst/>
-              </a:prstGeom>
-              <a:noFill/>
-            </p:spPr>
-            <p:txBody>
-              <a:bodyPr wrap="square" rtlCol="0">
-                <a:spAutoFit/>
-              </a:bodyPr>
-              <a:lstStyle/>
-              <a:p>
-                <a:r>
-                  <a:rPr lang="en-US" sz="1600" b="0" dirty="0">
-                    <a:solidFill>
-                      <a:srgbClr val="008000"/>
-                    </a:solidFill>
-                    <a:effectLst/>
-                    <a:latin typeface="Courier New" panose="02070309020205020404" pitchFamily="49" charset="0"/>
-                  </a:rPr>
-                  <a:t># </a:t>
-                </a:r>
-                <a:r>
-                  <a:rPr lang="en-US" sz="1600" b="0" dirty="0" err="1">
-                    <a:solidFill>
-                      <a:srgbClr val="008000"/>
-                    </a:solidFill>
-                    <a:effectLst/>
-                    <a:latin typeface="Courier New" panose="02070309020205020404" pitchFamily="49" charset="0"/>
-                  </a:rPr>
-                  <a:t>Treinamento</a:t>
-                </a:r>
-                <a:r>
-                  <a:rPr lang="en-US" sz="1600" b="0" dirty="0">
-                    <a:solidFill>
-                      <a:srgbClr val="008000"/>
-                    </a:solidFill>
-                    <a:effectLst/>
-                    <a:latin typeface="Courier New" panose="02070309020205020404" pitchFamily="49" charset="0"/>
-                  </a:rPr>
-                  <a:t> do </a:t>
-                </a:r>
-                <a:r>
-                  <a:rPr lang="en-US" sz="1600" b="0" dirty="0" err="1">
-                    <a:solidFill>
-                      <a:srgbClr val="008000"/>
-                    </a:solidFill>
-                    <a:effectLst/>
-                    <a:latin typeface="Courier New" panose="02070309020205020404" pitchFamily="49" charset="0"/>
-                  </a:rPr>
-                  <a:t>modelo</a:t>
-                </a:r>
-                <a:r>
-                  <a:rPr lang="en-US" sz="1600" b="0" dirty="0">
-                    <a:solidFill>
-                      <a:srgbClr val="008000"/>
-                    </a:solidFill>
-                    <a:effectLst/>
-                    <a:latin typeface="Courier New" panose="02070309020205020404" pitchFamily="49" charset="0"/>
-                  </a:rPr>
-                  <a:t> com </a:t>
-                </a:r>
-                <a:r>
-                  <a:rPr lang="en-US" sz="1600" b="0" dirty="0" err="1">
-                    <a:solidFill>
-                      <a:srgbClr val="008000"/>
-                    </a:solidFill>
-                    <a:effectLst/>
-                    <a:latin typeface="Courier New" panose="02070309020205020404" pitchFamily="49" charset="0"/>
-                  </a:rPr>
-                  <a:t>EarlyStopping</a:t>
-                </a:r>
-                <a:endParaRPr lang="en-US" sz="1600" b="0" dirty="0">
-                  <a:solidFill>
-                    <a:srgbClr val="000000"/>
-                  </a:solidFill>
-                  <a:effectLst/>
-                  <a:latin typeface="Courier New" panose="02070309020205020404" pitchFamily="49" charset="0"/>
-                </a:endParaRPr>
-              </a:p>
-              <a:p>
-                <a:r>
-                  <a:rPr lang="en-US" sz="1600" b="0" dirty="0" err="1">
-                    <a:solidFill>
-                      <a:srgbClr val="000000"/>
-                    </a:solidFill>
-                    <a:effectLst/>
-                    <a:latin typeface="Courier New" panose="02070309020205020404" pitchFamily="49" charset="0"/>
-                  </a:rPr>
-                  <a:t>historia</a:t>
-                </a:r>
-                <a:r>
-                  <a:rPr lang="en-US" sz="1600" b="0" dirty="0">
-                    <a:solidFill>
-                      <a:srgbClr val="000000"/>
-                    </a:solidFill>
-                    <a:effectLst/>
-                    <a:latin typeface="Courier New" panose="02070309020205020404" pitchFamily="49" charset="0"/>
-                  </a:rPr>
-                  <a:t> = </a:t>
-                </a:r>
-                <a:r>
-                  <a:rPr lang="en-US" sz="1600" b="0" dirty="0" err="1">
-                    <a:solidFill>
-                      <a:srgbClr val="000000"/>
-                    </a:solidFill>
-                    <a:effectLst/>
-                    <a:latin typeface="Courier New" panose="02070309020205020404" pitchFamily="49" charset="0"/>
-                  </a:rPr>
-                  <a:t>model.fit</a:t>
-                </a:r>
-                <a:r>
-                  <a:rPr lang="en-US" sz="1600" b="0" dirty="0">
-                    <a:solidFill>
-                      <a:srgbClr val="000000"/>
-                    </a:solidFill>
-                    <a:effectLst/>
-                    <a:latin typeface="Courier New" panose="02070309020205020404" pitchFamily="49" charset="0"/>
-                  </a:rPr>
-                  <a:t>(</a:t>
-                </a:r>
-                <a:r>
-                  <a:rPr lang="en-US" sz="1600" b="0" dirty="0" err="1">
-                    <a:solidFill>
-                      <a:srgbClr val="000000"/>
-                    </a:solidFill>
-                    <a:effectLst/>
-                    <a:latin typeface="Courier New" panose="02070309020205020404" pitchFamily="49" charset="0"/>
-                  </a:rPr>
-                  <a:t>X_train</a:t>
-                </a:r>
-                <a:r>
-                  <a:rPr lang="en-US" sz="1600" b="0" dirty="0">
-                    <a:solidFill>
-                      <a:srgbClr val="000000"/>
-                    </a:solidFill>
-                    <a:effectLst/>
-                    <a:latin typeface="Courier New" panose="02070309020205020404" pitchFamily="49" charset="0"/>
-                  </a:rPr>
-                  <a:t>, </a:t>
-                </a:r>
-                <a:r>
-                  <a:rPr lang="en-US" sz="1600" b="0" dirty="0" err="1">
-                    <a:solidFill>
-                      <a:srgbClr val="000000"/>
-                    </a:solidFill>
-                    <a:effectLst/>
-                    <a:latin typeface="Courier New" panose="02070309020205020404" pitchFamily="49" charset="0"/>
-                  </a:rPr>
-                  <a:t>y_train</a:t>
-                </a:r>
-                <a:r>
-                  <a:rPr lang="en-US" sz="1600" b="0" dirty="0">
-                    <a:solidFill>
-                      <a:srgbClr val="000000"/>
-                    </a:solidFill>
-                    <a:effectLst/>
-                    <a:latin typeface="Courier New" panose="02070309020205020404" pitchFamily="49" charset="0"/>
-                  </a:rPr>
-                  <a:t>, epochs=</a:t>
-                </a:r>
-                <a:r>
-                  <a:rPr lang="en-US" sz="1600" b="0" dirty="0">
-                    <a:solidFill>
-                      <a:srgbClr val="116644"/>
-                    </a:solidFill>
-                    <a:effectLst/>
-                    <a:latin typeface="Courier New" panose="02070309020205020404" pitchFamily="49" charset="0"/>
-                  </a:rPr>
-                  <a:t>200</a:t>
-                </a:r>
-                <a:r>
-                  <a:rPr lang="en-US" sz="1600" b="0" dirty="0">
-                    <a:solidFill>
-                      <a:srgbClr val="000000"/>
-                    </a:solidFill>
-                    <a:effectLst/>
-                    <a:latin typeface="Courier New" panose="02070309020205020404" pitchFamily="49" charset="0"/>
-                  </a:rPr>
-                  <a:t>, </a:t>
-                </a:r>
-                <a:r>
-                  <a:rPr lang="en-US" sz="1600" b="0" dirty="0" err="1">
-                    <a:solidFill>
-                      <a:srgbClr val="000000"/>
-                    </a:solidFill>
-                    <a:effectLst/>
-                    <a:latin typeface="Courier New" panose="02070309020205020404" pitchFamily="49" charset="0"/>
-                  </a:rPr>
-                  <a:t>batch_size</a:t>
-                </a:r>
-                <a:r>
-                  <a:rPr lang="en-US" sz="1600" b="0" dirty="0">
-                    <a:solidFill>
-                      <a:srgbClr val="000000"/>
-                    </a:solidFill>
-                    <a:effectLst/>
-                    <a:latin typeface="Courier New" panose="02070309020205020404" pitchFamily="49" charset="0"/>
-                  </a:rPr>
-                  <a:t>=</a:t>
-                </a:r>
-                <a:r>
-                  <a:rPr lang="en-US" sz="1600" b="0" dirty="0">
-                    <a:solidFill>
-                      <a:srgbClr val="116644"/>
-                    </a:solidFill>
-                    <a:effectLst/>
-                    <a:latin typeface="Courier New" panose="02070309020205020404" pitchFamily="49" charset="0"/>
-                  </a:rPr>
-                  <a:t>32</a:t>
-                </a:r>
-                <a:r>
-                  <a:rPr lang="en-US" sz="1600" b="0" dirty="0">
-                    <a:solidFill>
-                      <a:srgbClr val="000000"/>
-                    </a:solidFill>
-                    <a:effectLst/>
-                    <a:latin typeface="Courier New" panose="02070309020205020404" pitchFamily="49" charset="0"/>
-                  </a:rPr>
-                  <a:t>, </a:t>
-                </a:r>
-                <a:r>
-                  <a:rPr lang="en-US" sz="1600" b="0" dirty="0" err="1">
-                    <a:solidFill>
-                      <a:srgbClr val="000000"/>
-                    </a:solidFill>
-                    <a:effectLst/>
-                    <a:latin typeface="Courier New" panose="02070309020205020404" pitchFamily="49" charset="0"/>
-                  </a:rPr>
-                  <a:t>validation_data</a:t>
-                </a:r>
-                <a:r>
-                  <a:rPr lang="en-US" sz="1600" b="0" dirty="0">
-                    <a:solidFill>
-                      <a:srgbClr val="000000"/>
-                    </a:solidFill>
-                    <a:effectLst/>
-                    <a:latin typeface="Courier New" panose="02070309020205020404" pitchFamily="49" charset="0"/>
-                  </a:rPr>
-                  <a:t>=(</a:t>
-                </a:r>
-                <a:r>
-                  <a:rPr lang="en-US" sz="1600" b="0" dirty="0" err="1">
-                    <a:solidFill>
-                      <a:srgbClr val="000000"/>
-                    </a:solidFill>
-                    <a:effectLst/>
-                    <a:latin typeface="Courier New" panose="02070309020205020404" pitchFamily="49" charset="0"/>
-                  </a:rPr>
-                  <a:t>X_test</a:t>
-                </a:r>
-                <a:r>
-                  <a:rPr lang="en-US" sz="1600" b="0" dirty="0">
-                    <a:solidFill>
-                      <a:srgbClr val="000000"/>
-                    </a:solidFill>
-                    <a:effectLst/>
-                    <a:latin typeface="Courier New" panose="02070309020205020404" pitchFamily="49" charset="0"/>
-                  </a:rPr>
-                  <a:t>, </a:t>
-                </a:r>
-                <a:r>
-                  <a:rPr lang="en-US" sz="1600" b="0" dirty="0" err="1">
-                    <a:solidFill>
-                      <a:srgbClr val="000000"/>
-                    </a:solidFill>
-                    <a:effectLst/>
-                    <a:latin typeface="Courier New" panose="02070309020205020404" pitchFamily="49" charset="0"/>
-                  </a:rPr>
-                  <a:t>y_test</a:t>
-                </a:r>
-                <a:r>
-                  <a:rPr lang="en-US" sz="1600" b="0" dirty="0">
-                    <a:solidFill>
-                      <a:srgbClr val="000000"/>
-                    </a:solidFill>
-                    <a:effectLst/>
-                    <a:latin typeface="Courier New" panose="02070309020205020404" pitchFamily="49" charset="0"/>
-                  </a:rPr>
-                  <a:t>), callbacks=[</a:t>
-                </a:r>
-                <a:r>
-                  <a:rPr lang="en-US" sz="1600" b="0" dirty="0" err="1">
-                    <a:solidFill>
-                      <a:srgbClr val="000000"/>
-                    </a:solidFill>
-                    <a:effectLst/>
-                    <a:latin typeface="Courier New" panose="02070309020205020404" pitchFamily="49" charset="0"/>
-                  </a:rPr>
-                  <a:t>early_stopping</a:t>
-                </a:r>
-                <a:r>
-                  <a:rPr lang="en-US" sz="1600" b="0" dirty="0">
-                    <a:solidFill>
-                      <a:srgbClr val="000000"/>
-                    </a:solidFill>
-                    <a:effectLst/>
-                    <a:latin typeface="Courier New" panose="02070309020205020404" pitchFamily="49" charset="0"/>
-                  </a:rPr>
-                  <a:t>], verbose=</a:t>
-                </a:r>
-                <a:r>
-                  <a:rPr lang="en-US" sz="1600" b="0" dirty="0">
-                    <a:solidFill>
-                      <a:srgbClr val="116644"/>
-                    </a:solidFill>
-                    <a:effectLst/>
-                    <a:latin typeface="Courier New" panose="02070309020205020404" pitchFamily="49" charset="0"/>
-                  </a:rPr>
-                  <a:t>0</a:t>
-                </a:r>
-                <a:r>
-                  <a:rPr lang="en-US" sz="1600" b="0" dirty="0">
-                    <a:solidFill>
-                      <a:srgbClr val="000000"/>
-                    </a:solidFill>
-                    <a:effectLst/>
-                    <a:latin typeface="Courier New" panose="02070309020205020404" pitchFamily="49" charset="0"/>
-                  </a:rPr>
-                  <a:t>)</a:t>
-                </a:r>
-              </a:p>
-              <a:p>
-                <a:r>
-                  <a:rPr lang="en-US" sz="1600" b="0" dirty="0">
-                    <a:solidFill>
-                      <a:srgbClr val="000000"/>
-                    </a:solidFill>
-                    <a:effectLst/>
-                    <a:latin typeface="Courier New" panose="02070309020205020404" pitchFamily="49" charset="0"/>
-                  </a:rPr>
-                  <a:t>epochs = </a:t>
-                </a:r>
-                <a:r>
-                  <a:rPr lang="en-US" sz="1600" b="0" dirty="0">
-                    <a:solidFill>
-                      <a:srgbClr val="795E26"/>
-                    </a:solidFill>
-                    <a:effectLst/>
-                    <a:latin typeface="Courier New" panose="02070309020205020404" pitchFamily="49" charset="0"/>
-                  </a:rPr>
-                  <a:t>range</a:t>
-                </a:r>
-                <a:r>
-                  <a:rPr lang="en-US" sz="1600" b="0" dirty="0">
-                    <a:solidFill>
-                      <a:srgbClr val="000000"/>
-                    </a:solidFill>
-                    <a:effectLst/>
-                    <a:latin typeface="Courier New" panose="02070309020205020404" pitchFamily="49" charset="0"/>
-                  </a:rPr>
-                  <a:t>(</a:t>
-                </a:r>
-                <a:r>
-                  <a:rPr lang="en-US" sz="1600" b="0" dirty="0">
-                    <a:solidFill>
-                      <a:srgbClr val="116644"/>
-                    </a:solidFill>
-                    <a:effectLst/>
-                    <a:latin typeface="Courier New" panose="02070309020205020404" pitchFamily="49" charset="0"/>
-                  </a:rPr>
-                  <a:t>1</a:t>
-                </a:r>
-                <a:r>
-                  <a:rPr lang="en-US" sz="1600" b="0" dirty="0">
-                    <a:solidFill>
-                      <a:srgbClr val="000000"/>
-                    </a:solidFill>
-                    <a:effectLst/>
-                    <a:latin typeface="Courier New" panose="02070309020205020404" pitchFamily="49" charset="0"/>
-                  </a:rPr>
-                  <a:t>, </a:t>
-                </a:r>
-                <a:r>
-                  <a:rPr lang="en-US" sz="1600" b="0" dirty="0" err="1">
-                    <a:solidFill>
-                      <a:srgbClr val="795E26"/>
-                    </a:solidFill>
-                    <a:effectLst/>
-                    <a:latin typeface="Courier New" panose="02070309020205020404" pitchFamily="49" charset="0"/>
-                  </a:rPr>
-                  <a:t>len</a:t>
-                </a:r>
-                <a:r>
-                  <a:rPr lang="en-US" sz="1600" b="0" dirty="0">
-                    <a:solidFill>
-                      <a:srgbClr val="000000"/>
-                    </a:solidFill>
-                    <a:effectLst/>
-                    <a:latin typeface="Courier New" panose="02070309020205020404" pitchFamily="49" charset="0"/>
-                  </a:rPr>
-                  <a:t>(</a:t>
-                </a:r>
-                <a:r>
-                  <a:rPr lang="en-US" sz="1600" b="0" dirty="0" err="1">
-                    <a:solidFill>
-                      <a:srgbClr val="000000"/>
-                    </a:solidFill>
-                    <a:effectLst/>
-                    <a:latin typeface="Courier New" panose="02070309020205020404" pitchFamily="49" charset="0"/>
-                  </a:rPr>
-                  <a:t>historia.history</a:t>
-                </a:r>
-                <a:r>
-                  <a:rPr lang="en-US" sz="1600" b="0" dirty="0">
-                    <a:solidFill>
-                      <a:srgbClr val="000000"/>
-                    </a:solidFill>
-                    <a:effectLst/>
-                    <a:latin typeface="Courier New" panose="02070309020205020404" pitchFamily="49" charset="0"/>
-                  </a:rPr>
-                  <a:t>[</a:t>
-                </a:r>
-                <a:r>
-                  <a:rPr lang="en-US" sz="1600" b="0" dirty="0">
-                    <a:solidFill>
-                      <a:srgbClr val="A31515"/>
-                    </a:solidFill>
-                    <a:effectLst/>
-                    <a:latin typeface="Courier New" panose="02070309020205020404" pitchFamily="49" charset="0"/>
-                  </a:rPr>
-                  <a:t>'</a:t>
-                </a:r>
-                <a:r>
-                  <a:rPr lang="en-US" sz="1600" b="0" dirty="0" err="1">
-                    <a:solidFill>
-                      <a:srgbClr val="A31515"/>
-                    </a:solidFill>
-                    <a:effectLst/>
-                    <a:latin typeface="Courier New" panose="02070309020205020404" pitchFamily="49" charset="0"/>
-                  </a:rPr>
-                  <a:t>mse</a:t>
-                </a:r>
-                <a:r>
-                  <a:rPr lang="en-US" sz="1600" b="0" dirty="0">
-                    <a:solidFill>
-                      <a:srgbClr val="A31515"/>
-                    </a:solidFill>
-                    <a:effectLst/>
-                    <a:latin typeface="Courier New" panose="02070309020205020404" pitchFamily="49" charset="0"/>
-                  </a:rPr>
-                  <a:t>'</a:t>
-                </a:r>
-                <a:r>
-                  <a:rPr lang="en-US" sz="1600" b="0" dirty="0">
-                    <a:solidFill>
-                      <a:srgbClr val="000000"/>
-                    </a:solidFill>
-                    <a:effectLst/>
-                    <a:latin typeface="Courier New" panose="02070309020205020404" pitchFamily="49" charset="0"/>
-                  </a:rPr>
-                  <a:t>]) + </a:t>
-                </a:r>
-                <a:r>
-                  <a:rPr lang="en-US" sz="1600" b="0" dirty="0">
-                    <a:solidFill>
-                      <a:srgbClr val="116644"/>
-                    </a:solidFill>
-                    <a:effectLst/>
-                    <a:latin typeface="Courier New" panose="02070309020205020404" pitchFamily="49" charset="0"/>
-                  </a:rPr>
-                  <a:t>1</a:t>
-                </a:r>
-                <a:r>
-                  <a:rPr lang="en-US" sz="1600" b="0" dirty="0">
-                    <a:solidFill>
-                      <a:srgbClr val="000000"/>
-                    </a:solidFill>
-                    <a:effectLst/>
-                    <a:latin typeface="Courier New" panose="02070309020205020404" pitchFamily="49" charset="0"/>
-                  </a:rPr>
-                  <a:t>)</a:t>
-                </a:r>
-              </a:p>
-              <a:p>
-                <a:br>
-                  <a:rPr lang="en-US" sz="1600" b="0" dirty="0">
-                    <a:solidFill>
-                      <a:srgbClr val="000000"/>
-                    </a:solidFill>
-                    <a:effectLst/>
-                    <a:latin typeface="Courier New" panose="02070309020205020404" pitchFamily="49" charset="0"/>
-                  </a:rPr>
-                </a:br>
-                <a:r>
-                  <a:rPr lang="en-US" sz="1600" b="0" dirty="0">
-                    <a:solidFill>
-                      <a:srgbClr val="008000"/>
-                    </a:solidFill>
-                    <a:effectLst/>
-                    <a:latin typeface="Courier New" panose="02070309020205020404" pitchFamily="49" charset="0"/>
-                  </a:rPr>
-                  <a:t># </a:t>
-                </a:r>
-                <a:r>
-                  <a:rPr lang="en-US" sz="1600" b="0" dirty="0" err="1">
-                    <a:solidFill>
-                      <a:srgbClr val="008000"/>
-                    </a:solidFill>
-                    <a:effectLst/>
-                    <a:latin typeface="Courier New" panose="02070309020205020404" pitchFamily="49" charset="0"/>
-                  </a:rPr>
-                  <a:t>Criação</a:t>
-                </a:r>
-                <a:r>
-                  <a:rPr lang="en-US" sz="1600" b="0" dirty="0">
-                    <a:solidFill>
-                      <a:srgbClr val="008000"/>
-                    </a:solidFill>
-                    <a:effectLst/>
-                    <a:latin typeface="Courier New" panose="02070309020205020404" pitchFamily="49" charset="0"/>
-                  </a:rPr>
-                  <a:t> do </a:t>
-                </a:r>
-                <a:r>
-                  <a:rPr lang="en-US" sz="1600" b="0" dirty="0" err="1">
-                    <a:solidFill>
-                      <a:srgbClr val="008000"/>
-                    </a:solidFill>
-                    <a:effectLst/>
-                    <a:latin typeface="Courier New" panose="02070309020205020404" pitchFamily="49" charset="0"/>
-                  </a:rPr>
-                  <a:t>gráfico</a:t>
-                </a:r>
-                <a:endParaRPr lang="en-US" sz="1600" b="0" dirty="0">
-                  <a:solidFill>
-                    <a:srgbClr val="000000"/>
-                  </a:solidFill>
-                  <a:effectLst/>
-                  <a:latin typeface="Courier New" panose="02070309020205020404" pitchFamily="49" charset="0"/>
-                </a:endParaRPr>
-              </a:p>
-              <a:p>
-                <a:r>
-                  <a:rPr lang="en-US" sz="1600" b="0" dirty="0" err="1">
-                    <a:solidFill>
-                      <a:srgbClr val="000000"/>
-                    </a:solidFill>
-                    <a:effectLst/>
-                    <a:latin typeface="Courier New" panose="02070309020205020404" pitchFamily="49" charset="0"/>
-                  </a:rPr>
-                  <a:t>plt.figure</a:t>
-                </a:r>
-                <a:r>
-                  <a:rPr lang="en-US" sz="1600" b="0" dirty="0">
-                    <a:solidFill>
-                      <a:srgbClr val="000000"/>
-                    </a:solidFill>
-                    <a:effectLst/>
-                    <a:latin typeface="Courier New" panose="02070309020205020404" pitchFamily="49" charset="0"/>
-                  </a:rPr>
-                  <a:t>(</a:t>
-                </a:r>
-                <a:r>
-                  <a:rPr lang="en-US" sz="1600" b="0" dirty="0" err="1">
-                    <a:solidFill>
-                      <a:srgbClr val="000000"/>
-                    </a:solidFill>
-                    <a:effectLst/>
-                    <a:latin typeface="Courier New" panose="02070309020205020404" pitchFamily="49" charset="0"/>
-                  </a:rPr>
-                  <a:t>figsize</a:t>
-                </a:r>
-                <a:r>
-                  <a:rPr lang="en-US" sz="1600" b="0" dirty="0">
-                    <a:solidFill>
-                      <a:srgbClr val="000000"/>
-                    </a:solidFill>
-                    <a:effectLst/>
-                    <a:latin typeface="Courier New" panose="02070309020205020404" pitchFamily="49" charset="0"/>
-                  </a:rPr>
-                  <a:t>=(</a:t>
-                </a:r>
-                <a:r>
-                  <a:rPr lang="en-US" sz="1600" b="0" dirty="0">
-                    <a:solidFill>
-                      <a:srgbClr val="116644"/>
-                    </a:solidFill>
-                    <a:effectLst/>
-                    <a:latin typeface="Courier New" panose="02070309020205020404" pitchFamily="49" charset="0"/>
-                  </a:rPr>
-                  <a:t>8</a:t>
-                </a:r>
-                <a:r>
-                  <a:rPr lang="en-US" sz="1600" b="0" dirty="0">
-                    <a:solidFill>
-                      <a:srgbClr val="000000"/>
-                    </a:solidFill>
-                    <a:effectLst/>
-                    <a:latin typeface="Courier New" panose="02070309020205020404" pitchFamily="49" charset="0"/>
-                  </a:rPr>
-                  <a:t>, </a:t>
-                </a:r>
-                <a:r>
-                  <a:rPr lang="en-US" sz="1600" b="0" dirty="0">
-                    <a:solidFill>
-                      <a:srgbClr val="116644"/>
-                    </a:solidFill>
-                    <a:effectLst/>
-                    <a:latin typeface="Courier New" panose="02070309020205020404" pitchFamily="49" charset="0"/>
-                  </a:rPr>
-                  <a:t>2</a:t>
-                </a:r>
-                <a:r>
-                  <a:rPr lang="en-US" sz="1600" b="0" dirty="0">
-                    <a:solidFill>
-                      <a:srgbClr val="000000"/>
-                    </a:solidFill>
-                    <a:effectLst/>
-                    <a:latin typeface="Courier New" panose="02070309020205020404" pitchFamily="49" charset="0"/>
-                  </a:rPr>
-                  <a:t>))</a:t>
-                </a:r>
-              </a:p>
-              <a:p>
-                <a:r>
-                  <a:rPr lang="en-US" sz="1600" b="0" dirty="0" err="1">
-                    <a:solidFill>
-                      <a:srgbClr val="000000"/>
-                    </a:solidFill>
-                    <a:effectLst/>
-                    <a:latin typeface="Courier New" panose="02070309020205020404" pitchFamily="49" charset="0"/>
-                  </a:rPr>
-                  <a:t>plt.plot</a:t>
-                </a:r>
-                <a:r>
-                  <a:rPr lang="en-US" sz="1600" b="0" dirty="0">
-                    <a:solidFill>
-                      <a:srgbClr val="000000"/>
-                    </a:solidFill>
-                    <a:effectLst/>
-                    <a:latin typeface="Courier New" panose="02070309020205020404" pitchFamily="49" charset="0"/>
-                  </a:rPr>
-                  <a:t>(epochs, </a:t>
-                </a:r>
-                <a:r>
-                  <a:rPr lang="en-US" sz="1600" b="0" dirty="0" err="1">
-                    <a:solidFill>
-                      <a:srgbClr val="000000"/>
-                    </a:solidFill>
-                    <a:effectLst/>
-                    <a:latin typeface="Courier New" panose="02070309020205020404" pitchFamily="49" charset="0"/>
-                  </a:rPr>
-                  <a:t>historia.history</a:t>
-                </a:r>
-                <a:r>
-                  <a:rPr lang="en-US" sz="1600" b="0" dirty="0">
-                    <a:solidFill>
-                      <a:srgbClr val="000000"/>
-                    </a:solidFill>
-                    <a:effectLst/>
-                    <a:latin typeface="Courier New" panose="02070309020205020404" pitchFamily="49" charset="0"/>
-                  </a:rPr>
-                  <a:t>[</a:t>
-                </a:r>
-                <a:r>
-                  <a:rPr lang="en-US" sz="1600" b="0" dirty="0">
-                    <a:solidFill>
-                      <a:srgbClr val="A31515"/>
-                    </a:solidFill>
-                    <a:effectLst/>
-                    <a:latin typeface="Courier New" panose="02070309020205020404" pitchFamily="49" charset="0"/>
-                  </a:rPr>
-                  <a:t>'</a:t>
-                </a:r>
-                <a:r>
-                  <a:rPr lang="en-US" sz="1600" b="0" dirty="0" err="1">
-                    <a:solidFill>
-                      <a:srgbClr val="A31515"/>
-                    </a:solidFill>
-                    <a:effectLst/>
-                    <a:latin typeface="Courier New" panose="02070309020205020404" pitchFamily="49" charset="0"/>
-                  </a:rPr>
-                  <a:t>mse</a:t>
-                </a:r>
-                <a:r>
-                  <a:rPr lang="en-US" sz="1600" b="0" dirty="0">
-                    <a:solidFill>
-                      <a:srgbClr val="A31515"/>
-                    </a:solidFill>
-                    <a:effectLst/>
-                    <a:latin typeface="Courier New" panose="02070309020205020404" pitchFamily="49" charset="0"/>
-                  </a:rPr>
-                  <a:t>'</a:t>
-                </a:r>
-                <a:r>
-                  <a:rPr lang="en-US" sz="1600" b="0" dirty="0">
-                    <a:solidFill>
-                      <a:srgbClr val="000000"/>
-                    </a:solidFill>
-                    <a:effectLst/>
-                    <a:latin typeface="Courier New" panose="02070309020205020404" pitchFamily="49" charset="0"/>
-                  </a:rPr>
-                  <a:t>], label=</a:t>
-                </a:r>
-                <a:r>
-                  <a:rPr lang="en-US" sz="1600" b="0" dirty="0">
-                    <a:solidFill>
-                      <a:srgbClr val="A31515"/>
-                    </a:solidFill>
-                    <a:effectLst/>
-                    <a:latin typeface="Courier New" panose="02070309020205020404" pitchFamily="49" charset="0"/>
-                  </a:rPr>
-                  <a:t>'</a:t>
-                </a:r>
-                <a:r>
-                  <a:rPr lang="en-US" sz="1600" b="0" dirty="0" err="1">
-                    <a:solidFill>
-                      <a:srgbClr val="A31515"/>
-                    </a:solidFill>
-                    <a:effectLst/>
-                    <a:latin typeface="Courier New" panose="02070309020205020404" pitchFamily="49" charset="0"/>
-                  </a:rPr>
-                  <a:t>Treinamento</a:t>
-                </a:r>
-                <a:r>
-                  <a:rPr lang="en-US" sz="1600" b="0" dirty="0">
-                    <a:solidFill>
-                      <a:srgbClr val="A31515"/>
-                    </a:solidFill>
-                    <a:effectLst/>
-                    <a:latin typeface="Courier New" panose="02070309020205020404" pitchFamily="49" charset="0"/>
-                  </a:rPr>
-                  <a:t>'</a:t>
-                </a:r>
-                <a:r>
-                  <a:rPr lang="en-US" sz="1600" b="0" dirty="0">
-                    <a:solidFill>
-                      <a:srgbClr val="000000"/>
-                    </a:solidFill>
-                    <a:effectLst/>
-                    <a:latin typeface="Courier New" panose="02070309020205020404" pitchFamily="49" charset="0"/>
-                  </a:rPr>
-                  <a:t>, color=</a:t>
-                </a:r>
-                <a:r>
-                  <a:rPr lang="en-US" sz="1600" b="0" dirty="0">
-                    <a:solidFill>
-                      <a:srgbClr val="A31515"/>
-                    </a:solidFill>
-                    <a:effectLst/>
-                    <a:latin typeface="Courier New" panose="02070309020205020404" pitchFamily="49" charset="0"/>
-                  </a:rPr>
-                  <a:t>'C4'</a:t>
-                </a:r>
-                <a:r>
-                  <a:rPr lang="en-US" sz="1600" b="0" dirty="0">
-                    <a:solidFill>
-                      <a:srgbClr val="000000"/>
-                    </a:solidFill>
-                    <a:effectLst/>
-                    <a:latin typeface="Courier New" panose="02070309020205020404" pitchFamily="49" charset="0"/>
-                  </a:rPr>
-                  <a:t>)</a:t>
-                </a:r>
-              </a:p>
-              <a:p>
-                <a:r>
-                  <a:rPr lang="en-US" sz="1600" b="0" dirty="0" err="1">
-                    <a:solidFill>
-                      <a:srgbClr val="000000"/>
-                    </a:solidFill>
-                    <a:effectLst/>
-                    <a:latin typeface="Courier New" panose="02070309020205020404" pitchFamily="49" charset="0"/>
-                  </a:rPr>
-                  <a:t>plt.plot</a:t>
-                </a:r>
-                <a:r>
-                  <a:rPr lang="en-US" sz="1600" b="0" dirty="0">
-                    <a:solidFill>
-                      <a:srgbClr val="000000"/>
-                    </a:solidFill>
-                    <a:effectLst/>
-                    <a:latin typeface="Courier New" panose="02070309020205020404" pitchFamily="49" charset="0"/>
-                  </a:rPr>
-                  <a:t>(epochs, </a:t>
-                </a:r>
-                <a:r>
-                  <a:rPr lang="en-US" sz="1600" b="0" dirty="0" err="1">
-                    <a:solidFill>
-                      <a:srgbClr val="000000"/>
-                    </a:solidFill>
-                    <a:effectLst/>
-                    <a:latin typeface="Courier New" panose="02070309020205020404" pitchFamily="49" charset="0"/>
-                  </a:rPr>
-                  <a:t>historia.history</a:t>
-                </a:r>
-                <a:r>
-                  <a:rPr lang="en-US" sz="1600" b="0" dirty="0">
-                    <a:solidFill>
-                      <a:srgbClr val="000000"/>
-                    </a:solidFill>
-                    <a:effectLst/>
-                    <a:latin typeface="Courier New" panose="02070309020205020404" pitchFamily="49" charset="0"/>
-                  </a:rPr>
-                  <a:t>[</a:t>
-                </a:r>
-                <a:r>
-                  <a:rPr lang="en-US" sz="1600" b="0" dirty="0">
-                    <a:solidFill>
-                      <a:srgbClr val="A31515"/>
-                    </a:solidFill>
-                    <a:effectLst/>
-                    <a:latin typeface="Courier New" panose="02070309020205020404" pitchFamily="49" charset="0"/>
-                  </a:rPr>
-                  <a:t>'</a:t>
-                </a:r>
-                <a:r>
-                  <a:rPr lang="en-US" sz="1600" b="0" dirty="0" err="1">
-                    <a:solidFill>
-                      <a:srgbClr val="A31515"/>
-                    </a:solidFill>
-                    <a:effectLst/>
-                    <a:latin typeface="Courier New" panose="02070309020205020404" pitchFamily="49" charset="0"/>
-                  </a:rPr>
-                  <a:t>val_mse</a:t>
-                </a:r>
-                <a:r>
-                  <a:rPr lang="en-US" sz="1600" b="0" dirty="0">
-                    <a:solidFill>
-                      <a:srgbClr val="A31515"/>
-                    </a:solidFill>
-                    <a:effectLst/>
-                    <a:latin typeface="Courier New" panose="02070309020205020404" pitchFamily="49" charset="0"/>
-                  </a:rPr>
-                  <a:t>'</a:t>
-                </a:r>
-                <a:r>
-                  <a:rPr lang="en-US" sz="1600" b="0" dirty="0">
-                    <a:solidFill>
-                      <a:srgbClr val="000000"/>
-                    </a:solidFill>
-                    <a:effectLst/>
-                    <a:latin typeface="Courier New" panose="02070309020205020404" pitchFamily="49" charset="0"/>
-                  </a:rPr>
-                  <a:t>], label=</a:t>
-                </a:r>
-                <a:r>
-                  <a:rPr lang="en-US" sz="1600" b="0" dirty="0">
-                    <a:solidFill>
-                      <a:srgbClr val="A31515"/>
-                    </a:solidFill>
-                    <a:effectLst/>
-                    <a:latin typeface="Courier New" panose="02070309020205020404" pitchFamily="49" charset="0"/>
-                  </a:rPr>
-                  <a:t>'Teste'</a:t>
-                </a:r>
-                <a:r>
-                  <a:rPr lang="en-US" sz="1600" b="0" dirty="0">
-                    <a:solidFill>
-                      <a:srgbClr val="000000"/>
-                    </a:solidFill>
-                    <a:effectLst/>
-                    <a:latin typeface="Courier New" panose="02070309020205020404" pitchFamily="49" charset="0"/>
-                  </a:rPr>
-                  <a:t>, color=</a:t>
-                </a:r>
-                <a:r>
-                  <a:rPr lang="en-US" sz="1600" b="0" dirty="0">
-                    <a:solidFill>
-                      <a:srgbClr val="A31515"/>
-                    </a:solidFill>
-                    <a:effectLst/>
-                    <a:latin typeface="Courier New" panose="02070309020205020404" pitchFamily="49" charset="0"/>
-                  </a:rPr>
-                  <a:t>'C3'</a:t>
-                </a:r>
-                <a:r>
-                  <a:rPr lang="en-US" sz="1600" b="0" dirty="0">
-                    <a:solidFill>
-                      <a:srgbClr val="000000"/>
-                    </a:solidFill>
-                    <a:effectLst/>
-                    <a:latin typeface="Courier New" panose="02070309020205020404" pitchFamily="49" charset="0"/>
-                  </a:rPr>
-                  <a:t>)</a:t>
-                </a:r>
-              </a:p>
-              <a:p>
-                <a:r>
-                  <a:rPr lang="en-US" sz="1600" b="0" dirty="0" err="1">
-                    <a:solidFill>
-                      <a:srgbClr val="000000"/>
-                    </a:solidFill>
-                    <a:effectLst/>
-                    <a:latin typeface="Courier New" panose="02070309020205020404" pitchFamily="49" charset="0"/>
-                  </a:rPr>
-                  <a:t>plt.xlabel</a:t>
-                </a:r>
-                <a:r>
-                  <a:rPr lang="en-US" sz="1600" b="0" dirty="0">
-                    <a:solidFill>
-                      <a:srgbClr val="000000"/>
-                    </a:solidFill>
-                    <a:effectLst/>
-                    <a:latin typeface="Courier New" panose="02070309020205020404" pitchFamily="49" charset="0"/>
-                  </a:rPr>
-                  <a:t>(</a:t>
-                </a:r>
-                <a:r>
-                  <a:rPr lang="en-US" sz="1600" b="0" dirty="0">
-                    <a:solidFill>
-                      <a:srgbClr val="A31515"/>
-                    </a:solidFill>
-                    <a:effectLst/>
-                    <a:latin typeface="Courier New" panose="02070309020205020404" pitchFamily="49" charset="0"/>
-                  </a:rPr>
-                  <a:t>'Epochs'</a:t>
-                </a:r>
-                <a:r>
-                  <a:rPr lang="en-US" sz="1600" b="0" dirty="0">
-                    <a:solidFill>
-                      <a:srgbClr val="000000"/>
-                    </a:solidFill>
-                    <a:effectLst/>
-                    <a:latin typeface="Courier New" panose="02070309020205020404" pitchFamily="49" charset="0"/>
-                  </a:rPr>
-                  <a:t>)</a:t>
-                </a:r>
-              </a:p>
-              <a:p>
-                <a:r>
-                  <a:rPr lang="en-US" sz="1600" b="0" dirty="0" err="1">
-                    <a:solidFill>
-                      <a:srgbClr val="000000"/>
-                    </a:solidFill>
-                    <a:effectLst/>
-                    <a:latin typeface="Courier New" panose="02070309020205020404" pitchFamily="49" charset="0"/>
-                  </a:rPr>
-                  <a:t>plt.ylabel</a:t>
-                </a:r>
-                <a:r>
-                  <a:rPr lang="en-US" sz="1600" b="0" dirty="0">
-                    <a:solidFill>
-                      <a:srgbClr val="000000"/>
-                    </a:solidFill>
-                    <a:effectLst/>
-                    <a:latin typeface="Courier New" panose="02070309020205020404" pitchFamily="49" charset="0"/>
-                  </a:rPr>
-                  <a:t>(</a:t>
-                </a:r>
-                <a:r>
-                  <a:rPr lang="en-US" sz="1600" b="0" dirty="0">
-                    <a:solidFill>
-                      <a:srgbClr val="A31515"/>
-                    </a:solidFill>
-                    <a:effectLst/>
-                    <a:latin typeface="Courier New" panose="02070309020205020404" pitchFamily="49" charset="0"/>
-                  </a:rPr>
-                  <a:t>'Mean Squared Error'</a:t>
-                </a:r>
-                <a:r>
-                  <a:rPr lang="en-US" sz="1600" b="0" dirty="0">
-                    <a:solidFill>
-                      <a:srgbClr val="000000"/>
-                    </a:solidFill>
-                    <a:effectLst/>
-                    <a:latin typeface="Courier New" panose="02070309020205020404" pitchFamily="49" charset="0"/>
-                  </a:rPr>
-                  <a:t>)</a:t>
-                </a:r>
-              </a:p>
-              <a:p>
-                <a:r>
-                  <a:rPr lang="en-US" sz="1600" b="0" dirty="0" err="1">
-                    <a:solidFill>
-                      <a:srgbClr val="000000"/>
-                    </a:solidFill>
-                    <a:effectLst/>
-                    <a:latin typeface="Courier New" panose="02070309020205020404" pitchFamily="49" charset="0"/>
-                  </a:rPr>
-                  <a:t>plt.legend</a:t>
-                </a:r>
-                <a:r>
-                  <a:rPr lang="en-US" sz="1600" b="0" dirty="0">
-                    <a:solidFill>
-                      <a:srgbClr val="000000"/>
-                    </a:solidFill>
-                    <a:effectLst/>
-                    <a:latin typeface="Courier New" panose="02070309020205020404" pitchFamily="49" charset="0"/>
-                  </a:rPr>
-                  <a:t>(</a:t>
-                </a:r>
-                <a:r>
-                  <a:rPr lang="en-US" sz="1600" b="0" dirty="0" err="1">
-                    <a:solidFill>
-                      <a:srgbClr val="000000"/>
-                    </a:solidFill>
-                    <a:effectLst/>
-                    <a:latin typeface="Courier New" panose="02070309020205020404" pitchFamily="49" charset="0"/>
-                  </a:rPr>
-                  <a:t>edgecolor</a:t>
-                </a:r>
-                <a:r>
-                  <a:rPr lang="en-US" sz="1600" b="0" dirty="0">
-                    <a:solidFill>
-                      <a:srgbClr val="000000"/>
-                    </a:solidFill>
-                    <a:effectLst/>
-                    <a:latin typeface="Courier New" panose="02070309020205020404" pitchFamily="49" charset="0"/>
-                  </a:rPr>
-                  <a:t>=</a:t>
-                </a:r>
-                <a:r>
-                  <a:rPr lang="en-US" sz="1600" b="0" dirty="0">
-                    <a:solidFill>
-                      <a:srgbClr val="A31515"/>
-                    </a:solidFill>
-                    <a:effectLst/>
-                    <a:latin typeface="Courier New" panose="02070309020205020404" pitchFamily="49" charset="0"/>
-                  </a:rPr>
-                  <a:t>'white'</a:t>
-                </a:r>
-                <a:r>
-                  <a:rPr lang="en-US" sz="1600" b="0" dirty="0">
-                    <a:solidFill>
-                      <a:srgbClr val="000000"/>
-                    </a:solidFill>
-                    <a:effectLst/>
-                    <a:latin typeface="Courier New" panose="02070309020205020404" pitchFamily="49" charset="0"/>
-                  </a:rPr>
-                  <a:t>)</a:t>
-                </a:r>
-              </a:p>
-              <a:p>
-                <a:r>
-                  <a:rPr lang="en-US" sz="1600" b="0" dirty="0" err="1">
-                    <a:solidFill>
-                      <a:srgbClr val="000000"/>
-                    </a:solidFill>
-                    <a:effectLst/>
-                    <a:latin typeface="Courier New" panose="02070309020205020404" pitchFamily="49" charset="0"/>
-                  </a:rPr>
-                  <a:t>plt.grid</a:t>
-                </a:r>
-                <a:r>
-                  <a:rPr lang="en-US" sz="1600" b="0" dirty="0">
-                    <a:solidFill>
-                      <a:srgbClr val="000000"/>
-                    </a:solidFill>
-                    <a:effectLst/>
-                    <a:latin typeface="Courier New" panose="02070309020205020404" pitchFamily="49" charset="0"/>
-                  </a:rPr>
-                  <a:t>(alpha=</a:t>
-                </a:r>
-                <a:r>
-                  <a:rPr lang="en-US" sz="1600" b="0" dirty="0">
-                    <a:solidFill>
-                      <a:srgbClr val="116644"/>
-                    </a:solidFill>
-                    <a:effectLst/>
-                    <a:latin typeface="Courier New" panose="02070309020205020404" pitchFamily="49" charset="0"/>
-                  </a:rPr>
-                  <a:t>0.2</a:t>
-                </a:r>
-                <a:r>
-                  <a:rPr lang="en-US" sz="1600" b="0" dirty="0">
-                    <a:solidFill>
-                      <a:srgbClr val="000000"/>
-                    </a:solidFill>
-                    <a:effectLst/>
-                    <a:latin typeface="Courier New" panose="02070309020205020404" pitchFamily="49" charset="0"/>
-                  </a:rPr>
-                  <a:t>)</a:t>
-                </a:r>
-              </a:p>
-              <a:p>
-                <a:r>
-                  <a:rPr lang="en-US" sz="1600" b="0" dirty="0" err="1">
-                    <a:solidFill>
-                      <a:srgbClr val="000000"/>
-                    </a:solidFill>
-                    <a:effectLst/>
-                    <a:latin typeface="Courier New" panose="02070309020205020404" pitchFamily="49" charset="0"/>
-                  </a:rPr>
-                  <a:t>plt.show</a:t>
-                </a:r>
-                <a:r>
-                  <a:rPr lang="en-US" sz="1600" b="0" dirty="0">
-                    <a:solidFill>
-                      <a:srgbClr val="000000"/>
-                    </a:solidFill>
-                    <a:effectLst/>
-                    <a:latin typeface="Courier New" panose="02070309020205020404" pitchFamily="49" charset="0"/>
-                  </a:rPr>
-                  <a:t>()</a:t>
-                </a:r>
-              </a:p>
-              <a:p>
-                <a:endParaRPr lang="en-US" sz="400" dirty="0"/>
-              </a:p>
-            </p:txBody>
-          </p:sp>
-          <p:sp>
-            <p:nvSpPr>
-              <p:cNvPr id="11" name="Rectangle 10">
-                <a:extLst>
-                  <a:ext uri="{FF2B5EF4-FFF2-40B4-BE49-F238E27FC236}">
-                    <a16:creationId xmlns:a16="http://schemas.microsoft.com/office/drawing/2014/main" id="{144985E3-2FE0-E08C-F17F-AAF8BCD4C20D}"/>
-                  </a:ext>
-                </a:extLst>
-              </p:cNvPr>
-              <p:cNvSpPr/>
-              <p:nvPr/>
-            </p:nvSpPr>
-            <p:spPr>
-              <a:xfrm>
-                <a:off x="1139125" y="1612902"/>
-                <a:ext cx="411997" cy="3704927"/>
-              </a:xfrm>
-              <a:prstGeom prst="rect">
-                <a:avLst/>
-              </a:prstGeom>
+          <a:prstGeom prst="rect">
+            <a:avLst/>
+          </a:prstGeom>
+        </p:spPr>
+      </p:pic>
+      <p:sp>
+        <p:nvSpPr>
+          <p:cNvPr id="7" name="TextBox 6">
+            <a:extLst>
+              <a:ext uri="{FF2B5EF4-FFF2-40B4-BE49-F238E27FC236}">
+                <a16:creationId xmlns:a16="http://schemas.microsoft.com/office/drawing/2014/main" id="{64F0FE89-0D3A-05CE-60F4-86ECF735F2DA}"/>
+              </a:ext>
+            </a:extLst>
+          </p:cNvPr>
+          <p:cNvSpPr txBox="1"/>
+          <p:nvPr/>
+        </p:nvSpPr>
+        <p:spPr>
+          <a:xfrm>
+            <a:off x="6309262" y="2161319"/>
+            <a:ext cx="5438454" cy="2734531"/>
+          </a:xfrm>
+          <a:prstGeom prst="rect">
+            <a:avLst/>
+          </a:prstGeom>
+          <a:noFill/>
+        </p:spPr>
+        <p:txBody>
+          <a:bodyPr wrap="square" rtlCol="0">
+            <a:spAutoFit/>
+          </a:bodyPr>
+          <a:lstStyle/>
+          <a:p>
+            <a:pPr marL="285750" indent="-285750" algn="just">
+              <a:lnSpc>
+                <a:spcPct val="150000"/>
+              </a:lnSpc>
+              <a:buFont typeface="Arial" panose="020B0604020202020204" pitchFamily="34" charset="0"/>
+              <a:buChar char="•"/>
+            </a:pPr>
+            <a:r>
+              <a:rPr lang="pt-BR" sz="1600" dirty="0"/>
+              <a:t>A </a:t>
+            </a:r>
+            <a:r>
+              <a:rPr lang="pt-BR" sz="1600" b="1" dirty="0"/>
+              <a:t>curva de  decaimento </a:t>
+            </a:r>
+            <a:r>
+              <a:rPr lang="pt-BR" sz="1600" dirty="0"/>
+              <a:t>indica que a máquina está aprendendo com os dados com minimização do erro.</a:t>
+            </a:r>
+          </a:p>
+          <a:p>
+            <a:pPr marL="171450" indent="-171450" algn="just">
+              <a:lnSpc>
+                <a:spcPct val="150000"/>
+              </a:lnSpc>
+              <a:buFont typeface="Arial" panose="020B0604020202020204" pitchFamily="34" charset="0"/>
+              <a:buChar char="•"/>
+            </a:pPr>
+            <a:endParaRPr lang="pt-BR" sz="500" dirty="0"/>
+          </a:p>
+          <a:p>
+            <a:pPr marL="285750" indent="-285750" algn="just">
+              <a:lnSpc>
+                <a:spcPct val="150000"/>
+              </a:lnSpc>
+              <a:buFont typeface="Arial" panose="020B0604020202020204" pitchFamily="34" charset="0"/>
+              <a:buChar char="•"/>
+            </a:pPr>
+            <a:r>
+              <a:rPr lang="pt-BR" sz="1600" dirty="0"/>
+              <a:t>O erro estabiliza em aproximadamente </a:t>
+            </a:r>
+            <a:r>
+              <a:rPr lang="pt-BR" sz="1600" b="1" dirty="0"/>
+              <a:t>27</a:t>
+            </a:r>
+            <a:r>
+              <a:rPr lang="pt-BR" sz="1600" b="1" i="1" dirty="0"/>
+              <a:t> epochs.</a:t>
+            </a:r>
+          </a:p>
+          <a:p>
+            <a:pPr marL="171450" indent="-171450" algn="just">
+              <a:lnSpc>
+                <a:spcPct val="150000"/>
+              </a:lnSpc>
+              <a:buFont typeface="Arial" panose="020B0604020202020204" pitchFamily="34" charset="0"/>
+              <a:buChar char="•"/>
+            </a:pPr>
+            <a:endParaRPr lang="pt-BR" sz="500" dirty="0"/>
+          </a:p>
+          <a:p>
+            <a:pPr marL="285750" indent="-285750" algn="just">
+              <a:lnSpc>
+                <a:spcPct val="150000"/>
+              </a:lnSpc>
+              <a:buFont typeface="Arial" panose="020B0604020202020204" pitchFamily="34" charset="0"/>
+              <a:buChar char="•"/>
+            </a:pPr>
+            <a:r>
+              <a:rPr lang="pt-BR" sz="1600" dirty="0"/>
+              <a:t>R</a:t>
+            </a:r>
+            <a:r>
+              <a:rPr lang="pt-BR" sz="1600" baseline="30000" dirty="0"/>
+              <a:t>2</a:t>
+            </a:r>
+            <a:r>
+              <a:rPr lang="pt-BR" sz="1600" dirty="0"/>
+              <a:t> e MSE muitos próximos para treino e teste.</a:t>
+            </a:r>
+          </a:p>
+          <a:p>
+            <a:pPr marL="285750" indent="-285750" algn="just">
+              <a:lnSpc>
+                <a:spcPct val="150000"/>
+              </a:lnSpc>
+              <a:buFont typeface="Arial" panose="020B0604020202020204" pitchFamily="34" charset="0"/>
+              <a:buChar char="•"/>
+            </a:pPr>
+            <a:endParaRPr lang="pt-BR" sz="500" dirty="0"/>
+          </a:p>
+          <a:p>
+            <a:pPr marL="285750" indent="-285750" algn="just">
+              <a:lnSpc>
+                <a:spcPct val="150000"/>
+              </a:lnSpc>
+              <a:buFont typeface="Arial" panose="020B0604020202020204" pitchFamily="34" charset="0"/>
+              <a:buChar char="•"/>
+            </a:pPr>
+            <a:r>
+              <a:rPr lang="pt-BR" sz="1600" dirty="0" err="1"/>
+              <a:t>RMSE</a:t>
+            </a:r>
+            <a:r>
+              <a:rPr lang="pt-BR" sz="1600" baseline="-25000" dirty="0" err="1"/>
+              <a:t>treino</a:t>
+            </a:r>
+            <a:r>
+              <a:rPr lang="pt-BR" sz="1600" dirty="0"/>
+              <a:t> =  0,073  | RMSE</a:t>
+            </a:r>
+            <a:r>
+              <a:rPr lang="pt-BR" sz="1600" baseline="-25000" dirty="0"/>
+              <a:t>teste</a:t>
+            </a:r>
+            <a:r>
+              <a:rPr lang="pt-BR" sz="1600" dirty="0"/>
+              <a:t> =  0,070</a:t>
+            </a:r>
+          </a:p>
+          <a:p>
+            <a:pPr marL="171450" indent="-171450" algn="just">
+              <a:lnSpc>
+                <a:spcPct val="150000"/>
+              </a:lnSpc>
+              <a:buFont typeface="Arial" panose="020B0604020202020204" pitchFamily="34" charset="0"/>
+              <a:buChar char="•"/>
+            </a:pPr>
+            <a:endParaRPr lang="pt-BR" sz="500" dirty="0"/>
+          </a:p>
+          <a:p>
+            <a:pPr marL="285750" indent="-285750" algn="just">
+              <a:lnSpc>
+                <a:spcPct val="150000"/>
+              </a:lnSpc>
+              <a:buFont typeface="Arial" panose="020B0604020202020204" pitchFamily="34" charset="0"/>
+              <a:buChar char="•"/>
+            </a:pPr>
+            <a:r>
+              <a:rPr lang="pt-BR" sz="1600" dirty="0">
+                <a:solidFill>
+                  <a:schemeClr val="bg2">
+                    <a:lumMod val="50000"/>
+                  </a:schemeClr>
+                </a:solidFill>
+              </a:rPr>
+              <a:t>Verificar possibilidade de haver </a:t>
+            </a:r>
+            <a:r>
+              <a:rPr lang="pt-BR" sz="1600" i="1" dirty="0">
+                <a:solidFill>
+                  <a:schemeClr val="bg2">
+                    <a:lumMod val="50000"/>
+                  </a:schemeClr>
+                </a:solidFill>
+              </a:rPr>
+              <a:t>overffiting.</a:t>
+            </a:r>
+          </a:p>
+        </p:txBody>
+      </p:sp>
+      <p:sp>
+        <p:nvSpPr>
+          <p:cNvPr id="8" name="TextBox 7">
+            <a:extLst>
+              <a:ext uri="{FF2B5EF4-FFF2-40B4-BE49-F238E27FC236}">
+                <a16:creationId xmlns:a16="http://schemas.microsoft.com/office/drawing/2014/main" id="{BD8E48A9-376A-E321-099B-3E4B0C639C25}"/>
+              </a:ext>
+            </a:extLst>
+          </p:cNvPr>
+          <p:cNvSpPr txBox="1"/>
+          <p:nvPr/>
+        </p:nvSpPr>
+        <p:spPr>
+          <a:xfrm>
+            <a:off x="5100960" y="563791"/>
+            <a:ext cx="6646756" cy="793294"/>
+          </a:xfrm>
+          <a:prstGeom prst="rect">
+            <a:avLst/>
+          </a:prstGeom>
+          <a:solidFill>
+            <a:schemeClr val="bg1">
+              <a:lumMod val="95000"/>
+            </a:schemeClr>
+          </a:solidFill>
+        </p:spPr>
+        <p:txBody>
+          <a:bodyPr wrap="square" rtlCol="0">
+            <a:spAutoFit/>
+          </a:bodyPr>
+          <a:lstStyle/>
+          <a:p>
+            <a:pPr algn="just">
+              <a:lnSpc>
+                <a:spcPct val="150000"/>
+              </a:lnSpc>
+            </a:pPr>
+            <a:r>
+              <a:rPr lang="pt-BR" sz="1600" dirty="0"/>
+              <a:t>Curvas muito próximas: quanto mais próximas (e decrescente), melhor!</a:t>
+            </a:r>
+          </a:p>
+          <a:p>
+            <a:pPr algn="just">
+              <a:lnSpc>
+                <a:spcPct val="150000"/>
+              </a:lnSpc>
+            </a:pPr>
+            <a:r>
+              <a:rPr lang="pt-BR" sz="1600" dirty="0">
+                <a:solidFill>
+                  <a:srgbClr val="1B7328"/>
+                </a:solidFill>
+                <a:sym typeface="Wingdings" panose="05000000000000000000" pitchFamily="2" charset="2"/>
+              </a:rPr>
+              <a:t> </a:t>
+            </a:r>
+            <a:r>
+              <a:rPr lang="pt-BR" sz="1600" b="1" dirty="0">
+                <a:solidFill>
+                  <a:srgbClr val="1B7328"/>
+                </a:solidFill>
+                <a:sym typeface="Wingdings" panose="05000000000000000000" pitchFamily="2" charset="2"/>
+              </a:rPr>
+              <a:t>Bom aprendizagem </a:t>
+            </a:r>
+            <a:r>
+              <a:rPr lang="pt-BR" sz="1600" dirty="0">
+                <a:solidFill>
+                  <a:srgbClr val="1B7328"/>
+                </a:solidFill>
+                <a:sym typeface="Wingdings" panose="05000000000000000000" pitchFamily="2" charset="2"/>
+              </a:rPr>
+              <a:t>e</a:t>
+            </a:r>
+            <a:r>
+              <a:rPr lang="pt-BR" sz="1600" b="1" dirty="0">
+                <a:solidFill>
+                  <a:srgbClr val="1B7328"/>
+                </a:solidFill>
+                <a:sym typeface="Wingdings" panose="05000000000000000000" pitchFamily="2" charset="2"/>
+              </a:rPr>
+              <a:t> boa generalização</a:t>
+            </a:r>
+            <a:endParaRPr lang="pt-BR" sz="1600" b="1" dirty="0">
               <a:solidFill>
-                <a:schemeClr val="bg2">
-                  <a:lumMod val="50000"/>
-                </a:schemeClr>
+                <a:srgbClr val="1B7328"/>
               </a:solidFill>
-              <a:ln>
-                <a:noFill/>
-              </a:ln>
-            </p:spPr>
-            <p:style>
-              <a:lnRef idx="2">
-                <a:schemeClr val="accent1">
-                  <a:shade val="15000"/>
-                </a:schemeClr>
-              </a:lnRef>
-              <a:fillRef idx="1">
-                <a:schemeClr val="accent1"/>
-              </a:fillRef>
-              <a:effectRef idx="0">
-                <a:schemeClr val="accent1"/>
-              </a:effectRef>
-              <a:fontRef idx="minor">
-                <a:schemeClr val="lt1"/>
-              </a:fontRef>
-            </p:style>
-            <p:txBody>
-              <a:bodyPr rtlCol="0" anchor="ctr"/>
-              <a:lstStyle/>
-              <a:p>
-                <a:pPr algn="ctr"/>
-                <a:endParaRPr lang="pt-BR"/>
-              </a:p>
-            </p:txBody>
-          </p:sp>
-        </p:grpSp>
-      </p:grpSp>
+            </a:endParaRPr>
+          </a:p>
+        </p:txBody>
+      </p:sp>
     </p:spTree>
     <p:extLst>
       <p:ext uri="{BB962C8B-B14F-4D97-AF65-F5344CB8AC3E}">
-        <p14:creationId xmlns:p14="http://schemas.microsoft.com/office/powerpoint/2010/main" val="1199557224"/>
+        <p14:creationId xmlns:p14="http://schemas.microsoft.com/office/powerpoint/2010/main" val="1372118701"/>
       </p:ext>
     </p:extLst>
   </p:cSld>
@@ -14003,7 +13310,7 @@
 </p:sld>
 </file>
 
-<file path=ppt/slides/slide26.xml><?xml version="1.0" encoding="utf-8"?>
+<file path=ppt/slides/slide27.xml><?xml version="1.0" encoding="utf-8"?>
 <p:sld xmlns:a="http://schemas.openxmlformats.org/drawingml/2006/main" xmlns:r="http://schemas.openxmlformats.org/officeDocument/2006/relationships" xmlns:p="http://schemas.openxmlformats.org/presentationml/2006/main">
   <p:cSld>
     <p:spTree>
@@ -14036,14 +13343,19 @@
             <p:ph type="title"/>
           </p:nvPr>
         </p:nvSpPr>
-        <p:spPr/>
+        <p:spPr>
+          <a:xfrm>
+            <a:off x="838199" y="365125"/>
+            <a:ext cx="11049097" cy="1325563"/>
+          </a:xfrm>
+        </p:spPr>
         <p:txBody>
           <a:bodyPr/>
           <a:lstStyle/>
           <a:p>
             <a:r>
               <a:rPr lang="pt-BR" b="1" dirty="0"/>
-              <a:t>Implementação (Google colab)</a:t>
+              <a:t>Resultado da predição e interpretação física</a:t>
             </a:r>
           </a:p>
         </p:txBody>
@@ -14126,2779 +13438,7 @@
           <a:p>
             <a:fld id="{100E1BD7-A6F2-47E2-ACB3-3469C810C63E}" type="slidenum">
               <a:rPr lang="pt-BR" smtClean="0"/>
-              <a:t>26</a:t>
-            </a:fld>
-            <a:endParaRPr lang="pt-BR"/>
-          </a:p>
-        </p:txBody>
-      </p:sp>
-      <p:grpSp>
-        <p:nvGrpSpPr>
-          <p:cNvPr id="15" name="Group 14">
-            <a:extLst>
-              <a:ext uri="{FF2B5EF4-FFF2-40B4-BE49-F238E27FC236}">
-                <a16:creationId xmlns:a16="http://schemas.microsoft.com/office/drawing/2014/main" id="{C58E6B1F-A7EE-3F48-9CA1-33E5A66130D2}"/>
-              </a:ext>
-            </a:extLst>
-          </p:cNvPr>
-          <p:cNvGrpSpPr/>
-          <p:nvPr/>
-        </p:nvGrpSpPr>
-        <p:grpSpPr>
-          <a:xfrm>
-            <a:off x="566979" y="1690688"/>
-            <a:ext cx="11058041" cy="2997259"/>
-            <a:chOff x="1139125" y="1612902"/>
-            <a:chExt cx="11058041" cy="2997259"/>
-          </a:xfrm>
-        </p:grpSpPr>
-        <p:sp>
-          <p:nvSpPr>
-            <p:cNvPr id="14" name="Rectangle 13">
-              <a:extLst>
-                <a:ext uri="{FF2B5EF4-FFF2-40B4-BE49-F238E27FC236}">
-                  <a16:creationId xmlns:a16="http://schemas.microsoft.com/office/drawing/2014/main" id="{C3C490B3-4568-FB11-6CB0-F6E2AC7C7A52}"/>
-                </a:ext>
-              </a:extLst>
-            </p:cNvPr>
-            <p:cNvSpPr/>
-            <p:nvPr/>
-          </p:nvSpPr>
-          <p:spPr>
-            <a:xfrm>
-              <a:off x="1551122" y="1612902"/>
-              <a:ext cx="10646044" cy="2908817"/>
-            </a:xfrm>
-            <a:prstGeom prst="rect">
-              <a:avLst/>
-            </a:prstGeom>
-            <a:solidFill>
-              <a:schemeClr val="bg2"/>
-            </a:solidFill>
-            <a:ln>
-              <a:noFill/>
-            </a:ln>
-          </p:spPr>
-          <p:style>
-            <a:lnRef idx="2">
-              <a:schemeClr val="accent1">
-                <a:shade val="15000"/>
-              </a:schemeClr>
-            </a:lnRef>
-            <a:fillRef idx="1">
-              <a:schemeClr val="accent1"/>
-            </a:fillRef>
-            <a:effectRef idx="0">
-              <a:schemeClr val="accent1"/>
-            </a:effectRef>
-            <a:fontRef idx="minor">
-              <a:schemeClr val="lt1"/>
-            </a:fontRef>
-          </p:style>
-          <p:txBody>
-            <a:bodyPr rtlCol="0" anchor="ctr"/>
-            <a:lstStyle/>
-            <a:p>
-              <a:pPr algn="ctr"/>
-              <a:endParaRPr lang="pt-BR"/>
-            </a:p>
-          </p:txBody>
-        </p:sp>
-        <p:grpSp>
-          <p:nvGrpSpPr>
-            <p:cNvPr id="12" name="Group 11">
-              <a:extLst>
-                <a:ext uri="{FF2B5EF4-FFF2-40B4-BE49-F238E27FC236}">
-                  <a16:creationId xmlns:a16="http://schemas.microsoft.com/office/drawing/2014/main" id="{F0719E0C-93BE-3002-3B4B-1F17CF33DE0B}"/>
-                </a:ext>
-              </a:extLst>
-            </p:cNvPr>
-            <p:cNvGrpSpPr/>
-            <p:nvPr/>
-          </p:nvGrpSpPr>
-          <p:grpSpPr>
-            <a:xfrm>
-              <a:off x="1139125" y="1612902"/>
-              <a:ext cx="10697706" cy="2997259"/>
-              <a:chOff x="1139125" y="1612902"/>
-              <a:chExt cx="10697706" cy="2997259"/>
-            </a:xfrm>
-          </p:grpSpPr>
-          <p:sp>
-            <p:nvSpPr>
-              <p:cNvPr id="9" name="TextBox 8">
-                <a:extLst>
-                  <a:ext uri="{FF2B5EF4-FFF2-40B4-BE49-F238E27FC236}">
-                    <a16:creationId xmlns:a16="http://schemas.microsoft.com/office/drawing/2014/main" id="{4A4797E5-491A-5D6F-22F7-3C74552D5684}"/>
-                  </a:ext>
-                </a:extLst>
-              </p:cNvPr>
-              <p:cNvSpPr txBox="1"/>
-              <p:nvPr/>
-            </p:nvSpPr>
-            <p:spPr>
-              <a:xfrm>
-                <a:off x="1691898" y="1747839"/>
-                <a:ext cx="10144933" cy="2862322"/>
-              </a:xfrm>
-              <a:prstGeom prst="rect">
-                <a:avLst/>
-              </a:prstGeom>
-              <a:noFill/>
-            </p:spPr>
-            <p:txBody>
-              <a:bodyPr wrap="square" rtlCol="0">
-                <a:spAutoFit/>
-              </a:bodyPr>
-              <a:lstStyle/>
-              <a:p>
-                <a:r>
-                  <a:rPr lang="en-US" sz="1600" b="0" dirty="0">
-                    <a:solidFill>
-                      <a:srgbClr val="008000"/>
-                    </a:solidFill>
-                    <a:effectLst/>
-                    <a:latin typeface="Courier New" panose="02070309020205020404" pitchFamily="49" charset="0"/>
-                  </a:rPr>
-                  <a:t># </a:t>
-                </a:r>
-                <a:r>
-                  <a:rPr lang="en-US" sz="1600" b="0" dirty="0" err="1">
-                    <a:solidFill>
-                      <a:srgbClr val="008000"/>
-                    </a:solidFill>
-                    <a:effectLst/>
-                    <a:latin typeface="Courier New" panose="02070309020205020404" pitchFamily="49" charset="0"/>
-                  </a:rPr>
-                  <a:t>Avaliação</a:t>
-                </a:r>
-                <a:r>
-                  <a:rPr lang="en-US" sz="1600" b="0" dirty="0">
-                    <a:solidFill>
-                      <a:srgbClr val="008000"/>
-                    </a:solidFill>
-                    <a:effectLst/>
-                    <a:latin typeface="Courier New" panose="02070309020205020404" pitchFamily="49" charset="0"/>
-                  </a:rPr>
-                  <a:t> do </a:t>
-                </a:r>
-                <a:r>
-                  <a:rPr lang="en-US" sz="1600" b="0" dirty="0" err="1">
-                    <a:solidFill>
-                      <a:srgbClr val="008000"/>
-                    </a:solidFill>
-                    <a:effectLst/>
-                    <a:latin typeface="Courier New" panose="02070309020205020404" pitchFamily="49" charset="0"/>
-                  </a:rPr>
-                  <a:t>modelo</a:t>
-                </a:r>
-                <a:r>
-                  <a:rPr lang="en-US" sz="1600" b="0" dirty="0">
-                    <a:solidFill>
-                      <a:srgbClr val="008000"/>
-                    </a:solidFill>
-                    <a:effectLst/>
-                    <a:latin typeface="Courier New" panose="02070309020205020404" pitchFamily="49" charset="0"/>
-                  </a:rPr>
-                  <a:t> e </a:t>
-                </a:r>
-                <a:r>
-                  <a:rPr lang="en-US" sz="1600" b="0" dirty="0" err="1">
-                    <a:solidFill>
-                      <a:srgbClr val="008000"/>
-                    </a:solidFill>
-                    <a:effectLst/>
-                    <a:latin typeface="Courier New" panose="02070309020205020404" pitchFamily="49" charset="0"/>
-                  </a:rPr>
-                  <a:t>cálculo</a:t>
-                </a:r>
-                <a:r>
-                  <a:rPr lang="en-US" sz="1600" b="0" dirty="0">
-                    <a:solidFill>
-                      <a:srgbClr val="008000"/>
-                    </a:solidFill>
-                    <a:effectLst/>
-                    <a:latin typeface="Courier New" panose="02070309020205020404" pitchFamily="49" charset="0"/>
-                  </a:rPr>
-                  <a:t> de R²</a:t>
-                </a:r>
-                <a:endParaRPr lang="en-US" sz="1600" b="0" dirty="0">
-                  <a:solidFill>
-                    <a:srgbClr val="000000"/>
-                  </a:solidFill>
-                  <a:effectLst/>
-                  <a:latin typeface="Courier New" panose="02070309020205020404" pitchFamily="49" charset="0"/>
-                </a:endParaRPr>
-              </a:p>
-              <a:p>
-                <a:r>
-                  <a:rPr lang="en-US" sz="1600" b="0" dirty="0" err="1">
-                    <a:solidFill>
-                      <a:srgbClr val="000000"/>
-                    </a:solidFill>
-                    <a:effectLst/>
-                    <a:latin typeface="Courier New" panose="02070309020205020404" pitchFamily="49" charset="0"/>
-                  </a:rPr>
-                  <a:t>train_predictions</a:t>
-                </a:r>
-                <a:r>
-                  <a:rPr lang="en-US" sz="1600" b="0" dirty="0">
-                    <a:solidFill>
-                      <a:srgbClr val="000000"/>
-                    </a:solidFill>
-                    <a:effectLst/>
-                    <a:latin typeface="Courier New" panose="02070309020205020404" pitchFamily="49" charset="0"/>
-                  </a:rPr>
-                  <a:t> = </a:t>
-                </a:r>
-                <a:r>
-                  <a:rPr lang="en-US" sz="1600" b="0" dirty="0" err="1">
-                    <a:solidFill>
-                      <a:srgbClr val="000000"/>
-                    </a:solidFill>
-                    <a:effectLst/>
-                    <a:latin typeface="Courier New" panose="02070309020205020404" pitchFamily="49" charset="0"/>
-                  </a:rPr>
-                  <a:t>model.predict</a:t>
-                </a:r>
-                <a:r>
-                  <a:rPr lang="en-US" sz="1600" b="0" dirty="0">
-                    <a:solidFill>
-                      <a:srgbClr val="000000"/>
-                    </a:solidFill>
-                    <a:effectLst/>
-                    <a:latin typeface="Courier New" panose="02070309020205020404" pitchFamily="49" charset="0"/>
-                  </a:rPr>
-                  <a:t>(</a:t>
-                </a:r>
-                <a:r>
-                  <a:rPr lang="en-US" sz="1600" b="0" dirty="0" err="1">
-                    <a:solidFill>
-                      <a:srgbClr val="000000"/>
-                    </a:solidFill>
-                    <a:effectLst/>
-                    <a:latin typeface="Courier New" panose="02070309020205020404" pitchFamily="49" charset="0"/>
-                  </a:rPr>
-                  <a:t>X_train</a:t>
-                </a:r>
-                <a:r>
-                  <a:rPr lang="en-US" sz="1600" b="0" dirty="0">
-                    <a:solidFill>
-                      <a:srgbClr val="000000"/>
-                    </a:solidFill>
-                    <a:effectLst/>
-                    <a:latin typeface="Courier New" panose="02070309020205020404" pitchFamily="49" charset="0"/>
-                  </a:rPr>
-                  <a:t>)</a:t>
-                </a:r>
-              </a:p>
-              <a:p>
-                <a:r>
-                  <a:rPr lang="en-US" sz="1600" b="0" dirty="0">
-                    <a:solidFill>
-                      <a:srgbClr val="000000"/>
-                    </a:solidFill>
-                    <a:effectLst/>
-                    <a:latin typeface="Courier New" panose="02070309020205020404" pitchFamily="49" charset="0"/>
-                  </a:rPr>
-                  <a:t>train_r2 = r2_score(</a:t>
-                </a:r>
-                <a:r>
-                  <a:rPr lang="en-US" sz="1600" b="0" dirty="0" err="1">
-                    <a:solidFill>
-                      <a:srgbClr val="000000"/>
-                    </a:solidFill>
-                    <a:effectLst/>
-                    <a:latin typeface="Courier New" panose="02070309020205020404" pitchFamily="49" charset="0"/>
-                  </a:rPr>
-                  <a:t>y_train</a:t>
-                </a:r>
-                <a:r>
-                  <a:rPr lang="en-US" sz="1600" b="0" dirty="0">
-                    <a:solidFill>
-                      <a:srgbClr val="000000"/>
-                    </a:solidFill>
-                    <a:effectLst/>
-                    <a:latin typeface="Courier New" panose="02070309020205020404" pitchFamily="49" charset="0"/>
-                  </a:rPr>
-                  <a:t>, </a:t>
-                </a:r>
-                <a:r>
-                  <a:rPr lang="en-US" sz="1600" b="0" dirty="0" err="1">
-                    <a:solidFill>
-                      <a:srgbClr val="000000"/>
-                    </a:solidFill>
-                    <a:effectLst/>
-                    <a:latin typeface="Courier New" panose="02070309020205020404" pitchFamily="49" charset="0"/>
-                  </a:rPr>
-                  <a:t>train_predictions</a:t>
-                </a:r>
-                <a:r>
-                  <a:rPr lang="en-US" sz="1600" b="0" dirty="0">
-                    <a:solidFill>
-                      <a:srgbClr val="000000"/>
-                    </a:solidFill>
-                    <a:effectLst/>
-                    <a:latin typeface="Courier New" panose="02070309020205020404" pitchFamily="49" charset="0"/>
-                  </a:rPr>
-                  <a:t>)</a:t>
-                </a:r>
-              </a:p>
-              <a:p>
-                <a:br>
-                  <a:rPr lang="en-US" sz="1600" b="0" dirty="0">
-                    <a:solidFill>
-                      <a:srgbClr val="000000"/>
-                    </a:solidFill>
-                    <a:effectLst/>
-                    <a:latin typeface="Courier New" panose="02070309020205020404" pitchFamily="49" charset="0"/>
-                  </a:rPr>
-                </a:br>
-                <a:r>
-                  <a:rPr lang="en-US" sz="1600" b="0" dirty="0" err="1">
-                    <a:solidFill>
-                      <a:srgbClr val="000000"/>
-                    </a:solidFill>
-                    <a:effectLst/>
-                    <a:latin typeface="Courier New" panose="02070309020205020404" pitchFamily="49" charset="0"/>
-                  </a:rPr>
-                  <a:t>test_predictions</a:t>
-                </a:r>
-                <a:r>
-                  <a:rPr lang="en-US" sz="1600" b="0" dirty="0">
-                    <a:solidFill>
-                      <a:srgbClr val="000000"/>
-                    </a:solidFill>
-                    <a:effectLst/>
-                    <a:latin typeface="Courier New" panose="02070309020205020404" pitchFamily="49" charset="0"/>
-                  </a:rPr>
-                  <a:t> = </a:t>
-                </a:r>
-                <a:r>
-                  <a:rPr lang="en-US" sz="1600" b="0" dirty="0" err="1">
-                    <a:solidFill>
-                      <a:srgbClr val="000000"/>
-                    </a:solidFill>
-                    <a:effectLst/>
-                    <a:latin typeface="Courier New" panose="02070309020205020404" pitchFamily="49" charset="0"/>
-                  </a:rPr>
-                  <a:t>model.predict</a:t>
-                </a:r>
-                <a:r>
-                  <a:rPr lang="en-US" sz="1600" b="0" dirty="0">
-                    <a:solidFill>
-                      <a:srgbClr val="000000"/>
-                    </a:solidFill>
-                    <a:effectLst/>
-                    <a:latin typeface="Courier New" panose="02070309020205020404" pitchFamily="49" charset="0"/>
-                  </a:rPr>
-                  <a:t>(</a:t>
-                </a:r>
-                <a:r>
-                  <a:rPr lang="en-US" sz="1600" b="0" dirty="0" err="1">
-                    <a:solidFill>
-                      <a:srgbClr val="000000"/>
-                    </a:solidFill>
-                    <a:effectLst/>
-                    <a:latin typeface="Courier New" panose="02070309020205020404" pitchFamily="49" charset="0"/>
-                  </a:rPr>
-                  <a:t>X_test</a:t>
-                </a:r>
-                <a:r>
-                  <a:rPr lang="en-US" sz="1600" b="0" dirty="0">
-                    <a:solidFill>
-                      <a:srgbClr val="000000"/>
-                    </a:solidFill>
-                    <a:effectLst/>
-                    <a:latin typeface="Courier New" panose="02070309020205020404" pitchFamily="49" charset="0"/>
-                  </a:rPr>
-                  <a:t>)</a:t>
-                </a:r>
-              </a:p>
-              <a:p>
-                <a:r>
-                  <a:rPr lang="en-US" sz="1600" b="0" dirty="0">
-                    <a:solidFill>
-                      <a:srgbClr val="000000"/>
-                    </a:solidFill>
-                    <a:effectLst/>
-                    <a:latin typeface="Courier New" panose="02070309020205020404" pitchFamily="49" charset="0"/>
-                  </a:rPr>
-                  <a:t>test_r2 = r2_score(</a:t>
-                </a:r>
-                <a:r>
-                  <a:rPr lang="en-US" sz="1600" b="0" dirty="0" err="1">
-                    <a:solidFill>
-                      <a:srgbClr val="000000"/>
-                    </a:solidFill>
-                    <a:effectLst/>
-                    <a:latin typeface="Courier New" panose="02070309020205020404" pitchFamily="49" charset="0"/>
-                  </a:rPr>
-                  <a:t>y_test</a:t>
-                </a:r>
-                <a:r>
-                  <a:rPr lang="en-US" sz="1600" b="0" dirty="0">
-                    <a:solidFill>
-                      <a:srgbClr val="000000"/>
-                    </a:solidFill>
-                    <a:effectLst/>
-                    <a:latin typeface="Courier New" panose="02070309020205020404" pitchFamily="49" charset="0"/>
-                  </a:rPr>
-                  <a:t>, </a:t>
-                </a:r>
-                <a:r>
-                  <a:rPr lang="en-US" sz="1600" b="0" dirty="0" err="1">
-                    <a:solidFill>
-                      <a:srgbClr val="000000"/>
-                    </a:solidFill>
-                    <a:effectLst/>
-                    <a:latin typeface="Courier New" panose="02070309020205020404" pitchFamily="49" charset="0"/>
-                  </a:rPr>
-                  <a:t>test_predictions</a:t>
-                </a:r>
-                <a:r>
-                  <a:rPr lang="en-US" sz="1600" b="0" dirty="0">
-                    <a:solidFill>
-                      <a:srgbClr val="000000"/>
-                    </a:solidFill>
-                    <a:effectLst/>
-                    <a:latin typeface="Courier New" panose="02070309020205020404" pitchFamily="49" charset="0"/>
-                  </a:rPr>
-                  <a:t>)</a:t>
-                </a:r>
-              </a:p>
-              <a:p>
-                <a:br>
-                  <a:rPr lang="en-US" sz="1600" b="0" dirty="0">
-                    <a:solidFill>
-                      <a:srgbClr val="000000"/>
-                    </a:solidFill>
-                    <a:effectLst/>
-                    <a:latin typeface="Courier New" panose="02070309020205020404" pitchFamily="49" charset="0"/>
-                  </a:rPr>
-                </a:br>
-                <a:r>
-                  <a:rPr lang="en-US" sz="1600" b="0" dirty="0">
-                    <a:solidFill>
-                      <a:srgbClr val="008000"/>
-                    </a:solidFill>
-                    <a:effectLst/>
-                    <a:latin typeface="Courier New" panose="02070309020205020404" pitchFamily="49" charset="0"/>
-                  </a:rPr>
-                  <a:t># </a:t>
-                </a:r>
-                <a:r>
-                  <a:rPr lang="en-US" sz="1600" b="0" dirty="0" err="1">
-                    <a:solidFill>
-                      <a:srgbClr val="008000"/>
-                    </a:solidFill>
-                    <a:effectLst/>
-                    <a:latin typeface="Courier New" panose="02070309020205020404" pitchFamily="49" charset="0"/>
-                  </a:rPr>
-                  <a:t>Imprima</a:t>
-                </a:r>
-                <a:r>
-                  <a:rPr lang="en-US" sz="1600" b="0" dirty="0">
-                    <a:solidFill>
-                      <a:srgbClr val="008000"/>
-                    </a:solidFill>
-                    <a:effectLst/>
-                    <a:latin typeface="Courier New" panose="02070309020205020404" pitchFamily="49" charset="0"/>
-                  </a:rPr>
-                  <a:t> </a:t>
-                </a:r>
-                <a:r>
-                  <a:rPr lang="en-US" sz="1600" b="0" dirty="0" err="1">
-                    <a:solidFill>
-                      <a:srgbClr val="008000"/>
-                    </a:solidFill>
-                    <a:effectLst/>
-                    <a:latin typeface="Courier New" panose="02070309020205020404" pitchFamily="49" charset="0"/>
-                  </a:rPr>
-                  <a:t>os</a:t>
-                </a:r>
-                <a:r>
-                  <a:rPr lang="en-US" sz="1600" b="0" dirty="0">
-                    <a:solidFill>
-                      <a:srgbClr val="008000"/>
-                    </a:solidFill>
-                    <a:effectLst/>
-                    <a:latin typeface="Courier New" panose="02070309020205020404" pitchFamily="49" charset="0"/>
-                  </a:rPr>
-                  <a:t> </a:t>
-                </a:r>
-                <a:r>
-                  <a:rPr lang="en-US" sz="1600" b="0" dirty="0" err="1">
-                    <a:solidFill>
-                      <a:srgbClr val="008000"/>
-                    </a:solidFill>
-                    <a:effectLst/>
-                    <a:latin typeface="Courier New" panose="02070309020205020404" pitchFamily="49" charset="0"/>
-                  </a:rPr>
-                  <a:t>resultados</a:t>
-                </a:r>
-                <a:endParaRPr lang="en-US" sz="1600" b="0" dirty="0">
-                  <a:solidFill>
-                    <a:srgbClr val="000000"/>
-                  </a:solidFill>
-                  <a:effectLst/>
-                  <a:latin typeface="Courier New" panose="02070309020205020404" pitchFamily="49" charset="0"/>
-                </a:endParaRPr>
-              </a:p>
-              <a:p>
-                <a:r>
-                  <a:rPr lang="en-US" sz="1600" b="0" dirty="0">
-                    <a:solidFill>
-                      <a:srgbClr val="795E26"/>
-                    </a:solidFill>
-                    <a:effectLst/>
-                    <a:latin typeface="Courier New" panose="02070309020205020404" pitchFamily="49" charset="0"/>
-                  </a:rPr>
-                  <a:t>print</a:t>
-                </a:r>
-                <a:r>
-                  <a:rPr lang="en-US" sz="1600" b="0" dirty="0">
-                    <a:solidFill>
-                      <a:srgbClr val="000000"/>
-                    </a:solidFill>
-                    <a:effectLst/>
-                    <a:latin typeface="Courier New" panose="02070309020205020404" pitchFamily="49" charset="0"/>
-                  </a:rPr>
-                  <a:t>(</a:t>
-                </a:r>
-                <a:r>
-                  <a:rPr lang="en-US" sz="1600" b="0" dirty="0" err="1">
-                    <a:solidFill>
-                      <a:srgbClr val="0000FF"/>
-                    </a:solidFill>
-                    <a:effectLst/>
-                    <a:latin typeface="Courier New" panose="02070309020205020404" pitchFamily="49" charset="0"/>
-                  </a:rPr>
-                  <a:t>f</a:t>
-                </a:r>
-                <a:r>
-                  <a:rPr lang="en-US" sz="1600" b="0" dirty="0" err="1">
-                    <a:solidFill>
-                      <a:srgbClr val="A31515"/>
-                    </a:solidFill>
-                    <a:effectLst/>
-                    <a:latin typeface="Courier New" panose="02070309020205020404" pitchFamily="49" charset="0"/>
-                  </a:rPr>
-                  <a:t>'Batch</a:t>
-                </a:r>
-                <a:r>
-                  <a:rPr lang="en-US" sz="1600" b="0" dirty="0">
-                    <a:solidFill>
-                      <a:srgbClr val="A31515"/>
-                    </a:solidFill>
-                    <a:effectLst/>
-                    <a:latin typeface="Courier New" panose="02070309020205020404" pitchFamily="49" charset="0"/>
-                  </a:rPr>
-                  <a:t> Size: 32, Train R²: </a:t>
-                </a:r>
-                <a:r>
-                  <a:rPr lang="en-US" sz="1600" b="0" dirty="0">
-                    <a:solidFill>
-                      <a:srgbClr val="000000"/>
-                    </a:solidFill>
-                    <a:effectLst/>
-                    <a:latin typeface="Courier New" panose="02070309020205020404" pitchFamily="49" charset="0"/>
-                  </a:rPr>
-                  <a:t>{train_r2}</a:t>
-                </a:r>
-                <a:r>
-                  <a:rPr lang="en-US" sz="1600" b="0" dirty="0">
-                    <a:solidFill>
-                      <a:srgbClr val="A31515"/>
-                    </a:solidFill>
-                    <a:effectLst/>
-                    <a:latin typeface="Courier New" panose="02070309020205020404" pitchFamily="49" charset="0"/>
-                  </a:rPr>
-                  <a:t>, Test R²: </a:t>
-                </a:r>
-                <a:r>
-                  <a:rPr lang="en-US" sz="1600" b="0" dirty="0">
-                    <a:solidFill>
-                      <a:srgbClr val="000000"/>
-                    </a:solidFill>
-                    <a:effectLst/>
-                    <a:latin typeface="Courier New" panose="02070309020205020404" pitchFamily="49" charset="0"/>
-                  </a:rPr>
-                  <a:t>{test_r2}</a:t>
-                </a:r>
-                <a:r>
-                  <a:rPr lang="en-US" sz="1600" b="0" dirty="0">
-                    <a:solidFill>
-                      <a:srgbClr val="A31515"/>
-                    </a:solidFill>
-                    <a:effectLst/>
-                    <a:latin typeface="Courier New" panose="02070309020205020404" pitchFamily="49" charset="0"/>
-                  </a:rPr>
-                  <a:t>, Last MSE: </a:t>
-                </a:r>
-                <a:r>
-                  <a:rPr lang="en-US" sz="1600" b="0" dirty="0">
-                    <a:solidFill>
-                      <a:srgbClr val="000000"/>
-                    </a:solidFill>
-                    <a:effectLst/>
-                    <a:latin typeface="Courier New" panose="02070309020205020404" pitchFamily="49" charset="0"/>
-                  </a:rPr>
-                  <a:t>{</a:t>
-                </a:r>
-                <a:r>
-                  <a:rPr lang="en-US" sz="1600" b="0" dirty="0" err="1">
-                    <a:solidFill>
-                      <a:srgbClr val="000000"/>
-                    </a:solidFill>
-                    <a:effectLst/>
-                    <a:latin typeface="Courier New" panose="02070309020205020404" pitchFamily="49" charset="0"/>
-                  </a:rPr>
-                  <a:t>historia.history</a:t>
-                </a:r>
-                <a:r>
-                  <a:rPr lang="en-US" sz="1600" b="0" dirty="0">
-                    <a:solidFill>
-                      <a:srgbClr val="000000"/>
-                    </a:solidFill>
-                    <a:effectLst/>
-                    <a:latin typeface="Courier New" panose="02070309020205020404" pitchFamily="49" charset="0"/>
-                  </a:rPr>
-                  <a:t>[</a:t>
-                </a:r>
-                <a:r>
-                  <a:rPr lang="en-US" sz="1600" b="0" dirty="0">
-                    <a:solidFill>
-                      <a:srgbClr val="A31515"/>
-                    </a:solidFill>
-                    <a:effectLst/>
-                    <a:latin typeface="Courier New" panose="02070309020205020404" pitchFamily="49" charset="0"/>
-                  </a:rPr>
-                  <a:t>"</a:t>
-                </a:r>
-                <a:r>
-                  <a:rPr lang="en-US" sz="1600" b="0" dirty="0" err="1">
-                    <a:solidFill>
-                      <a:srgbClr val="A31515"/>
-                    </a:solidFill>
-                    <a:effectLst/>
-                    <a:latin typeface="Courier New" panose="02070309020205020404" pitchFamily="49" charset="0"/>
-                  </a:rPr>
-                  <a:t>mse</a:t>
-                </a:r>
-                <a:r>
-                  <a:rPr lang="en-US" sz="1600" b="0" dirty="0">
-                    <a:solidFill>
-                      <a:srgbClr val="A31515"/>
-                    </a:solidFill>
-                    <a:effectLst/>
-                    <a:latin typeface="Courier New" panose="02070309020205020404" pitchFamily="49" charset="0"/>
-                  </a:rPr>
-                  <a:t>"</a:t>
-                </a:r>
-                <a:r>
-                  <a:rPr lang="en-US" sz="1600" b="0" dirty="0">
-                    <a:solidFill>
-                      <a:srgbClr val="000000"/>
-                    </a:solidFill>
-                    <a:effectLst/>
-                    <a:latin typeface="Courier New" panose="02070309020205020404" pitchFamily="49" charset="0"/>
-                  </a:rPr>
-                  <a:t>][</a:t>
-                </a:r>
-                <a:r>
-                  <a:rPr lang="en-US" sz="1600" b="0" dirty="0">
-                    <a:solidFill>
-                      <a:srgbClr val="116644"/>
-                    </a:solidFill>
-                    <a:effectLst/>
-                    <a:latin typeface="Courier New" panose="02070309020205020404" pitchFamily="49" charset="0"/>
-                  </a:rPr>
-                  <a:t>-1</a:t>
-                </a:r>
-                <a:r>
-                  <a:rPr lang="en-US" sz="1600" b="0" dirty="0">
-                    <a:solidFill>
-                      <a:srgbClr val="000000"/>
-                    </a:solidFill>
-                    <a:effectLst/>
-                    <a:latin typeface="Courier New" panose="02070309020205020404" pitchFamily="49" charset="0"/>
-                  </a:rPr>
-                  <a:t>]}</a:t>
-                </a:r>
-                <a:r>
-                  <a:rPr lang="en-US" sz="1600" b="0" dirty="0">
-                    <a:solidFill>
-                      <a:srgbClr val="A31515"/>
-                    </a:solidFill>
-                    <a:effectLst/>
-                    <a:latin typeface="Courier New" panose="02070309020205020404" pitchFamily="49" charset="0"/>
-                  </a:rPr>
-                  <a:t>, Last Val MSE: </a:t>
-                </a:r>
-                <a:r>
-                  <a:rPr lang="en-US" sz="1600" b="0" dirty="0">
-                    <a:solidFill>
-                      <a:srgbClr val="000000"/>
-                    </a:solidFill>
-                    <a:effectLst/>
-                    <a:latin typeface="Courier New" panose="02070309020205020404" pitchFamily="49" charset="0"/>
-                  </a:rPr>
-                  <a:t>{</a:t>
-                </a:r>
-                <a:r>
-                  <a:rPr lang="en-US" sz="1600" b="0" dirty="0" err="1">
-                    <a:solidFill>
-                      <a:srgbClr val="000000"/>
-                    </a:solidFill>
-                    <a:effectLst/>
-                    <a:latin typeface="Courier New" panose="02070309020205020404" pitchFamily="49" charset="0"/>
-                  </a:rPr>
-                  <a:t>historia.history</a:t>
-                </a:r>
-                <a:r>
-                  <a:rPr lang="en-US" sz="1600" b="0" dirty="0">
-                    <a:solidFill>
-                      <a:srgbClr val="000000"/>
-                    </a:solidFill>
-                    <a:effectLst/>
-                    <a:latin typeface="Courier New" panose="02070309020205020404" pitchFamily="49" charset="0"/>
-                  </a:rPr>
-                  <a:t>[</a:t>
-                </a:r>
-                <a:r>
-                  <a:rPr lang="en-US" sz="1600" b="0" dirty="0">
-                    <a:solidFill>
-                      <a:srgbClr val="A31515"/>
-                    </a:solidFill>
-                    <a:effectLst/>
-                    <a:latin typeface="Courier New" panose="02070309020205020404" pitchFamily="49" charset="0"/>
-                  </a:rPr>
-                  <a:t>"</a:t>
-                </a:r>
-                <a:r>
-                  <a:rPr lang="en-US" sz="1600" b="0" dirty="0" err="1">
-                    <a:solidFill>
-                      <a:srgbClr val="A31515"/>
-                    </a:solidFill>
-                    <a:effectLst/>
-                    <a:latin typeface="Courier New" panose="02070309020205020404" pitchFamily="49" charset="0"/>
-                  </a:rPr>
-                  <a:t>val_mse</a:t>
-                </a:r>
-                <a:r>
-                  <a:rPr lang="en-US" sz="1600" b="0" dirty="0">
-                    <a:solidFill>
-                      <a:srgbClr val="A31515"/>
-                    </a:solidFill>
-                    <a:effectLst/>
-                    <a:latin typeface="Courier New" panose="02070309020205020404" pitchFamily="49" charset="0"/>
-                  </a:rPr>
-                  <a:t>"</a:t>
-                </a:r>
-                <a:r>
-                  <a:rPr lang="en-US" sz="1600" b="0" dirty="0">
-                    <a:solidFill>
-                      <a:srgbClr val="000000"/>
-                    </a:solidFill>
-                    <a:effectLst/>
-                    <a:latin typeface="Courier New" panose="02070309020205020404" pitchFamily="49" charset="0"/>
-                  </a:rPr>
-                  <a:t>][</a:t>
-                </a:r>
-                <a:r>
-                  <a:rPr lang="en-US" sz="1600" b="0" dirty="0">
-                    <a:solidFill>
-                      <a:srgbClr val="116644"/>
-                    </a:solidFill>
-                    <a:effectLst/>
-                    <a:latin typeface="Courier New" panose="02070309020205020404" pitchFamily="49" charset="0"/>
-                  </a:rPr>
-                  <a:t>-1</a:t>
-                </a:r>
-                <a:r>
-                  <a:rPr lang="en-US" sz="1600" b="0" dirty="0">
-                    <a:solidFill>
-                      <a:srgbClr val="000000"/>
-                    </a:solidFill>
-                    <a:effectLst/>
-                    <a:latin typeface="Courier New" panose="02070309020205020404" pitchFamily="49" charset="0"/>
-                  </a:rPr>
-                  <a:t>]}</a:t>
-                </a:r>
-                <a:r>
-                  <a:rPr lang="en-US" sz="1600" b="0" dirty="0">
-                    <a:solidFill>
-                      <a:srgbClr val="A31515"/>
-                    </a:solidFill>
-                    <a:effectLst/>
-                    <a:latin typeface="Courier New" panose="02070309020205020404" pitchFamily="49" charset="0"/>
-                  </a:rPr>
-                  <a:t>'</a:t>
-                </a:r>
-                <a:r>
-                  <a:rPr lang="en-US" sz="1600" b="0" dirty="0">
-                    <a:solidFill>
-                      <a:srgbClr val="000000"/>
-                    </a:solidFill>
-                    <a:effectLst/>
-                    <a:latin typeface="Courier New" panose="02070309020205020404" pitchFamily="49" charset="0"/>
-                  </a:rPr>
-                  <a:t>)</a:t>
-                </a:r>
-              </a:p>
-              <a:p>
-                <a:r>
-                  <a:rPr lang="en-US" sz="1600" b="0" dirty="0">
-                    <a:solidFill>
-                      <a:srgbClr val="795E26"/>
-                    </a:solidFill>
-                    <a:effectLst/>
-                    <a:latin typeface="Courier New" panose="02070309020205020404" pitchFamily="49" charset="0"/>
-                  </a:rPr>
-                  <a:t>print</a:t>
-                </a:r>
-                <a:r>
-                  <a:rPr lang="en-US" sz="1600" b="0" dirty="0">
-                    <a:solidFill>
-                      <a:srgbClr val="000000"/>
-                    </a:solidFill>
-                    <a:effectLst/>
-                    <a:latin typeface="Courier New" panose="02070309020205020404" pitchFamily="49" charset="0"/>
-                  </a:rPr>
-                  <a:t>(</a:t>
-                </a:r>
-                <a:r>
-                  <a:rPr lang="en-US" sz="1600" b="0" dirty="0">
-                    <a:solidFill>
-                      <a:srgbClr val="A31515"/>
-                    </a:solidFill>
-                    <a:effectLst/>
-                    <a:latin typeface="Courier New" panose="02070309020205020404" pitchFamily="49" charset="0"/>
-                  </a:rPr>
-                  <a:t>'\n'</a:t>
-                </a:r>
-                <a:r>
-                  <a:rPr lang="en-US" sz="1600" b="0" dirty="0">
-                    <a:solidFill>
-                      <a:srgbClr val="000000"/>
-                    </a:solidFill>
-                    <a:effectLst/>
-                    <a:latin typeface="Courier New" panose="02070309020205020404" pitchFamily="49" charset="0"/>
-                  </a:rPr>
-                  <a:t>)</a:t>
-                </a:r>
-              </a:p>
-            </p:txBody>
-          </p:sp>
-          <p:sp>
-            <p:nvSpPr>
-              <p:cNvPr id="11" name="Rectangle 10">
-                <a:extLst>
-                  <a:ext uri="{FF2B5EF4-FFF2-40B4-BE49-F238E27FC236}">
-                    <a16:creationId xmlns:a16="http://schemas.microsoft.com/office/drawing/2014/main" id="{144985E3-2FE0-E08C-F17F-AAF8BCD4C20D}"/>
-                  </a:ext>
-                </a:extLst>
-              </p:cNvPr>
-              <p:cNvSpPr/>
-              <p:nvPr/>
-            </p:nvSpPr>
-            <p:spPr>
-              <a:xfrm>
-                <a:off x="1139125" y="1612902"/>
-                <a:ext cx="411997" cy="2908817"/>
-              </a:xfrm>
-              <a:prstGeom prst="rect">
-                <a:avLst/>
-              </a:prstGeom>
-              <a:solidFill>
-                <a:schemeClr val="bg2">
-                  <a:lumMod val="50000"/>
-                </a:schemeClr>
-              </a:solidFill>
-              <a:ln>
-                <a:noFill/>
-              </a:ln>
-            </p:spPr>
-            <p:style>
-              <a:lnRef idx="2">
-                <a:schemeClr val="accent1">
-                  <a:shade val="15000"/>
-                </a:schemeClr>
-              </a:lnRef>
-              <a:fillRef idx="1">
-                <a:schemeClr val="accent1"/>
-              </a:fillRef>
-              <a:effectRef idx="0">
-                <a:schemeClr val="accent1"/>
-              </a:effectRef>
-              <a:fontRef idx="minor">
-                <a:schemeClr val="lt1"/>
-              </a:fontRef>
-            </p:style>
-            <p:txBody>
-              <a:bodyPr rtlCol="0" anchor="ctr"/>
-              <a:lstStyle/>
-              <a:p>
-                <a:pPr algn="ctr"/>
-                <a:endParaRPr lang="pt-BR"/>
-              </a:p>
-            </p:txBody>
-          </p:sp>
-        </p:grpSp>
-      </p:grpSp>
-    </p:spTree>
-    <p:extLst>
-      <p:ext uri="{BB962C8B-B14F-4D97-AF65-F5344CB8AC3E}">
-        <p14:creationId xmlns:p14="http://schemas.microsoft.com/office/powerpoint/2010/main" val="700241001"/>
-      </p:ext>
-    </p:extLst>
-  </p:cSld>
-  <p:clrMapOvr>
-    <a:masterClrMapping/>
-  </p:clrMapOvr>
-</p:sld>
-</file>
-
-<file path=ppt/slides/slide27.xml><?xml version="1.0" encoding="utf-8"?>
-<p:sld xmlns:a="http://schemas.openxmlformats.org/drawingml/2006/main" xmlns:r="http://schemas.openxmlformats.org/officeDocument/2006/relationships" xmlns:p="http://schemas.openxmlformats.org/presentationml/2006/main">
-  <p:cSld>
-    <p:spTree>
-      <p:nvGrpSpPr>
-        <p:cNvPr id="1" name=""/>
-        <p:cNvGrpSpPr/>
-        <p:nvPr/>
-      </p:nvGrpSpPr>
-      <p:grpSpPr>
-        <a:xfrm>
-          <a:off x="0" y="0"/>
-          <a:ext cx="0" cy="0"/>
-          <a:chOff x="0" y="0"/>
-          <a:chExt cx="0" cy="0"/>
-        </a:xfrm>
-      </p:grpSpPr>
-      <p:sp>
-        <p:nvSpPr>
-          <p:cNvPr id="2" name="Título 1">
-            <a:extLst>
-              <a:ext uri="{FF2B5EF4-FFF2-40B4-BE49-F238E27FC236}">
-                <a16:creationId xmlns:a16="http://schemas.microsoft.com/office/drawing/2014/main" id="{BFC061CD-8025-7E8A-76C8-26AC09C7E85D}"/>
-              </a:ext>
-            </a:extLst>
-          </p:cNvPr>
-          <p:cNvSpPr>
-            <a:spLocks noGrp="1"/>
-          </p:cNvSpPr>
-          <p:nvPr>
-            <p:ph type="title"/>
-          </p:nvPr>
-        </p:nvSpPr>
-        <p:spPr/>
-        <p:txBody>
-          <a:bodyPr/>
-          <a:lstStyle/>
-          <a:p>
-            <a:r>
-              <a:rPr lang="pt-BR" b="1" dirty="0"/>
-              <a:t>Implementação (Google colab)</a:t>
-            </a:r>
-          </a:p>
-        </p:txBody>
-      </p:sp>
-      <p:sp>
-        <p:nvSpPr>
-          <p:cNvPr id="6" name="Retângulo 5">
-            <a:extLst>
-              <a:ext uri="{FF2B5EF4-FFF2-40B4-BE49-F238E27FC236}">
-                <a16:creationId xmlns:a16="http://schemas.microsoft.com/office/drawing/2014/main" id="{6400DBFB-4C95-4BC9-2AC3-48B17B718C74}"/>
-              </a:ext>
-            </a:extLst>
-          </p:cNvPr>
-          <p:cNvSpPr/>
-          <p:nvPr/>
-        </p:nvSpPr>
-        <p:spPr>
-          <a:xfrm>
-            <a:off x="0" y="0"/>
-            <a:ext cx="12192000" cy="230188"/>
-          </a:xfrm>
-          <a:prstGeom prst="rect">
-            <a:avLst/>
-          </a:prstGeom>
-          <a:solidFill>
-            <a:schemeClr val="accent4">
-              <a:lumMod val="20000"/>
-              <a:lumOff val="80000"/>
-            </a:schemeClr>
-          </a:solidFill>
-          <a:ln>
-            <a:noFill/>
-          </a:ln>
-        </p:spPr>
-        <p:style>
-          <a:lnRef idx="2">
-            <a:schemeClr val="accent1">
-              <a:shade val="15000"/>
-            </a:schemeClr>
-          </a:lnRef>
-          <a:fillRef idx="1">
-            <a:schemeClr val="accent1"/>
-          </a:fillRef>
-          <a:effectRef idx="0">
-            <a:schemeClr val="accent1"/>
-          </a:effectRef>
-          <a:fontRef idx="minor">
-            <a:schemeClr val="lt1"/>
-          </a:fontRef>
-        </p:style>
-        <p:txBody>
-          <a:bodyPr rtlCol="0" anchor="ctr"/>
-          <a:lstStyle/>
-          <a:p>
-            <a:pPr algn="ctr"/>
-            <a:endParaRPr lang="pt-BR"/>
-          </a:p>
-        </p:txBody>
-      </p:sp>
-      <p:sp>
-        <p:nvSpPr>
-          <p:cNvPr id="4" name="Espaço Reservado para Número de Slide 3">
-            <a:extLst>
-              <a:ext uri="{FF2B5EF4-FFF2-40B4-BE49-F238E27FC236}">
-                <a16:creationId xmlns:a16="http://schemas.microsoft.com/office/drawing/2014/main" id="{1A1582B6-145D-0C8B-C335-D471D444DA79}"/>
-              </a:ext>
-            </a:extLst>
-          </p:cNvPr>
-          <p:cNvSpPr>
-            <a:spLocks noGrp="1"/>
-          </p:cNvSpPr>
-          <p:nvPr>
-            <p:ph type="sldNum" sz="quarter" idx="12"/>
-          </p:nvPr>
-        </p:nvSpPr>
-        <p:spPr/>
-        <p:txBody>
-          <a:bodyPr/>
-          <a:lstStyle/>
-          <a:p>
-            <a:fld id="{100E1BD7-A6F2-47E2-ACB3-3469C810C63E}" type="slidenum">
-              <a:rPr lang="pt-BR" smtClean="0"/>
               <a:t>27</a:t>
-            </a:fld>
-            <a:endParaRPr lang="pt-BR"/>
-          </a:p>
-        </p:txBody>
-      </p:sp>
-      <p:grpSp>
-        <p:nvGrpSpPr>
-          <p:cNvPr id="15" name="Group 14">
-            <a:extLst>
-              <a:ext uri="{FF2B5EF4-FFF2-40B4-BE49-F238E27FC236}">
-                <a16:creationId xmlns:a16="http://schemas.microsoft.com/office/drawing/2014/main" id="{C58E6B1F-A7EE-3F48-9CA1-33E5A66130D2}"/>
-              </a:ext>
-            </a:extLst>
-          </p:cNvPr>
-          <p:cNvGrpSpPr/>
-          <p:nvPr/>
-        </p:nvGrpSpPr>
-        <p:grpSpPr>
-          <a:xfrm>
-            <a:off x="566979" y="1690688"/>
-            <a:ext cx="11058041" cy="2908817"/>
-            <a:chOff x="1139125" y="1612902"/>
-            <a:chExt cx="11058041" cy="2908817"/>
-          </a:xfrm>
-        </p:grpSpPr>
-        <p:sp>
-          <p:nvSpPr>
-            <p:cNvPr id="14" name="Rectangle 13">
-              <a:extLst>
-                <a:ext uri="{FF2B5EF4-FFF2-40B4-BE49-F238E27FC236}">
-                  <a16:creationId xmlns:a16="http://schemas.microsoft.com/office/drawing/2014/main" id="{C3C490B3-4568-FB11-6CB0-F6E2AC7C7A52}"/>
-                </a:ext>
-              </a:extLst>
-            </p:cNvPr>
-            <p:cNvSpPr/>
-            <p:nvPr/>
-          </p:nvSpPr>
-          <p:spPr>
-            <a:xfrm>
-              <a:off x="1551122" y="1612902"/>
-              <a:ext cx="10646044" cy="2908817"/>
-            </a:xfrm>
-            <a:prstGeom prst="rect">
-              <a:avLst/>
-            </a:prstGeom>
-            <a:solidFill>
-              <a:schemeClr val="bg2"/>
-            </a:solidFill>
-            <a:ln>
-              <a:noFill/>
-            </a:ln>
-          </p:spPr>
-          <p:style>
-            <a:lnRef idx="2">
-              <a:schemeClr val="accent1">
-                <a:shade val="15000"/>
-              </a:schemeClr>
-            </a:lnRef>
-            <a:fillRef idx="1">
-              <a:schemeClr val="accent1"/>
-            </a:fillRef>
-            <a:effectRef idx="0">
-              <a:schemeClr val="accent1"/>
-            </a:effectRef>
-            <a:fontRef idx="minor">
-              <a:schemeClr val="lt1"/>
-            </a:fontRef>
-          </p:style>
-          <p:txBody>
-            <a:bodyPr rtlCol="0" anchor="ctr"/>
-            <a:lstStyle/>
-            <a:p>
-              <a:pPr algn="ctr"/>
-              <a:endParaRPr lang="pt-BR"/>
-            </a:p>
-          </p:txBody>
-        </p:sp>
-        <p:grpSp>
-          <p:nvGrpSpPr>
-            <p:cNvPr id="12" name="Group 11">
-              <a:extLst>
-                <a:ext uri="{FF2B5EF4-FFF2-40B4-BE49-F238E27FC236}">
-                  <a16:creationId xmlns:a16="http://schemas.microsoft.com/office/drawing/2014/main" id="{F0719E0C-93BE-3002-3B4B-1F17CF33DE0B}"/>
-                </a:ext>
-              </a:extLst>
-            </p:cNvPr>
-            <p:cNvGrpSpPr/>
-            <p:nvPr/>
-          </p:nvGrpSpPr>
-          <p:grpSpPr>
-            <a:xfrm>
-              <a:off x="1139125" y="1612902"/>
-              <a:ext cx="11058041" cy="2908817"/>
-              <a:chOff x="1139125" y="1612902"/>
-              <a:chExt cx="11058041" cy="2908817"/>
-            </a:xfrm>
-          </p:grpSpPr>
-          <p:sp>
-            <p:nvSpPr>
-              <p:cNvPr id="9" name="TextBox 8">
-                <a:extLst>
-                  <a:ext uri="{FF2B5EF4-FFF2-40B4-BE49-F238E27FC236}">
-                    <a16:creationId xmlns:a16="http://schemas.microsoft.com/office/drawing/2014/main" id="{4A4797E5-491A-5D6F-22F7-3C74552D5684}"/>
-                  </a:ext>
-                </a:extLst>
-              </p:cNvPr>
-              <p:cNvSpPr txBox="1"/>
-              <p:nvPr/>
-            </p:nvSpPr>
-            <p:spPr>
-              <a:xfrm>
-                <a:off x="1640237" y="1747839"/>
-                <a:ext cx="10556929" cy="2616101"/>
-              </a:xfrm>
-              <a:prstGeom prst="rect">
-                <a:avLst/>
-              </a:prstGeom>
-              <a:noFill/>
-            </p:spPr>
-            <p:txBody>
-              <a:bodyPr wrap="square" rtlCol="0">
-                <a:spAutoFit/>
-              </a:bodyPr>
-              <a:lstStyle/>
-              <a:p>
-                <a:r>
-                  <a:rPr lang="en-US" sz="1600" b="0" dirty="0">
-                    <a:solidFill>
-                      <a:srgbClr val="008000"/>
-                    </a:solidFill>
-                    <a:effectLst/>
-                    <a:latin typeface="Courier New" panose="02070309020205020404" pitchFamily="49" charset="0"/>
-                  </a:rPr>
-                  <a:t># </a:t>
-                </a:r>
-                <a:r>
-                  <a:rPr lang="en-US" sz="1600" b="0" dirty="0" err="1">
-                    <a:solidFill>
-                      <a:srgbClr val="008000"/>
-                    </a:solidFill>
-                    <a:effectLst/>
-                    <a:latin typeface="Courier New" panose="02070309020205020404" pitchFamily="49" charset="0"/>
-                  </a:rPr>
-                  <a:t>Armazenar</a:t>
-                </a:r>
-                <a:r>
-                  <a:rPr lang="en-US" sz="1600" b="0" dirty="0">
-                    <a:solidFill>
-                      <a:srgbClr val="008000"/>
-                    </a:solidFill>
-                    <a:effectLst/>
-                    <a:latin typeface="Courier New" panose="02070309020205020404" pitchFamily="49" charset="0"/>
-                  </a:rPr>
-                  <a:t> o </a:t>
-                </a:r>
-                <a:r>
-                  <a:rPr lang="en-US" sz="1600" b="0" dirty="0" err="1">
-                    <a:solidFill>
-                      <a:srgbClr val="008000"/>
-                    </a:solidFill>
-                    <a:effectLst/>
-                    <a:latin typeface="Courier New" panose="02070309020205020404" pitchFamily="49" charset="0"/>
-                  </a:rPr>
-                  <a:t>histórico</a:t>
-                </a:r>
-                <a:r>
-                  <a:rPr lang="en-US" sz="1600" b="0" dirty="0">
-                    <a:solidFill>
-                      <a:srgbClr val="008000"/>
-                    </a:solidFill>
-                    <a:effectLst/>
-                    <a:latin typeface="Courier New" panose="02070309020205020404" pitchFamily="49" charset="0"/>
-                  </a:rPr>
-                  <a:t> de </a:t>
-                </a:r>
-                <a:r>
-                  <a:rPr lang="en-US" sz="1600" b="0" dirty="0" err="1">
-                    <a:solidFill>
-                      <a:srgbClr val="008000"/>
-                    </a:solidFill>
-                    <a:effectLst/>
-                    <a:latin typeface="Courier New" panose="02070309020205020404" pitchFamily="49" charset="0"/>
-                  </a:rPr>
-                  <a:t>treinamento</a:t>
-                </a:r>
-                <a:r>
-                  <a:rPr lang="en-US" sz="1600" b="0" dirty="0">
-                    <a:solidFill>
-                      <a:srgbClr val="008000"/>
-                    </a:solidFill>
-                    <a:effectLst/>
-                    <a:latin typeface="Courier New" panose="02070309020205020404" pitchFamily="49" charset="0"/>
-                  </a:rPr>
-                  <a:t> no </a:t>
-                </a:r>
-                <a:r>
-                  <a:rPr lang="en-US" sz="1600" b="0" dirty="0" err="1">
-                    <a:solidFill>
-                      <a:srgbClr val="008000"/>
-                    </a:solidFill>
-                    <a:effectLst/>
-                    <a:latin typeface="Courier New" panose="02070309020205020404" pitchFamily="49" charset="0"/>
-                  </a:rPr>
-                  <a:t>dicionário</a:t>
-                </a:r>
-                <a:endParaRPr lang="en-US" sz="1600" b="0" dirty="0">
-                  <a:solidFill>
-                    <a:srgbClr val="000000"/>
-                  </a:solidFill>
-                  <a:effectLst/>
-                  <a:latin typeface="Courier New" panose="02070309020205020404" pitchFamily="49" charset="0"/>
-                </a:endParaRPr>
-              </a:p>
-              <a:p>
-                <a:r>
-                  <a:rPr lang="en-US" sz="1600" b="0" dirty="0" err="1">
-                    <a:solidFill>
-                      <a:srgbClr val="000000"/>
-                    </a:solidFill>
-                    <a:effectLst/>
-                    <a:latin typeface="Courier New" panose="02070309020205020404" pitchFamily="49" charset="0"/>
-                  </a:rPr>
-                  <a:t>models_history</a:t>
-                </a:r>
-                <a:r>
-                  <a:rPr lang="en-US" sz="1600" b="0" dirty="0">
-                    <a:solidFill>
-                      <a:srgbClr val="000000"/>
-                    </a:solidFill>
-                    <a:effectLst/>
-                    <a:latin typeface="Courier New" panose="02070309020205020404" pitchFamily="49" charset="0"/>
-                  </a:rPr>
-                  <a:t> = {}</a:t>
-                </a:r>
-              </a:p>
-              <a:p>
-                <a:r>
-                  <a:rPr lang="en-US" sz="1600" b="0" dirty="0" err="1">
-                    <a:solidFill>
-                      <a:srgbClr val="000000"/>
-                    </a:solidFill>
-                    <a:effectLst/>
-                    <a:latin typeface="Courier New" panose="02070309020205020404" pitchFamily="49" charset="0"/>
-                  </a:rPr>
-                  <a:t>model_name</a:t>
-                </a:r>
-                <a:r>
-                  <a:rPr lang="en-US" sz="1600" b="0" dirty="0">
-                    <a:solidFill>
-                      <a:srgbClr val="000000"/>
-                    </a:solidFill>
-                    <a:effectLst/>
-                    <a:latin typeface="Courier New" panose="02070309020205020404" pitchFamily="49" charset="0"/>
-                  </a:rPr>
-                  <a:t> = </a:t>
-                </a:r>
-                <a:r>
-                  <a:rPr lang="en-US" sz="1600" b="0" dirty="0" err="1">
-                    <a:solidFill>
-                      <a:srgbClr val="0000FF"/>
-                    </a:solidFill>
-                    <a:effectLst/>
-                    <a:latin typeface="Courier New" panose="02070309020205020404" pitchFamily="49" charset="0"/>
-                  </a:rPr>
-                  <a:t>f</a:t>
-                </a:r>
-                <a:r>
-                  <a:rPr lang="en-US" sz="1600" b="0" dirty="0" err="1">
-                    <a:solidFill>
-                      <a:srgbClr val="A31515"/>
-                    </a:solidFill>
-                    <a:effectLst/>
-                    <a:latin typeface="Courier New" panose="02070309020205020404" pitchFamily="49" charset="0"/>
-                  </a:rPr>
-                  <a:t>'sequential</a:t>
-                </a:r>
-                <a:r>
-                  <a:rPr lang="en-US" sz="1600" b="0" dirty="0">
-                    <a:solidFill>
-                      <a:srgbClr val="A31515"/>
-                    </a:solidFill>
-                    <a:effectLst/>
-                    <a:latin typeface="Courier New" panose="02070309020205020404" pitchFamily="49" charset="0"/>
-                  </a:rPr>
-                  <a:t>_</a:t>
-                </a:r>
-                <a:r>
-                  <a:rPr lang="en-US" sz="1600" b="0" dirty="0">
-                    <a:solidFill>
-                      <a:srgbClr val="000000"/>
-                    </a:solidFill>
-                    <a:effectLst/>
-                    <a:latin typeface="Courier New" panose="02070309020205020404" pitchFamily="49" charset="0"/>
-                  </a:rPr>
-                  <a:t>{</a:t>
-                </a:r>
-                <a:r>
-                  <a:rPr lang="en-US" sz="1600" b="0" dirty="0" err="1">
-                    <a:solidFill>
-                      <a:srgbClr val="795E26"/>
-                    </a:solidFill>
-                    <a:effectLst/>
-                    <a:latin typeface="Courier New" panose="02070309020205020404" pitchFamily="49" charset="0"/>
-                  </a:rPr>
-                  <a:t>len</a:t>
-                </a:r>
-                <a:r>
-                  <a:rPr lang="en-US" sz="1600" b="0" dirty="0">
-                    <a:solidFill>
-                      <a:srgbClr val="000000"/>
-                    </a:solidFill>
-                    <a:effectLst/>
-                    <a:latin typeface="Courier New" panose="02070309020205020404" pitchFamily="49" charset="0"/>
-                  </a:rPr>
-                  <a:t>(</a:t>
-                </a:r>
-                <a:r>
-                  <a:rPr lang="en-US" sz="1600" b="0" dirty="0" err="1">
-                    <a:solidFill>
-                      <a:srgbClr val="000000"/>
-                    </a:solidFill>
-                    <a:effectLst/>
-                    <a:latin typeface="Courier New" panose="02070309020205020404" pitchFamily="49" charset="0"/>
-                  </a:rPr>
-                  <a:t>models_history</a:t>
-                </a:r>
-                <a:r>
-                  <a:rPr lang="en-US" sz="1600" b="0" dirty="0">
-                    <a:solidFill>
-                      <a:srgbClr val="000000"/>
-                    </a:solidFill>
-                    <a:effectLst/>
-                    <a:latin typeface="Courier New" panose="02070309020205020404" pitchFamily="49" charset="0"/>
-                  </a:rPr>
-                  <a:t>) + </a:t>
-                </a:r>
-                <a:r>
-                  <a:rPr lang="en-US" sz="1600" b="0" dirty="0">
-                    <a:solidFill>
-                      <a:srgbClr val="116644"/>
-                    </a:solidFill>
-                    <a:effectLst/>
-                    <a:latin typeface="Courier New" panose="02070309020205020404" pitchFamily="49" charset="0"/>
-                  </a:rPr>
-                  <a:t>1</a:t>
-                </a:r>
-                <a:r>
-                  <a:rPr lang="en-US" sz="1600" b="0" dirty="0">
-                    <a:solidFill>
-                      <a:srgbClr val="000000"/>
-                    </a:solidFill>
-                    <a:effectLst/>
-                    <a:latin typeface="Courier New" panose="02070309020205020404" pitchFamily="49" charset="0"/>
-                  </a:rPr>
-                  <a:t>}</a:t>
-                </a:r>
-                <a:r>
-                  <a:rPr lang="en-US" sz="1600" b="0" dirty="0">
-                    <a:solidFill>
-                      <a:srgbClr val="A31515"/>
-                    </a:solidFill>
-                    <a:effectLst/>
-                    <a:latin typeface="Courier New" panose="02070309020205020404" pitchFamily="49" charset="0"/>
-                  </a:rPr>
-                  <a:t>'</a:t>
-                </a:r>
-                <a:endParaRPr lang="en-US" sz="1600" b="0" dirty="0">
-                  <a:solidFill>
-                    <a:srgbClr val="000000"/>
-                  </a:solidFill>
-                  <a:effectLst/>
-                  <a:latin typeface="Courier New" panose="02070309020205020404" pitchFamily="49" charset="0"/>
-                </a:endParaRPr>
-              </a:p>
-              <a:p>
-                <a:r>
-                  <a:rPr lang="en-US" sz="1600" b="0" dirty="0" err="1">
-                    <a:solidFill>
-                      <a:srgbClr val="000000"/>
-                    </a:solidFill>
-                    <a:effectLst/>
-                    <a:latin typeface="Courier New" panose="02070309020205020404" pitchFamily="49" charset="0"/>
-                  </a:rPr>
-                  <a:t>models_history</a:t>
-                </a:r>
-                <a:r>
-                  <a:rPr lang="en-US" sz="1600" b="0" dirty="0">
-                    <a:solidFill>
-                      <a:srgbClr val="000000"/>
-                    </a:solidFill>
-                    <a:effectLst/>
-                    <a:latin typeface="Courier New" panose="02070309020205020404" pitchFamily="49" charset="0"/>
-                  </a:rPr>
-                  <a:t>[</a:t>
-                </a:r>
-                <a:r>
-                  <a:rPr lang="en-US" sz="1600" b="0" dirty="0" err="1">
-                    <a:solidFill>
-                      <a:srgbClr val="000000"/>
-                    </a:solidFill>
-                    <a:effectLst/>
-                    <a:latin typeface="Courier New" panose="02070309020205020404" pitchFamily="49" charset="0"/>
-                  </a:rPr>
-                  <a:t>model_name</a:t>
-                </a:r>
-                <a:r>
-                  <a:rPr lang="en-US" sz="1600" b="0" dirty="0">
-                    <a:solidFill>
-                      <a:srgbClr val="000000"/>
-                    </a:solidFill>
-                    <a:effectLst/>
-                    <a:latin typeface="Courier New" panose="02070309020205020404" pitchFamily="49" charset="0"/>
-                  </a:rPr>
-                  <a:t>] = </a:t>
-                </a:r>
-                <a:r>
-                  <a:rPr lang="en-US" sz="1600" b="0" dirty="0" err="1">
-                    <a:solidFill>
-                      <a:srgbClr val="000000"/>
-                    </a:solidFill>
-                    <a:effectLst/>
-                    <a:latin typeface="Courier New" panose="02070309020205020404" pitchFamily="49" charset="0"/>
-                  </a:rPr>
-                  <a:t>historia.history</a:t>
-                </a:r>
-                <a:endParaRPr lang="en-US" sz="1600" b="0" dirty="0">
-                  <a:solidFill>
-                    <a:srgbClr val="000000"/>
-                  </a:solidFill>
-                  <a:effectLst/>
-                  <a:latin typeface="Courier New" panose="02070309020205020404" pitchFamily="49" charset="0"/>
-                </a:endParaRPr>
-              </a:p>
-              <a:p>
-                <a:br>
-                  <a:rPr lang="en-US" sz="1600" b="0" dirty="0">
-                    <a:solidFill>
-                      <a:srgbClr val="000000"/>
-                    </a:solidFill>
-                    <a:effectLst/>
-                    <a:latin typeface="Courier New" panose="02070309020205020404" pitchFamily="49" charset="0"/>
-                  </a:rPr>
-                </a:br>
-                <a:r>
-                  <a:rPr lang="en-US" sz="1600" b="0" dirty="0">
-                    <a:solidFill>
-                      <a:srgbClr val="008000"/>
-                    </a:solidFill>
-                    <a:effectLst/>
-                    <a:latin typeface="Courier New" panose="02070309020205020404" pitchFamily="49" charset="0"/>
-                  </a:rPr>
-                  <a:t># </a:t>
-                </a:r>
-                <a:r>
-                  <a:rPr lang="en-US" sz="1600" b="0" dirty="0" err="1">
-                    <a:solidFill>
-                      <a:srgbClr val="008000"/>
-                    </a:solidFill>
-                    <a:effectLst/>
-                    <a:latin typeface="Courier New" panose="02070309020205020404" pitchFamily="49" charset="0"/>
-                  </a:rPr>
-                  <a:t>Exibir</a:t>
-                </a:r>
-                <a:r>
-                  <a:rPr lang="en-US" sz="1600" b="0" dirty="0">
-                    <a:solidFill>
-                      <a:srgbClr val="008000"/>
-                    </a:solidFill>
-                    <a:effectLst/>
-                    <a:latin typeface="Courier New" panose="02070309020205020404" pitchFamily="49" charset="0"/>
-                  </a:rPr>
-                  <a:t> </a:t>
-                </a:r>
-                <a:r>
-                  <a:rPr lang="en-US" sz="1600" b="0" dirty="0" err="1">
-                    <a:solidFill>
-                      <a:srgbClr val="008000"/>
-                    </a:solidFill>
-                    <a:effectLst/>
-                    <a:latin typeface="Courier New" panose="02070309020205020404" pitchFamily="49" charset="0"/>
-                  </a:rPr>
-                  <a:t>os</a:t>
-                </a:r>
-                <a:r>
-                  <a:rPr lang="en-US" sz="1600" b="0" dirty="0">
-                    <a:solidFill>
-                      <a:srgbClr val="008000"/>
-                    </a:solidFill>
-                    <a:effectLst/>
-                    <a:latin typeface="Courier New" panose="02070309020205020404" pitchFamily="49" charset="0"/>
-                  </a:rPr>
-                  <a:t> </a:t>
-                </a:r>
-                <a:r>
-                  <a:rPr lang="en-US" sz="1600" b="0" dirty="0" err="1">
-                    <a:solidFill>
-                      <a:srgbClr val="008000"/>
-                    </a:solidFill>
-                    <a:effectLst/>
-                    <a:latin typeface="Courier New" panose="02070309020205020404" pitchFamily="49" charset="0"/>
-                  </a:rPr>
-                  <a:t>resultados</a:t>
-                </a:r>
-                <a:r>
-                  <a:rPr lang="en-US" sz="1600" b="0" dirty="0">
-                    <a:solidFill>
-                      <a:srgbClr val="008000"/>
-                    </a:solidFill>
-                    <a:effectLst/>
-                    <a:latin typeface="Courier New" panose="02070309020205020404" pitchFamily="49" charset="0"/>
-                  </a:rPr>
-                  <a:t> para </a:t>
-                </a:r>
-                <a:r>
-                  <a:rPr lang="en-US" sz="1600" b="0" dirty="0" err="1">
-                    <a:solidFill>
-                      <a:srgbClr val="008000"/>
-                    </a:solidFill>
-                    <a:effectLst/>
-                    <a:latin typeface="Courier New" panose="02070309020205020404" pitchFamily="49" charset="0"/>
-                  </a:rPr>
-                  <a:t>cada</a:t>
-                </a:r>
-                <a:r>
-                  <a:rPr lang="en-US" sz="1600" b="0" dirty="0">
-                    <a:solidFill>
-                      <a:srgbClr val="008000"/>
-                    </a:solidFill>
-                    <a:effectLst/>
-                    <a:latin typeface="Courier New" panose="02070309020205020404" pitchFamily="49" charset="0"/>
-                  </a:rPr>
-                  <a:t> </a:t>
-                </a:r>
-                <a:r>
-                  <a:rPr lang="en-US" sz="1600" b="0" dirty="0" err="1">
-                    <a:solidFill>
-                      <a:srgbClr val="008000"/>
-                    </a:solidFill>
-                    <a:effectLst/>
-                    <a:latin typeface="Courier New" panose="02070309020205020404" pitchFamily="49" charset="0"/>
-                  </a:rPr>
-                  <a:t>modelo</a:t>
-                </a:r>
-                <a:endParaRPr lang="en-US" sz="1600" b="0" dirty="0">
-                  <a:solidFill>
-                    <a:srgbClr val="000000"/>
-                  </a:solidFill>
-                  <a:effectLst/>
-                  <a:latin typeface="Courier New" panose="02070309020205020404" pitchFamily="49" charset="0"/>
-                </a:endParaRPr>
-              </a:p>
-              <a:p>
-                <a:r>
-                  <a:rPr lang="en-US" sz="1600" b="0" dirty="0">
-                    <a:solidFill>
-                      <a:srgbClr val="AF00DB"/>
-                    </a:solidFill>
-                    <a:effectLst/>
-                    <a:latin typeface="Courier New" panose="02070309020205020404" pitchFamily="49" charset="0"/>
-                  </a:rPr>
-                  <a:t>for</a:t>
-                </a:r>
-                <a:r>
-                  <a:rPr lang="en-US" sz="1600" b="0" dirty="0">
-                    <a:solidFill>
-                      <a:srgbClr val="000000"/>
-                    </a:solidFill>
-                    <a:effectLst/>
-                    <a:latin typeface="Courier New" panose="02070309020205020404" pitchFamily="49" charset="0"/>
-                  </a:rPr>
-                  <a:t> </a:t>
-                </a:r>
-                <a:r>
-                  <a:rPr lang="en-US" sz="1600" b="0" dirty="0" err="1">
-                    <a:solidFill>
-                      <a:srgbClr val="000000"/>
-                    </a:solidFill>
-                    <a:effectLst/>
-                    <a:latin typeface="Courier New" panose="02070309020205020404" pitchFamily="49" charset="0"/>
-                  </a:rPr>
-                  <a:t>model_name</a:t>
-                </a:r>
-                <a:r>
-                  <a:rPr lang="en-US" sz="1600" b="0" dirty="0">
-                    <a:solidFill>
-                      <a:srgbClr val="000000"/>
-                    </a:solidFill>
-                    <a:effectLst/>
-                    <a:latin typeface="Courier New" panose="02070309020205020404" pitchFamily="49" charset="0"/>
-                  </a:rPr>
-                  <a:t>, history </a:t>
-                </a:r>
-                <a:r>
-                  <a:rPr lang="en-US" sz="1600" b="0" dirty="0">
-                    <a:solidFill>
-                      <a:srgbClr val="0000FF"/>
-                    </a:solidFill>
-                    <a:effectLst/>
-                    <a:latin typeface="Courier New" panose="02070309020205020404" pitchFamily="49" charset="0"/>
-                  </a:rPr>
-                  <a:t>in</a:t>
-                </a:r>
-                <a:r>
-                  <a:rPr lang="en-US" sz="1600" b="0" dirty="0">
-                    <a:solidFill>
-                      <a:srgbClr val="000000"/>
-                    </a:solidFill>
-                    <a:effectLst/>
-                    <a:latin typeface="Courier New" panose="02070309020205020404" pitchFamily="49" charset="0"/>
-                  </a:rPr>
-                  <a:t> </a:t>
-                </a:r>
-                <a:r>
-                  <a:rPr lang="en-US" sz="1600" b="0" dirty="0" err="1">
-                    <a:solidFill>
-                      <a:srgbClr val="000000"/>
-                    </a:solidFill>
-                    <a:effectLst/>
-                    <a:latin typeface="Courier New" panose="02070309020205020404" pitchFamily="49" charset="0"/>
-                  </a:rPr>
-                  <a:t>models_history.items</a:t>
-                </a:r>
-                <a:r>
-                  <a:rPr lang="en-US" sz="1600" b="0" dirty="0">
-                    <a:solidFill>
-                      <a:srgbClr val="000000"/>
-                    </a:solidFill>
-                    <a:effectLst/>
-                    <a:latin typeface="Courier New" panose="02070309020205020404" pitchFamily="49" charset="0"/>
-                  </a:rPr>
-                  <a:t>():</a:t>
-                </a:r>
-              </a:p>
-              <a:p>
-                <a:r>
-                  <a:rPr lang="en-US" sz="1600" b="0" dirty="0">
-                    <a:solidFill>
-                      <a:srgbClr val="000000"/>
-                    </a:solidFill>
-                    <a:effectLst/>
-                    <a:latin typeface="Courier New" panose="02070309020205020404" pitchFamily="49" charset="0"/>
-                  </a:rPr>
-                  <a:t>    </a:t>
-                </a:r>
-                <a:r>
-                  <a:rPr lang="en-US" sz="1600" b="0" dirty="0">
-                    <a:solidFill>
-                      <a:srgbClr val="795E26"/>
-                    </a:solidFill>
-                    <a:effectLst/>
-                    <a:latin typeface="Courier New" panose="02070309020205020404" pitchFamily="49" charset="0"/>
-                  </a:rPr>
-                  <a:t>print</a:t>
-                </a:r>
-                <a:r>
-                  <a:rPr lang="en-US" sz="1600" b="0" dirty="0">
-                    <a:solidFill>
-                      <a:srgbClr val="000000"/>
-                    </a:solidFill>
-                    <a:effectLst/>
-                    <a:latin typeface="Courier New" panose="02070309020205020404" pitchFamily="49" charset="0"/>
-                  </a:rPr>
-                  <a:t>(</a:t>
-                </a:r>
-                <a:r>
-                  <a:rPr lang="en-US" sz="1600" b="0" dirty="0" err="1">
-                    <a:solidFill>
-                      <a:srgbClr val="0000FF"/>
-                    </a:solidFill>
-                    <a:effectLst/>
-                    <a:latin typeface="Courier New" panose="02070309020205020404" pitchFamily="49" charset="0"/>
-                  </a:rPr>
-                  <a:t>f</a:t>
-                </a:r>
-                <a:r>
-                  <a:rPr lang="en-US" sz="1600" b="0" dirty="0" err="1">
-                    <a:solidFill>
-                      <a:srgbClr val="A31515"/>
-                    </a:solidFill>
-                    <a:effectLst/>
-                    <a:latin typeface="Courier New" panose="02070309020205020404" pitchFamily="49" charset="0"/>
-                  </a:rPr>
-                  <a:t>"Model</a:t>
-                </a:r>
-                <a:r>
-                  <a:rPr lang="en-US" sz="1600" b="0" dirty="0">
-                    <a:solidFill>
-                      <a:srgbClr val="A31515"/>
-                    </a:solidFill>
-                    <a:effectLst/>
-                    <a:latin typeface="Courier New" panose="02070309020205020404" pitchFamily="49" charset="0"/>
-                  </a:rPr>
-                  <a:t>: </a:t>
-                </a:r>
-                <a:r>
-                  <a:rPr lang="en-US" sz="1600" b="0" dirty="0">
-                    <a:solidFill>
-                      <a:srgbClr val="000000"/>
-                    </a:solidFill>
-                    <a:effectLst/>
-                    <a:latin typeface="Courier New" panose="02070309020205020404" pitchFamily="49" charset="0"/>
-                  </a:rPr>
-                  <a:t>{</a:t>
-                </a:r>
-                <a:r>
-                  <a:rPr lang="en-US" sz="1600" b="0" dirty="0" err="1">
-                    <a:solidFill>
-                      <a:srgbClr val="000000"/>
-                    </a:solidFill>
-                    <a:effectLst/>
-                    <a:latin typeface="Courier New" panose="02070309020205020404" pitchFamily="49" charset="0"/>
-                  </a:rPr>
-                  <a:t>model_name</a:t>
-                </a:r>
-                <a:r>
-                  <a:rPr lang="en-US" sz="1600" b="0" dirty="0">
-                    <a:solidFill>
-                      <a:srgbClr val="000000"/>
-                    </a:solidFill>
-                    <a:effectLst/>
-                    <a:latin typeface="Courier New" panose="02070309020205020404" pitchFamily="49" charset="0"/>
-                  </a:rPr>
-                  <a:t>}</a:t>
-                </a:r>
-                <a:r>
-                  <a:rPr lang="en-US" sz="1600" b="0" dirty="0">
-                    <a:solidFill>
-                      <a:srgbClr val="A31515"/>
-                    </a:solidFill>
-                    <a:effectLst/>
-                    <a:latin typeface="Courier New" panose="02070309020205020404" pitchFamily="49" charset="0"/>
-                  </a:rPr>
-                  <a:t>"</a:t>
-                </a:r>
-                <a:r>
-                  <a:rPr lang="en-US" sz="1600" b="0" dirty="0">
-                    <a:solidFill>
-                      <a:srgbClr val="000000"/>
-                    </a:solidFill>
-                    <a:effectLst/>
-                    <a:latin typeface="Courier New" panose="02070309020205020404" pitchFamily="49" charset="0"/>
-                  </a:rPr>
-                  <a:t>)</a:t>
-                </a:r>
-              </a:p>
-              <a:p>
-                <a:r>
-                  <a:rPr lang="en-US" sz="1600" b="0" dirty="0">
-                    <a:solidFill>
-                      <a:srgbClr val="000000"/>
-                    </a:solidFill>
-                    <a:effectLst/>
-                    <a:latin typeface="Courier New" panose="02070309020205020404" pitchFamily="49" charset="0"/>
-                  </a:rPr>
-                  <a:t>    </a:t>
-                </a:r>
-                <a:r>
-                  <a:rPr lang="en-US" sz="1600" b="0" dirty="0">
-                    <a:solidFill>
-                      <a:srgbClr val="795E26"/>
-                    </a:solidFill>
-                    <a:effectLst/>
-                    <a:latin typeface="Courier New" panose="02070309020205020404" pitchFamily="49" charset="0"/>
-                  </a:rPr>
-                  <a:t>print</a:t>
-                </a:r>
-                <a:r>
-                  <a:rPr lang="en-US" sz="1600" b="0" dirty="0">
-                    <a:solidFill>
-                      <a:srgbClr val="000000"/>
-                    </a:solidFill>
-                    <a:effectLst/>
-                    <a:latin typeface="Courier New" panose="02070309020205020404" pitchFamily="49" charset="0"/>
-                  </a:rPr>
-                  <a:t>(</a:t>
-                </a:r>
-                <a:r>
-                  <a:rPr lang="en-US" sz="1600" b="0" dirty="0" err="1">
-                    <a:solidFill>
-                      <a:srgbClr val="0000FF"/>
-                    </a:solidFill>
-                    <a:effectLst/>
-                    <a:latin typeface="Courier New" panose="02070309020205020404" pitchFamily="49" charset="0"/>
-                  </a:rPr>
-                  <a:t>f</a:t>
-                </a:r>
-                <a:r>
-                  <a:rPr lang="en-US" sz="1600" b="0" dirty="0" err="1">
-                    <a:solidFill>
-                      <a:srgbClr val="A31515"/>
-                    </a:solidFill>
-                    <a:effectLst/>
-                    <a:latin typeface="Courier New" panose="02070309020205020404" pitchFamily="49" charset="0"/>
-                  </a:rPr>
-                  <a:t>"Last</a:t>
-                </a:r>
-                <a:r>
-                  <a:rPr lang="en-US" sz="1600" b="0" dirty="0">
-                    <a:solidFill>
-                      <a:srgbClr val="A31515"/>
-                    </a:solidFill>
-                    <a:effectLst/>
-                    <a:latin typeface="Courier New" panose="02070309020205020404" pitchFamily="49" charset="0"/>
-                  </a:rPr>
-                  <a:t> MSE: </a:t>
-                </a:r>
-                <a:r>
-                  <a:rPr lang="en-US" sz="1600" b="0" dirty="0">
-                    <a:solidFill>
-                      <a:srgbClr val="000000"/>
-                    </a:solidFill>
-                    <a:effectLst/>
-                    <a:latin typeface="Courier New" panose="02070309020205020404" pitchFamily="49" charset="0"/>
-                  </a:rPr>
-                  <a:t>{history[</a:t>
-                </a:r>
-                <a:r>
-                  <a:rPr lang="en-US" sz="1600" b="0" dirty="0">
-                    <a:solidFill>
-                      <a:srgbClr val="A31515"/>
-                    </a:solidFill>
-                    <a:effectLst/>
-                    <a:latin typeface="Courier New" panose="02070309020205020404" pitchFamily="49" charset="0"/>
-                  </a:rPr>
-                  <a:t>'</a:t>
-                </a:r>
-                <a:r>
-                  <a:rPr lang="en-US" sz="1600" b="0" dirty="0" err="1">
-                    <a:solidFill>
-                      <a:srgbClr val="A31515"/>
-                    </a:solidFill>
-                    <a:effectLst/>
-                    <a:latin typeface="Courier New" panose="02070309020205020404" pitchFamily="49" charset="0"/>
-                  </a:rPr>
-                  <a:t>mse</a:t>
-                </a:r>
-                <a:r>
-                  <a:rPr lang="en-US" sz="1600" b="0" dirty="0">
-                    <a:solidFill>
-                      <a:srgbClr val="A31515"/>
-                    </a:solidFill>
-                    <a:effectLst/>
-                    <a:latin typeface="Courier New" panose="02070309020205020404" pitchFamily="49" charset="0"/>
-                  </a:rPr>
-                  <a:t>'</a:t>
-                </a:r>
-                <a:r>
-                  <a:rPr lang="en-US" sz="1600" b="0" dirty="0">
-                    <a:solidFill>
-                      <a:srgbClr val="000000"/>
-                    </a:solidFill>
-                    <a:effectLst/>
-                    <a:latin typeface="Courier New" panose="02070309020205020404" pitchFamily="49" charset="0"/>
-                  </a:rPr>
-                  <a:t>][</a:t>
-                </a:r>
-                <a:r>
-                  <a:rPr lang="en-US" sz="1600" b="0" dirty="0">
-                    <a:solidFill>
-                      <a:srgbClr val="116644"/>
-                    </a:solidFill>
-                    <a:effectLst/>
-                    <a:latin typeface="Courier New" panose="02070309020205020404" pitchFamily="49" charset="0"/>
-                  </a:rPr>
-                  <a:t>-1</a:t>
-                </a:r>
-                <a:r>
-                  <a:rPr lang="en-US" sz="1600" b="0" dirty="0">
-                    <a:solidFill>
-                      <a:srgbClr val="000000"/>
-                    </a:solidFill>
-                    <a:effectLst/>
-                    <a:latin typeface="Courier New" panose="02070309020205020404" pitchFamily="49" charset="0"/>
-                  </a:rPr>
-                  <a:t>]}</a:t>
-                </a:r>
-                <a:r>
-                  <a:rPr lang="en-US" sz="1600" b="0" dirty="0">
-                    <a:solidFill>
-                      <a:srgbClr val="A31515"/>
-                    </a:solidFill>
-                    <a:effectLst/>
-                    <a:latin typeface="Courier New" panose="02070309020205020404" pitchFamily="49" charset="0"/>
-                  </a:rPr>
-                  <a:t>, Last Val MSE: </a:t>
-                </a:r>
-                <a:r>
-                  <a:rPr lang="en-US" sz="1600" b="0" dirty="0">
-                    <a:solidFill>
-                      <a:srgbClr val="000000"/>
-                    </a:solidFill>
-                    <a:effectLst/>
-                    <a:latin typeface="Courier New" panose="02070309020205020404" pitchFamily="49" charset="0"/>
-                  </a:rPr>
-                  <a:t>{history[</a:t>
-                </a:r>
-                <a:r>
-                  <a:rPr lang="en-US" sz="1600" b="0" dirty="0">
-                    <a:solidFill>
-                      <a:srgbClr val="A31515"/>
-                    </a:solidFill>
-                    <a:effectLst/>
-                    <a:latin typeface="Courier New" panose="02070309020205020404" pitchFamily="49" charset="0"/>
-                  </a:rPr>
-                  <a:t>'</a:t>
-                </a:r>
-                <a:r>
-                  <a:rPr lang="en-US" sz="1600" b="0" dirty="0" err="1">
-                    <a:solidFill>
-                      <a:srgbClr val="A31515"/>
-                    </a:solidFill>
-                    <a:effectLst/>
-                    <a:latin typeface="Courier New" panose="02070309020205020404" pitchFamily="49" charset="0"/>
-                  </a:rPr>
-                  <a:t>val_mse</a:t>
-                </a:r>
-                <a:r>
-                  <a:rPr lang="en-US" sz="1600" b="0" dirty="0">
-                    <a:solidFill>
-                      <a:srgbClr val="A31515"/>
-                    </a:solidFill>
-                    <a:effectLst/>
-                    <a:latin typeface="Courier New" panose="02070309020205020404" pitchFamily="49" charset="0"/>
-                  </a:rPr>
-                  <a:t>'</a:t>
-                </a:r>
-                <a:r>
-                  <a:rPr lang="en-US" sz="1600" b="0" dirty="0">
-                    <a:solidFill>
-                      <a:srgbClr val="000000"/>
-                    </a:solidFill>
-                    <a:effectLst/>
-                    <a:latin typeface="Courier New" panose="02070309020205020404" pitchFamily="49" charset="0"/>
-                  </a:rPr>
-                  <a:t>][</a:t>
-                </a:r>
-                <a:r>
-                  <a:rPr lang="en-US" sz="1600" b="0" dirty="0">
-                    <a:solidFill>
-                      <a:srgbClr val="116644"/>
-                    </a:solidFill>
-                    <a:effectLst/>
-                    <a:latin typeface="Courier New" panose="02070309020205020404" pitchFamily="49" charset="0"/>
-                  </a:rPr>
-                  <a:t>-1</a:t>
-                </a:r>
-                <a:r>
-                  <a:rPr lang="en-US" sz="1600" b="0" dirty="0">
-                    <a:solidFill>
-                      <a:srgbClr val="000000"/>
-                    </a:solidFill>
-                    <a:effectLst/>
-                    <a:latin typeface="Courier New" panose="02070309020205020404" pitchFamily="49" charset="0"/>
-                  </a:rPr>
-                  <a:t>]}</a:t>
-                </a:r>
-                <a:r>
-                  <a:rPr lang="en-US" sz="1600" b="0" dirty="0">
-                    <a:solidFill>
-                      <a:srgbClr val="A31515"/>
-                    </a:solidFill>
-                    <a:effectLst/>
-                    <a:latin typeface="Courier New" panose="02070309020205020404" pitchFamily="49" charset="0"/>
-                  </a:rPr>
-                  <a:t>"</a:t>
-                </a:r>
-                <a:r>
-                  <a:rPr lang="en-US" sz="1600" b="0" dirty="0">
-                    <a:solidFill>
-                      <a:srgbClr val="000000"/>
-                    </a:solidFill>
-                    <a:effectLst/>
-                    <a:latin typeface="Courier New" panose="02070309020205020404" pitchFamily="49" charset="0"/>
-                  </a:rPr>
-                  <a:t>)</a:t>
-                </a:r>
-              </a:p>
-              <a:p>
-                <a:r>
-                  <a:rPr lang="en-US" sz="1600" b="0" dirty="0">
-                    <a:solidFill>
-                      <a:srgbClr val="000000"/>
-                    </a:solidFill>
-                    <a:effectLst/>
-                    <a:latin typeface="Courier New" panose="02070309020205020404" pitchFamily="49" charset="0"/>
-                  </a:rPr>
-                  <a:t>    </a:t>
-                </a:r>
-                <a:r>
-                  <a:rPr lang="en-US" sz="1600" b="0" dirty="0">
-                    <a:solidFill>
-                      <a:srgbClr val="795E26"/>
-                    </a:solidFill>
-                    <a:effectLst/>
-                    <a:latin typeface="Courier New" panose="02070309020205020404" pitchFamily="49" charset="0"/>
-                  </a:rPr>
-                  <a:t>print</a:t>
-                </a:r>
-                <a:r>
-                  <a:rPr lang="en-US" sz="1600" b="0" dirty="0">
-                    <a:solidFill>
-                      <a:srgbClr val="000000"/>
-                    </a:solidFill>
-                    <a:effectLst/>
-                    <a:latin typeface="Courier New" panose="02070309020205020404" pitchFamily="49" charset="0"/>
-                  </a:rPr>
-                  <a:t>(</a:t>
-                </a:r>
-                <a:r>
-                  <a:rPr lang="en-US" sz="1600" b="0" dirty="0">
-                    <a:solidFill>
-                      <a:srgbClr val="A31515"/>
-                    </a:solidFill>
-                    <a:effectLst/>
-                    <a:latin typeface="Courier New" panose="02070309020205020404" pitchFamily="49" charset="0"/>
-                  </a:rPr>
-                  <a:t>"="</a:t>
-                </a:r>
-                <a:r>
-                  <a:rPr lang="en-US" sz="1600" b="0" dirty="0">
-                    <a:solidFill>
-                      <a:srgbClr val="000000"/>
-                    </a:solidFill>
-                    <a:effectLst/>
-                    <a:latin typeface="Courier New" panose="02070309020205020404" pitchFamily="49" charset="0"/>
-                  </a:rPr>
-                  <a:t> * </a:t>
-                </a:r>
-                <a:r>
-                  <a:rPr lang="en-US" sz="1600" b="0" dirty="0">
-                    <a:solidFill>
-                      <a:srgbClr val="116644"/>
-                    </a:solidFill>
-                    <a:effectLst/>
-                    <a:latin typeface="Courier New" panose="02070309020205020404" pitchFamily="49" charset="0"/>
-                  </a:rPr>
-                  <a:t>30</a:t>
-                </a:r>
-                <a:r>
-                  <a:rPr lang="en-US" sz="1600" b="0" dirty="0">
-                    <a:solidFill>
-                      <a:srgbClr val="000000"/>
-                    </a:solidFill>
-                    <a:effectLst/>
-                    <a:latin typeface="Courier New" panose="02070309020205020404" pitchFamily="49" charset="0"/>
-                  </a:rPr>
-                  <a:t>)</a:t>
-                </a:r>
-              </a:p>
-            </p:txBody>
-          </p:sp>
-          <p:sp>
-            <p:nvSpPr>
-              <p:cNvPr id="11" name="Rectangle 10">
-                <a:extLst>
-                  <a:ext uri="{FF2B5EF4-FFF2-40B4-BE49-F238E27FC236}">
-                    <a16:creationId xmlns:a16="http://schemas.microsoft.com/office/drawing/2014/main" id="{144985E3-2FE0-E08C-F17F-AAF8BCD4C20D}"/>
-                  </a:ext>
-                </a:extLst>
-              </p:cNvPr>
-              <p:cNvSpPr/>
-              <p:nvPr/>
-            </p:nvSpPr>
-            <p:spPr>
-              <a:xfrm>
-                <a:off x="1139125" y="1612902"/>
-                <a:ext cx="411997" cy="2908817"/>
-              </a:xfrm>
-              <a:prstGeom prst="rect">
-                <a:avLst/>
-              </a:prstGeom>
-              <a:solidFill>
-                <a:schemeClr val="bg2">
-                  <a:lumMod val="50000"/>
-                </a:schemeClr>
-              </a:solidFill>
-              <a:ln>
-                <a:noFill/>
-              </a:ln>
-            </p:spPr>
-            <p:style>
-              <a:lnRef idx="2">
-                <a:schemeClr val="accent1">
-                  <a:shade val="15000"/>
-                </a:schemeClr>
-              </a:lnRef>
-              <a:fillRef idx="1">
-                <a:schemeClr val="accent1"/>
-              </a:fillRef>
-              <a:effectRef idx="0">
-                <a:schemeClr val="accent1"/>
-              </a:effectRef>
-              <a:fontRef idx="minor">
-                <a:schemeClr val="lt1"/>
-              </a:fontRef>
-            </p:style>
-            <p:txBody>
-              <a:bodyPr rtlCol="0" anchor="ctr"/>
-              <a:lstStyle/>
-              <a:p>
-                <a:pPr algn="ctr"/>
-                <a:endParaRPr lang="pt-BR"/>
-              </a:p>
-            </p:txBody>
-          </p:sp>
-        </p:grpSp>
-      </p:grpSp>
-    </p:spTree>
-    <p:extLst>
-      <p:ext uri="{BB962C8B-B14F-4D97-AF65-F5344CB8AC3E}">
-        <p14:creationId xmlns:p14="http://schemas.microsoft.com/office/powerpoint/2010/main" val="2347797558"/>
-      </p:ext>
-    </p:extLst>
-  </p:cSld>
-  <p:clrMapOvr>
-    <a:masterClrMapping/>
-  </p:clrMapOvr>
-</p:sld>
-</file>
-
-<file path=ppt/slides/slide28.xml><?xml version="1.0" encoding="utf-8"?>
-<p:sld xmlns:a="http://schemas.openxmlformats.org/drawingml/2006/main" xmlns:r="http://schemas.openxmlformats.org/officeDocument/2006/relationships" xmlns:p="http://schemas.openxmlformats.org/presentationml/2006/main">
-  <p:cSld>
-    <p:spTree>
-      <p:nvGrpSpPr>
-        <p:cNvPr id="1" name=""/>
-        <p:cNvGrpSpPr/>
-        <p:nvPr/>
-      </p:nvGrpSpPr>
-      <p:grpSpPr>
-        <a:xfrm>
-          <a:off x="0" y="0"/>
-          <a:ext cx="0" cy="0"/>
-          <a:chOff x="0" y="0"/>
-          <a:chExt cx="0" cy="0"/>
-        </a:xfrm>
-      </p:grpSpPr>
-      <p:sp>
-        <p:nvSpPr>
-          <p:cNvPr id="2" name="Título 1">
-            <a:extLst>
-              <a:ext uri="{FF2B5EF4-FFF2-40B4-BE49-F238E27FC236}">
-                <a16:creationId xmlns:a16="http://schemas.microsoft.com/office/drawing/2014/main" id="{BFC061CD-8025-7E8A-76C8-26AC09C7E85D}"/>
-              </a:ext>
-            </a:extLst>
-          </p:cNvPr>
-          <p:cNvSpPr>
-            <a:spLocks noGrp="1"/>
-          </p:cNvSpPr>
-          <p:nvPr>
-            <p:ph type="title"/>
-          </p:nvPr>
-        </p:nvSpPr>
-        <p:spPr/>
-        <p:txBody>
-          <a:bodyPr/>
-          <a:lstStyle/>
-          <a:p>
-            <a:r>
-              <a:rPr lang="pt-BR" b="1" dirty="0"/>
-              <a:t>Output</a:t>
-            </a:r>
-          </a:p>
-        </p:txBody>
-      </p:sp>
-      <p:sp>
-        <p:nvSpPr>
-          <p:cNvPr id="6" name="Retângulo 5">
-            <a:extLst>
-              <a:ext uri="{FF2B5EF4-FFF2-40B4-BE49-F238E27FC236}">
-                <a16:creationId xmlns:a16="http://schemas.microsoft.com/office/drawing/2014/main" id="{6400DBFB-4C95-4BC9-2AC3-48B17B718C74}"/>
-              </a:ext>
-            </a:extLst>
-          </p:cNvPr>
-          <p:cNvSpPr/>
-          <p:nvPr/>
-        </p:nvSpPr>
-        <p:spPr>
-          <a:xfrm>
-            <a:off x="0" y="0"/>
-            <a:ext cx="12192000" cy="230188"/>
-          </a:xfrm>
-          <a:prstGeom prst="rect">
-            <a:avLst/>
-          </a:prstGeom>
-          <a:solidFill>
-            <a:schemeClr val="accent4">
-              <a:lumMod val="20000"/>
-              <a:lumOff val="80000"/>
-            </a:schemeClr>
-          </a:solidFill>
-          <a:ln>
-            <a:noFill/>
-          </a:ln>
-        </p:spPr>
-        <p:style>
-          <a:lnRef idx="2">
-            <a:schemeClr val="accent1">
-              <a:shade val="15000"/>
-            </a:schemeClr>
-          </a:lnRef>
-          <a:fillRef idx="1">
-            <a:schemeClr val="accent1"/>
-          </a:fillRef>
-          <a:effectRef idx="0">
-            <a:schemeClr val="accent1"/>
-          </a:effectRef>
-          <a:fontRef idx="minor">
-            <a:schemeClr val="lt1"/>
-          </a:fontRef>
-        </p:style>
-        <p:txBody>
-          <a:bodyPr rtlCol="0" anchor="ctr"/>
-          <a:lstStyle/>
-          <a:p>
-            <a:pPr algn="ctr"/>
-            <a:endParaRPr lang="pt-BR"/>
-          </a:p>
-        </p:txBody>
-      </p:sp>
-      <p:sp>
-        <p:nvSpPr>
-          <p:cNvPr id="4" name="Espaço Reservado para Número de Slide 3">
-            <a:extLst>
-              <a:ext uri="{FF2B5EF4-FFF2-40B4-BE49-F238E27FC236}">
-                <a16:creationId xmlns:a16="http://schemas.microsoft.com/office/drawing/2014/main" id="{1A1582B6-145D-0C8B-C335-D471D444DA79}"/>
-              </a:ext>
-            </a:extLst>
-          </p:cNvPr>
-          <p:cNvSpPr>
-            <a:spLocks noGrp="1"/>
-          </p:cNvSpPr>
-          <p:nvPr>
-            <p:ph type="sldNum" sz="quarter" idx="12"/>
-          </p:nvPr>
-        </p:nvSpPr>
-        <p:spPr/>
-        <p:txBody>
-          <a:bodyPr/>
-          <a:lstStyle/>
-          <a:p>
-            <a:fld id="{100E1BD7-A6F2-47E2-ACB3-3469C810C63E}" type="slidenum">
-              <a:rPr lang="pt-BR" smtClean="0"/>
-              <a:t>28</a:t>
-            </a:fld>
-            <a:endParaRPr lang="pt-BR"/>
-          </a:p>
-        </p:txBody>
-      </p:sp>
-      <p:pic>
-        <p:nvPicPr>
-          <p:cNvPr id="5" name="Picture 4">
-            <a:extLst>
-              <a:ext uri="{FF2B5EF4-FFF2-40B4-BE49-F238E27FC236}">
-                <a16:creationId xmlns:a16="http://schemas.microsoft.com/office/drawing/2014/main" id="{6041C225-42B4-AFAD-238C-72F3E5F9E168}"/>
-              </a:ext>
-            </a:extLst>
-          </p:cNvPr>
-          <p:cNvPicPr>
-            <a:picLocks noChangeAspect="1"/>
-          </p:cNvPicPr>
-          <p:nvPr/>
-        </p:nvPicPr>
-        <p:blipFill>
-          <a:blip r:embed="rId2">
-            <a:extLst>
-              <a:ext uri="{BEBA8EAE-BF5A-486C-A8C5-ECC9F3942E4B}">
-                <a14:imgProps xmlns:a14="http://schemas.microsoft.com/office/drawing/2010/main">
-                  <a14:imgLayer r:embed="rId3">
-                    <a14:imgEffect>
-                      <a14:sharpenSoften amount="25000"/>
-                    </a14:imgEffect>
-                  </a14:imgLayer>
-                </a14:imgProps>
-              </a:ext>
-            </a:extLst>
-          </a:blip>
-          <a:stretch>
-            <a:fillRect/>
-          </a:stretch>
-        </p:blipFill>
-        <p:spPr>
-          <a:xfrm>
-            <a:off x="233766" y="1825625"/>
-            <a:ext cx="11036244" cy="4183170"/>
-          </a:xfrm>
-          <a:prstGeom prst="rect">
-            <a:avLst/>
-          </a:prstGeom>
-        </p:spPr>
-      </p:pic>
-      <p:sp>
-        <p:nvSpPr>
-          <p:cNvPr id="7" name="TextBox 6">
-            <a:extLst>
-              <a:ext uri="{FF2B5EF4-FFF2-40B4-BE49-F238E27FC236}">
-                <a16:creationId xmlns:a16="http://schemas.microsoft.com/office/drawing/2014/main" id="{64F0FE89-0D3A-05CE-60F4-86ECF735F2DA}"/>
-              </a:ext>
-            </a:extLst>
-          </p:cNvPr>
-          <p:cNvSpPr txBox="1"/>
-          <p:nvPr/>
-        </p:nvSpPr>
-        <p:spPr>
-          <a:xfrm>
-            <a:off x="6309262" y="2161319"/>
-            <a:ext cx="5438454" cy="2734531"/>
-          </a:xfrm>
-          <a:prstGeom prst="rect">
-            <a:avLst/>
-          </a:prstGeom>
-          <a:noFill/>
-        </p:spPr>
-        <p:txBody>
-          <a:bodyPr wrap="square" rtlCol="0">
-            <a:spAutoFit/>
-          </a:bodyPr>
-          <a:lstStyle/>
-          <a:p>
-            <a:pPr marL="285750" indent="-285750" algn="just">
-              <a:lnSpc>
-                <a:spcPct val="150000"/>
-              </a:lnSpc>
-              <a:buFont typeface="Arial" panose="020B0604020202020204" pitchFamily="34" charset="0"/>
-              <a:buChar char="•"/>
-            </a:pPr>
-            <a:r>
-              <a:rPr lang="pt-BR" sz="1600" dirty="0"/>
-              <a:t>A </a:t>
-            </a:r>
-            <a:r>
-              <a:rPr lang="pt-BR" sz="1600" b="1" dirty="0"/>
-              <a:t>curva de  decaimento </a:t>
-            </a:r>
-            <a:r>
-              <a:rPr lang="pt-BR" sz="1600" dirty="0"/>
-              <a:t>indica que a máquina está aprendendo com os dados com minimização do erro.</a:t>
-            </a:r>
-          </a:p>
-          <a:p>
-            <a:pPr marL="171450" indent="-171450" algn="just">
-              <a:lnSpc>
-                <a:spcPct val="150000"/>
-              </a:lnSpc>
-              <a:buFont typeface="Arial" panose="020B0604020202020204" pitchFamily="34" charset="0"/>
-              <a:buChar char="•"/>
-            </a:pPr>
-            <a:endParaRPr lang="pt-BR" sz="500" dirty="0"/>
-          </a:p>
-          <a:p>
-            <a:pPr marL="285750" indent="-285750" algn="just">
-              <a:lnSpc>
-                <a:spcPct val="150000"/>
-              </a:lnSpc>
-              <a:buFont typeface="Arial" panose="020B0604020202020204" pitchFamily="34" charset="0"/>
-              <a:buChar char="•"/>
-            </a:pPr>
-            <a:r>
-              <a:rPr lang="pt-BR" sz="1600" dirty="0"/>
-              <a:t>O erro estabiliza em aproximadamente </a:t>
-            </a:r>
-            <a:r>
-              <a:rPr lang="pt-BR" sz="1600" b="1" dirty="0"/>
-              <a:t>27</a:t>
-            </a:r>
-            <a:r>
-              <a:rPr lang="pt-BR" sz="1600" b="1" i="1" dirty="0"/>
-              <a:t> epochs.</a:t>
-            </a:r>
-          </a:p>
-          <a:p>
-            <a:pPr marL="171450" indent="-171450" algn="just">
-              <a:lnSpc>
-                <a:spcPct val="150000"/>
-              </a:lnSpc>
-              <a:buFont typeface="Arial" panose="020B0604020202020204" pitchFamily="34" charset="0"/>
-              <a:buChar char="•"/>
-            </a:pPr>
-            <a:endParaRPr lang="pt-BR" sz="500" dirty="0"/>
-          </a:p>
-          <a:p>
-            <a:pPr marL="285750" indent="-285750" algn="just">
-              <a:lnSpc>
-                <a:spcPct val="150000"/>
-              </a:lnSpc>
-              <a:buFont typeface="Arial" panose="020B0604020202020204" pitchFamily="34" charset="0"/>
-              <a:buChar char="•"/>
-            </a:pPr>
-            <a:r>
-              <a:rPr lang="pt-BR" sz="1600" dirty="0"/>
-              <a:t>R</a:t>
-            </a:r>
-            <a:r>
-              <a:rPr lang="pt-BR" sz="1600" baseline="30000" dirty="0"/>
-              <a:t>2</a:t>
-            </a:r>
-            <a:r>
-              <a:rPr lang="pt-BR" sz="1600" dirty="0"/>
-              <a:t> e MSE muitos próximos para treino e teste.</a:t>
-            </a:r>
-          </a:p>
-          <a:p>
-            <a:pPr marL="285750" indent="-285750" algn="just">
-              <a:lnSpc>
-                <a:spcPct val="150000"/>
-              </a:lnSpc>
-              <a:buFont typeface="Arial" panose="020B0604020202020204" pitchFamily="34" charset="0"/>
-              <a:buChar char="•"/>
-            </a:pPr>
-            <a:endParaRPr lang="pt-BR" sz="500" dirty="0"/>
-          </a:p>
-          <a:p>
-            <a:pPr marL="285750" indent="-285750" algn="just">
-              <a:lnSpc>
-                <a:spcPct val="150000"/>
-              </a:lnSpc>
-              <a:buFont typeface="Arial" panose="020B0604020202020204" pitchFamily="34" charset="0"/>
-              <a:buChar char="•"/>
-            </a:pPr>
-            <a:r>
-              <a:rPr lang="pt-BR" sz="1600" dirty="0" err="1"/>
-              <a:t>RMSE</a:t>
-            </a:r>
-            <a:r>
-              <a:rPr lang="pt-BR" sz="1600" baseline="-25000" dirty="0" err="1"/>
-              <a:t>treino</a:t>
-            </a:r>
-            <a:r>
-              <a:rPr lang="pt-BR" sz="1600" dirty="0"/>
-              <a:t> =  0,073  | RMSE</a:t>
-            </a:r>
-            <a:r>
-              <a:rPr lang="pt-BR" sz="1600" baseline="-25000" dirty="0"/>
-              <a:t>teste</a:t>
-            </a:r>
-            <a:r>
-              <a:rPr lang="pt-BR" sz="1600" dirty="0"/>
-              <a:t> =  0,070</a:t>
-            </a:r>
-          </a:p>
-          <a:p>
-            <a:pPr marL="171450" indent="-171450" algn="just">
-              <a:lnSpc>
-                <a:spcPct val="150000"/>
-              </a:lnSpc>
-              <a:buFont typeface="Arial" panose="020B0604020202020204" pitchFamily="34" charset="0"/>
-              <a:buChar char="•"/>
-            </a:pPr>
-            <a:endParaRPr lang="pt-BR" sz="500" dirty="0"/>
-          </a:p>
-          <a:p>
-            <a:pPr marL="285750" indent="-285750" algn="just">
-              <a:lnSpc>
-                <a:spcPct val="150000"/>
-              </a:lnSpc>
-              <a:buFont typeface="Arial" panose="020B0604020202020204" pitchFamily="34" charset="0"/>
-              <a:buChar char="•"/>
-            </a:pPr>
-            <a:r>
-              <a:rPr lang="pt-BR" sz="1600" dirty="0">
-                <a:solidFill>
-                  <a:schemeClr val="bg2">
-                    <a:lumMod val="50000"/>
-                  </a:schemeClr>
-                </a:solidFill>
-              </a:rPr>
-              <a:t>Verificar possibilidade de haver </a:t>
-            </a:r>
-            <a:r>
-              <a:rPr lang="pt-BR" sz="1600" i="1" dirty="0">
-                <a:solidFill>
-                  <a:schemeClr val="bg2">
-                    <a:lumMod val="50000"/>
-                  </a:schemeClr>
-                </a:solidFill>
-              </a:rPr>
-              <a:t>overffiting.</a:t>
-            </a:r>
-          </a:p>
-        </p:txBody>
-      </p:sp>
-      <p:sp>
-        <p:nvSpPr>
-          <p:cNvPr id="8" name="TextBox 7">
-            <a:extLst>
-              <a:ext uri="{FF2B5EF4-FFF2-40B4-BE49-F238E27FC236}">
-                <a16:creationId xmlns:a16="http://schemas.microsoft.com/office/drawing/2014/main" id="{BD8E48A9-376A-E321-099B-3E4B0C639C25}"/>
-              </a:ext>
-            </a:extLst>
-          </p:cNvPr>
-          <p:cNvSpPr txBox="1"/>
-          <p:nvPr/>
-        </p:nvSpPr>
-        <p:spPr>
-          <a:xfrm>
-            <a:off x="5100960" y="563791"/>
-            <a:ext cx="6646756" cy="793294"/>
-          </a:xfrm>
-          <a:prstGeom prst="rect">
-            <a:avLst/>
-          </a:prstGeom>
-          <a:solidFill>
-            <a:schemeClr val="bg1">
-              <a:lumMod val="95000"/>
-            </a:schemeClr>
-          </a:solidFill>
-        </p:spPr>
-        <p:txBody>
-          <a:bodyPr wrap="square" rtlCol="0">
-            <a:spAutoFit/>
-          </a:bodyPr>
-          <a:lstStyle/>
-          <a:p>
-            <a:pPr algn="just">
-              <a:lnSpc>
-                <a:spcPct val="150000"/>
-              </a:lnSpc>
-            </a:pPr>
-            <a:r>
-              <a:rPr lang="pt-BR" sz="1600" dirty="0"/>
-              <a:t>Curvas muito próximas: quanto mais próximas (e decrescente), melhor!</a:t>
-            </a:r>
-          </a:p>
-          <a:p>
-            <a:pPr algn="just">
-              <a:lnSpc>
-                <a:spcPct val="150000"/>
-              </a:lnSpc>
-            </a:pPr>
-            <a:r>
-              <a:rPr lang="pt-BR" sz="1600" dirty="0">
-                <a:solidFill>
-                  <a:srgbClr val="1B7328"/>
-                </a:solidFill>
-                <a:sym typeface="Wingdings" panose="05000000000000000000" pitchFamily="2" charset="2"/>
-              </a:rPr>
-              <a:t> </a:t>
-            </a:r>
-            <a:r>
-              <a:rPr lang="pt-BR" sz="1600" b="1" dirty="0">
-                <a:solidFill>
-                  <a:srgbClr val="1B7328"/>
-                </a:solidFill>
-                <a:sym typeface="Wingdings" panose="05000000000000000000" pitchFamily="2" charset="2"/>
-              </a:rPr>
-              <a:t>Bom aprendizagem </a:t>
-            </a:r>
-            <a:r>
-              <a:rPr lang="pt-BR" sz="1600" dirty="0">
-                <a:solidFill>
-                  <a:srgbClr val="1B7328"/>
-                </a:solidFill>
-                <a:sym typeface="Wingdings" panose="05000000000000000000" pitchFamily="2" charset="2"/>
-              </a:rPr>
-              <a:t>e</a:t>
-            </a:r>
-            <a:r>
-              <a:rPr lang="pt-BR" sz="1600" b="1" dirty="0">
-                <a:solidFill>
-                  <a:srgbClr val="1B7328"/>
-                </a:solidFill>
-                <a:sym typeface="Wingdings" panose="05000000000000000000" pitchFamily="2" charset="2"/>
-              </a:rPr>
-              <a:t> boa generalização</a:t>
-            </a:r>
-            <a:endParaRPr lang="pt-BR" sz="1600" b="1" dirty="0">
-              <a:solidFill>
-                <a:srgbClr val="1B7328"/>
-              </a:solidFill>
-            </a:endParaRPr>
-          </a:p>
-        </p:txBody>
-      </p:sp>
-    </p:spTree>
-    <p:extLst>
-      <p:ext uri="{BB962C8B-B14F-4D97-AF65-F5344CB8AC3E}">
-        <p14:creationId xmlns:p14="http://schemas.microsoft.com/office/powerpoint/2010/main" val="1372118701"/>
-      </p:ext>
-    </p:extLst>
-  </p:cSld>
-  <p:clrMapOvr>
-    <a:masterClrMapping/>
-  </p:clrMapOvr>
-</p:sld>
-</file>
-
-<file path=ppt/slides/slide29.xml><?xml version="1.0" encoding="utf-8"?>
-<p:sld xmlns:a="http://schemas.openxmlformats.org/drawingml/2006/main" xmlns:r="http://schemas.openxmlformats.org/officeDocument/2006/relationships" xmlns:p="http://schemas.openxmlformats.org/presentationml/2006/main">
-  <p:cSld>
-    <p:spTree>
-      <p:nvGrpSpPr>
-        <p:cNvPr id="1" name=""/>
-        <p:cNvGrpSpPr/>
-        <p:nvPr/>
-      </p:nvGrpSpPr>
-      <p:grpSpPr>
-        <a:xfrm>
-          <a:off x="0" y="0"/>
-          <a:ext cx="0" cy="0"/>
-          <a:chOff x="0" y="0"/>
-          <a:chExt cx="0" cy="0"/>
-        </a:xfrm>
-      </p:grpSpPr>
-      <p:sp>
-        <p:nvSpPr>
-          <p:cNvPr id="2" name="Título 1">
-            <a:extLst>
-              <a:ext uri="{FF2B5EF4-FFF2-40B4-BE49-F238E27FC236}">
-                <a16:creationId xmlns:a16="http://schemas.microsoft.com/office/drawing/2014/main" id="{BFC061CD-8025-7E8A-76C8-26AC09C7E85D}"/>
-              </a:ext>
-            </a:extLst>
-          </p:cNvPr>
-          <p:cNvSpPr>
-            <a:spLocks noGrp="1"/>
-          </p:cNvSpPr>
-          <p:nvPr>
-            <p:ph type="title"/>
-          </p:nvPr>
-        </p:nvSpPr>
-        <p:spPr>
-          <a:xfrm>
-            <a:off x="838199" y="365125"/>
-            <a:ext cx="11049097" cy="1325563"/>
-          </a:xfrm>
-        </p:spPr>
-        <p:txBody>
-          <a:bodyPr/>
-          <a:lstStyle/>
-          <a:p>
-            <a:r>
-              <a:rPr lang="pt-BR" b="1" dirty="0"/>
-              <a:t>Resultado da predição e interpretação física</a:t>
-            </a:r>
-          </a:p>
-        </p:txBody>
-      </p:sp>
-      <p:sp>
-        <p:nvSpPr>
-          <p:cNvPr id="6" name="Retângulo 5">
-            <a:extLst>
-              <a:ext uri="{FF2B5EF4-FFF2-40B4-BE49-F238E27FC236}">
-                <a16:creationId xmlns:a16="http://schemas.microsoft.com/office/drawing/2014/main" id="{6400DBFB-4C95-4BC9-2AC3-48B17B718C74}"/>
-              </a:ext>
-            </a:extLst>
-          </p:cNvPr>
-          <p:cNvSpPr/>
-          <p:nvPr/>
-        </p:nvSpPr>
-        <p:spPr>
-          <a:xfrm>
-            <a:off x="0" y="0"/>
-            <a:ext cx="12192000" cy="230188"/>
-          </a:xfrm>
-          <a:prstGeom prst="rect">
-            <a:avLst/>
-          </a:prstGeom>
-          <a:solidFill>
-            <a:schemeClr val="accent4">
-              <a:lumMod val="20000"/>
-              <a:lumOff val="80000"/>
-            </a:schemeClr>
-          </a:solidFill>
-          <a:ln>
-            <a:noFill/>
-          </a:ln>
-        </p:spPr>
-        <p:style>
-          <a:lnRef idx="2">
-            <a:schemeClr val="accent1">
-              <a:shade val="15000"/>
-            </a:schemeClr>
-          </a:lnRef>
-          <a:fillRef idx="1">
-            <a:schemeClr val="accent1"/>
-          </a:fillRef>
-          <a:effectRef idx="0">
-            <a:schemeClr val="accent1"/>
-          </a:effectRef>
-          <a:fontRef idx="minor">
-            <a:schemeClr val="lt1"/>
-          </a:fontRef>
-        </p:style>
-        <p:txBody>
-          <a:bodyPr rtlCol="0" anchor="ctr"/>
-          <a:lstStyle/>
-          <a:p>
-            <a:pPr algn="ctr"/>
-            <a:endParaRPr lang="pt-BR"/>
-          </a:p>
-        </p:txBody>
-      </p:sp>
-      <p:sp>
-        <p:nvSpPr>
-          <p:cNvPr id="4" name="Espaço Reservado para Número de Slide 3">
-            <a:extLst>
-              <a:ext uri="{FF2B5EF4-FFF2-40B4-BE49-F238E27FC236}">
-                <a16:creationId xmlns:a16="http://schemas.microsoft.com/office/drawing/2014/main" id="{1A1582B6-145D-0C8B-C335-D471D444DA79}"/>
-              </a:ext>
-            </a:extLst>
-          </p:cNvPr>
-          <p:cNvSpPr>
-            <a:spLocks noGrp="1"/>
-          </p:cNvSpPr>
-          <p:nvPr>
-            <p:ph type="sldNum" sz="quarter" idx="12"/>
-          </p:nvPr>
-        </p:nvSpPr>
-        <p:spPr/>
-        <p:txBody>
-          <a:bodyPr/>
-          <a:lstStyle/>
-          <a:p>
-            <a:fld id="{100E1BD7-A6F2-47E2-ACB3-3469C810C63E}" type="slidenum">
-              <a:rPr lang="pt-BR" smtClean="0"/>
-              <a:t>29</a:t>
             </a:fld>
             <a:endParaRPr lang="pt-BR"/>
           </a:p>
@@ -17187,7 +13727,7 @@
 </p:sld>
 </file>
 
-<file path=ppt/slides/slide3.xml><?xml version="1.0" encoding="utf-8"?>
+<file path=ppt/slides/slide28.xml><?xml version="1.0" encoding="utf-8"?>
 <p:sld xmlns:a="http://schemas.openxmlformats.org/drawingml/2006/main" xmlns:r="http://schemas.openxmlformats.org/officeDocument/2006/relationships" xmlns:p="http://schemas.openxmlformats.org/presentationml/2006/main">
   <p:cSld>
     <p:spTree>
@@ -17220,14 +13760,19 @@
             <p:ph type="title"/>
           </p:nvPr>
         </p:nvSpPr>
-        <p:spPr/>
+        <p:spPr>
+          <a:xfrm>
+            <a:off x="838199" y="365125"/>
+            <a:ext cx="11049097" cy="1325563"/>
+          </a:xfrm>
+        </p:spPr>
         <p:txBody>
           <a:bodyPr/>
           <a:lstStyle/>
           <a:p>
             <a:r>
               <a:rPr lang="pt-BR" b="1" dirty="0"/>
-              <a:t>Tipos de redes neurais</a:t>
+              <a:t>Resultado da predição e interpretação física</a:t>
             </a:r>
           </a:p>
         </p:txBody>
@@ -17289,10 +13834,10 @@
       </p:sp>
       <p:sp>
         <p:nvSpPr>
-          <p:cNvPr id="5" name="Espaço Reservado para Número de Slide 4">
-            <a:extLst>
-              <a:ext uri="{FF2B5EF4-FFF2-40B4-BE49-F238E27FC236}">
-                <a16:creationId xmlns:a16="http://schemas.microsoft.com/office/drawing/2014/main" id="{D416299F-8052-567E-AB96-8DD159F8779D}"/>
+          <p:cNvPr id="4" name="Espaço Reservado para Número de Slide 3">
+            <a:extLst>
+              <a:ext uri="{FF2B5EF4-FFF2-40B4-BE49-F238E27FC236}">
+                <a16:creationId xmlns:a16="http://schemas.microsoft.com/office/drawing/2014/main" id="{1A1582B6-145D-0C8B-C335-D471D444DA79}"/>
               </a:ext>
             </a:extLst>
           </p:cNvPr>
@@ -17308,410 +13853,9 @@
           <a:bodyPr/>
           <a:lstStyle/>
           <a:p>
-            <a:r>
-              <a:rPr lang="pt-BR" dirty="0"/>
-              <a:t>3</a:t>
-            </a:r>
-          </a:p>
-        </p:txBody>
-      </p:sp>
-      <p:sp>
-        <p:nvSpPr>
-          <p:cNvPr id="9" name="TextBox 8">
-            <a:extLst>
-              <a:ext uri="{FF2B5EF4-FFF2-40B4-BE49-F238E27FC236}">
-                <a16:creationId xmlns:a16="http://schemas.microsoft.com/office/drawing/2014/main" id="{23C41233-47C7-FB8C-4B0F-5A8B13E97CE2}"/>
-              </a:ext>
-            </a:extLst>
-          </p:cNvPr>
-          <p:cNvSpPr txBox="1"/>
-          <p:nvPr/>
-        </p:nvSpPr>
-        <p:spPr>
-          <a:xfrm>
-            <a:off x="698715" y="1494215"/>
-            <a:ext cx="11033501" cy="4719690"/>
-          </a:xfrm>
-          <a:prstGeom prst="rect">
-            <a:avLst/>
-          </a:prstGeom>
-          <a:noFill/>
-        </p:spPr>
-        <p:txBody>
-          <a:bodyPr wrap="square" rtlCol="0">
-            <a:spAutoFit/>
-          </a:bodyPr>
-          <a:lstStyle/>
-          <a:p>
-            <a:pPr algn="just">
-              <a:lnSpc>
-                <a:spcPct val="150000"/>
-              </a:lnSpc>
-            </a:pPr>
-            <a:r>
-              <a:rPr lang="pt-BR" sz="1600" b="1" u="sng" dirty="0"/>
-              <a:t>Perceptron</a:t>
-            </a:r>
-            <a:r>
-              <a:rPr lang="pt-BR" sz="1600" b="1" dirty="0"/>
-              <a:t>: </a:t>
-            </a:r>
-          </a:p>
-          <a:p>
-            <a:pPr marL="285750" indent="-285750" algn="just">
-              <a:lnSpc>
-                <a:spcPct val="150000"/>
-              </a:lnSpc>
-              <a:buFont typeface="Arial" panose="020B0604020202020204" pitchFamily="34" charset="0"/>
-              <a:buChar char="•"/>
-            </a:pPr>
-            <a:r>
-              <a:rPr lang="pt-BR" sz="1600" dirty="0"/>
-              <a:t>O tipo mais simples de rede neural (1 única camada/nó/neurônio) ;</a:t>
-            </a:r>
-          </a:p>
-          <a:p>
-            <a:pPr marL="285750" indent="-285750" algn="just">
-              <a:lnSpc>
-                <a:spcPct val="150000"/>
-              </a:lnSpc>
-              <a:buFont typeface="Arial" panose="020B0604020202020204" pitchFamily="34" charset="0"/>
-              <a:buChar char="•"/>
-            </a:pPr>
-            <a:r>
-              <a:rPr lang="pt-BR" sz="1600" dirty="0"/>
-              <a:t>Utilizado principalmente para problemas de classificação linear.</a:t>
-            </a:r>
-          </a:p>
-          <a:p>
-            <a:pPr marL="285750" indent="-285750" algn="just">
-              <a:lnSpc>
-                <a:spcPct val="150000"/>
-              </a:lnSpc>
-              <a:buFont typeface="Arial" panose="020B0604020202020204" pitchFamily="34" charset="0"/>
-              <a:buChar char="•"/>
-            </a:pPr>
-            <a:endParaRPr lang="pt-BR" sz="500" dirty="0"/>
-          </a:p>
-          <a:p>
-            <a:pPr algn="just">
-              <a:lnSpc>
-                <a:spcPct val="150000"/>
-              </a:lnSpc>
-            </a:pPr>
-            <a:r>
-              <a:rPr lang="pt-BR" sz="1600" b="1" u="sng" dirty="0"/>
-              <a:t>Redes Neurais Feedforward (FNN)</a:t>
-            </a:r>
-            <a:r>
-              <a:rPr lang="pt-BR" sz="1600" b="1" dirty="0"/>
-              <a:t>: </a:t>
-            </a:r>
-          </a:p>
-          <a:p>
-            <a:pPr marL="285750" indent="-285750" algn="just">
-              <a:lnSpc>
-                <a:spcPct val="150000"/>
-              </a:lnSpc>
-              <a:buFont typeface="Arial" panose="020B0604020202020204" pitchFamily="34" charset="0"/>
-              <a:buChar char="•"/>
-            </a:pPr>
-            <a:r>
-              <a:rPr lang="pt-BR" sz="1600" dirty="0"/>
-              <a:t>Redes onde os dados fluem em uma única direção (entrada </a:t>
-            </a:r>
-            <a:r>
-              <a:rPr lang="pt-BR" sz="1600" dirty="0">
-                <a:sym typeface="Wingdings" panose="05000000000000000000" pitchFamily="2" charset="2"/>
-              </a:rPr>
-              <a:t> saúda)</a:t>
-            </a:r>
-            <a:r>
-              <a:rPr lang="pt-BR" sz="1600" dirty="0"/>
-              <a:t> sem ciclos ou </a:t>
-            </a:r>
-            <a:r>
-              <a:rPr lang="pt-BR" sz="1600" i="1" dirty="0"/>
-              <a:t>loops;</a:t>
-            </a:r>
-          </a:p>
-          <a:p>
-            <a:pPr marL="285750" indent="-285750" algn="just">
-              <a:lnSpc>
-                <a:spcPct val="150000"/>
-              </a:lnSpc>
-              <a:buFont typeface="Arial" panose="020B0604020202020204" pitchFamily="34" charset="0"/>
-              <a:buChar char="•"/>
-            </a:pPr>
-            <a:r>
-              <a:rPr lang="pt-BR" sz="1600" dirty="0"/>
-              <a:t>Incluem Perceptrons Multicamadas (MLPs).</a:t>
-            </a:r>
-          </a:p>
-          <a:p>
-            <a:pPr marL="285750" indent="-285750" algn="just">
-              <a:lnSpc>
-                <a:spcPct val="150000"/>
-              </a:lnSpc>
-              <a:buFont typeface="Arial" panose="020B0604020202020204" pitchFamily="34" charset="0"/>
-              <a:buChar char="•"/>
-            </a:pPr>
-            <a:endParaRPr lang="pt-BR" sz="500" dirty="0"/>
-          </a:p>
-          <a:p>
-            <a:pPr algn="just">
-              <a:lnSpc>
-                <a:spcPct val="150000"/>
-              </a:lnSpc>
-            </a:pPr>
-            <a:r>
-              <a:rPr lang="pt-BR" sz="1600" b="1" u="sng" dirty="0"/>
-              <a:t>Redes Neurais Convolucionais (CNN)</a:t>
-            </a:r>
-            <a:r>
-              <a:rPr lang="pt-BR" sz="1600" b="1" dirty="0"/>
-              <a:t>: </a:t>
-            </a:r>
-            <a:r>
-              <a:rPr lang="pt-BR" sz="1600" dirty="0"/>
-              <a:t>processamento de imagens e reconhecimento de padrões. </a:t>
-            </a:r>
-          </a:p>
-          <a:p>
-            <a:pPr marL="285750" indent="-285750" algn="just">
-              <a:lnSpc>
-                <a:spcPct val="150000"/>
-              </a:lnSpc>
-              <a:buFont typeface="Arial" panose="020B0604020202020204" pitchFamily="34" charset="0"/>
-              <a:buChar char="•"/>
-            </a:pPr>
-            <a:endParaRPr lang="pt-BR" sz="500" dirty="0"/>
-          </a:p>
-          <a:p>
-            <a:pPr algn="just">
-              <a:lnSpc>
-                <a:spcPct val="150000"/>
-              </a:lnSpc>
-            </a:pPr>
-            <a:r>
-              <a:rPr lang="pt-BR" sz="1600" b="1" u="sng" dirty="0"/>
-              <a:t>Redes Neurais Recorrentes (RNN)</a:t>
-            </a:r>
-            <a:r>
-              <a:rPr lang="pt-BR" sz="1600" b="1" dirty="0"/>
-              <a:t>: </a:t>
-            </a:r>
-            <a:r>
-              <a:rPr lang="pt-BR" sz="1600" dirty="0"/>
-              <a:t>projetadas para processar sequências de dados, como séries temporais ou texto.</a:t>
-            </a:r>
-          </a:p>
-          <a:p>
-            <a:pPr algn="just">
-              <a:lnSpc>
-                <a:spcPct val="150000"/>
-              </a:lnSpc>
-            </a:pPr>
-            <a:endParaRPr lang="pt-BR" sz="500" dirty="0"/>
-          </a:p>
-          <a:p>
-            <a:pPr algn="just">
-              <a:lnSpc>
-                <a:spcPct val="150000"/>
-              </a:lnSpc>
-            </a:pPr>
-            <a:r>
-              <a:rPr lang="en-US" sz="1600" b="1" u="sng" dirty="0"/>
-              <a:t>Long Short-Term Memory (LSTM)</a:t>
-            </a:r>
-            <a:r>
-              <a:rPr lang="en-US" sz="1600" b="1" dirty="0"/>
-              <a:t>:</a:t>
-            </a:r>
-            <a:r>
-              <a:rPr lang="pt-BR" sz="1600" b="1" dirty="0"/>
-              <a:t> </a:t>
-            </a:r>
-            <a:r>
-              <a:rPr lang="pt-BR" sz="1600" dirty="0"/>
-              <a:t>variação da RNN que resolve problemas de dependência de longo prazo.</a:t>
-            </a:r>
-          </a:p>
-          <a:p>
-            <a:pPr algn="just">
-              <a:lnSpc>
-                <a:spcPct val="150000"/>
-              </a:lnSpc>
-            </a:pPr>
-            <a:endParaRPr lang="pt-BR" sz="600" b="1" dirty="0"/>
-          </a:p>
-          <a:p>
-            <a:pPr algn="just">
-              <a:lnSpc>
-                <a:spcPct val="150000"/>
-              </a:lnSpc>
-            </a:pPr>
-            <a:r>
-              <a:rPr lang="pt-BR" sz="1600" b="1" u="sng" dirty="0"/>
-              <a:t>Redes Neurais de Memória a Curto Prazo (GRU</a:t>
-            </a:r>
-            <a:r>
-              <a:rPr lang="pt-BR" sz="1600" b="1" i="1" dirty="0"/>
-              <a:t>)</a:t>
-            </a:r>
-            <a:r>
-              <a:rPr lang="pt-BR" sz="1600" b="1" dirty="0"/>
-              <a:t>: </a:t>
-            </a:r>
-            <a:r>
-              <a:rPr lang="pt-BR" sz="1600" dirty="0"/>
-              <a:t>outra variação de RNN com uma arquitetura mais simples e menos parâmetros.</a:t>
-            </a:r>
-          </a:p>
-        </p:txBody>
-      </p:sp>
-    </p:spTree>
-    <p:extLst>
-      <p:ext uri="{BB962C8B-B14F-4D97-AF65-F5344CB8AC3E}">
-        <p14:creationId xmlns:p14="http://schemas.microsoft.com/office/powerpoint/2010/main" val="2783958140"/>
-      </p:ext>
-    </p:extLst>
-  </p:cSld>
-  <p:clrMapOvr>
-    <a:masterClrMapping/>
-  </p:clrMapOvr>
-</p:sld>
-</file>
-
-<file path=ppt/slides/slide30.xml><?xml version="1.0" encoding="utf-8"?>
-<p:sld xmlns:a="http://schemas.openxmlformats.org/drawingml/2006/main" xmlns:r="http://schemas.openxmlformats.org/officeDocument/2006/relationships" xmlns:p="http://schemas.openxmlformats.org/presentationml/2006/main">
-  <p:cSld>
-    <p:spTree>
-      <p:nvGrpSpPr>
-        <p:cNvPr id="1" name=""/>
-        <p:cNvGrpSpPr/>
-        <p:nvPr/>
-      </p:nvGrpSpPr>
-      <p:grpSpPr>
-        <a:xfrm>
-          <a:off x="0" y="0"/>
-          <a:ext cx="0" cy="0"/>
-          <a:chOff x="0" y="0"/>
-          <a:chExt cx="0" cy="0"/>
-        </a:xfrm>
-      </p:grpSpPr>
-      <p:sp>
-        <p:nvSpPr>
-          <p:cNvPr id="2" name="Título 1">
-            <a:extLst>
-              <a:ext uri="{FF2B5EF4-FFF2-40B4-BE49-F238E27FC236}">
-                <a16:creationId xmlns:a16="http://schemas.microsoft.com/office/drawing/2014/main" id="{BFC061CD-8025-7E8A-76C8-26AC09C7E85D}"/>
-              </a:ext>
-            </a:extLst>
-          </p:cNvPr>
-          <p:cNvSpPr>
-            <a:spLocks noGrp="1"/>
-          </p:cNvSpPr>
-          <p:nvPr>
-            <p:ph type="title"/>
-          </p:nvPr>
-        </p:nvSpPr>
-        <p:spPr>
-          <a:xfrm>
-            <a:off x="838199" y="365125"/>
-            <a:ext cx="11049097" cy="1325563"/>
-          </a:xfrm>
-        </p:spPr>
-        <p:txBody>
-          <a:bodyPr/>
-          <a:lstStyle/>
-          <a:p>
-            <a:r>
-              <a:rPr lang="pt-BR" b="1" dirty="0"/>
-              <a:t>Resultado da predição e interpretação física</a:t>
-            </a:r>
-          </a:p>
-        </p:txBody>
-      </p:sp>
-      <p:sp>
-        <p:nvSpPr>
-          <p:cNvPr id="6" name="Retângulo 5">
-            <a:extLst>
-              <a:ext uri="{FF2B5EF4-FFF2-40B4-BE49-F238E27FC236}">
-                <a16:creationId xmlns:a16="http://schemas.microsoft.com/office/drawing/2014/main" id="{6400DBFB-4C95-4BC9-2AC3-48B17B718C74}"/>
-              </a:ext>
-            </a:extLst>
-          </p:cNvPr>
-          <p:cNvSpPr/>
-          <p:nvPr/>
-        </p:nvSpPr>
-        <p:spPr>
-          <a:xfrm>
-            <a:off x="0" y="0"/>
-            <a:ext cx="12192000" cy="230188"/>
-          </a:xfrm>
-          <a:prstGeom prst="rect">
-            <a:avLst/>
-          </a:prstGeom>
-          <a:solidFill>
-            <a:schemeClr val="accent4">
-              <a:lumMod val="20000"/>
-              <a:lumOff val="80000"/>
-            </a:schemeClr>
-          </a:solidFill>
-          <a:ln>
-            <a:noFill/>
-          </a:ln>
-        </p:spPr>
-        <p:style>
-          <a:lnRef idx="2">
-            <a:schemeClr val="accent1">
-              <a:shade val="15000"/>
-            </a:schemeClr>
-          </a:lnRef>
-          <a:fillRef idx="1">
-            <a:schemeClr val="accent1"/>
-          </a:fillRef>
-          <a:effectRef idx="0">
-            <a:schemeClr val="accent1"/>
-          </a:effectRef>
-          <a:fontRef idx="minor">
-            <a:schemeClr val="lt1"/>
-          </a:fontRef>
-        </p:style>
-        <p:txBody>
-          <a:bodyPr rtlCol="0" anchor="ctr"/>
-          <a:lstStyle/>
-          <a:p>
-            <a:pPr algn="ctr"/>
-            <a:endParaRPr lang="pt-BR"/>
-          </a:p>
-        </p:txBody>
-      </p:sp>
-      <p:sp>
-        <p:nvSpPr>
-          <p:cNvPr id="4" name="Espaço Reservado para Número de Slide 3">
-            <a:extLst>
-              <a:ext uri="{FF2B5EF4-FFF2-40B4-BE49-F238E27FC236}">
-                <a16:creationId xmlns:a16="http://schemas.microsoft.com/office/drawing/2014/main" id="{1A1582B6-145D-0C8B-C335-D471D444DA79}"/>
-              </a:ext>
-            </a:extLst>
-          </p:cNvPr>
-          <p:cNvSpPr>
-            <a:spLocks noGrp="1"/>
-          </p:cNvSpPr>
-          <p:nvPr>
-            <p:ph type="sldNum" sz="quarter" idx="12"/>
-          </p:nvPr>
-        </p:nvSpPr>
-        <p:spPr/>
-        <p:txBody>
-          <a:bodyPr/>
-          <a:lstStyle/>
-          <a:p>
             <a:fld id="{100E1BD7-A6F2-47E2-ACB3-3469C810C63E}" type="slidenum">
               <a:rPr lang="pt-BR" smtClean="0"/>
-              <a:t>30</a:t>
+              <a:t>28</a:t>
             </a:fld>
             <a:endParaRPr lang="pt-BR"/>
           </a:p>
@@ -17866,7 +14010,7 @@
 </p:sld>
 </file>
 
-<file path=ppt/slides/slide31.xml><?xml version="1.0" encoding="utf-8"?>
+<file path=ppt/slides/slide3.xml><?xml version="1.0" encoding="utf-8"?>
 <p:sld xmlns:a="http://schemas.openxmlformats.org/drawingml/2006/main" xmlns:r="http://schemas.openxmlformats.org/officeDocument/2006/relationships" xmlns:p="http://schemas.openxmlformats.org/presentationml/2006/main">
   <p:cSld>
     <p:spTree>
@@ -17994,7 +14138,7 @@
           <a:p>
             <a:fld id="{100E1BD7-A6F2-47E2-ACB3-3469C810C63E}" type="slidenum">
               <a:rPr lang="pt-BR" smtClean="0"/>
-              <a:t>31</a:t>
+              <a:t>3</a:t>
             </a:fld>
             <a:endParaRPr lang="pt-BR"/>
           </a:p>
@@ -18213,11 +14357,10 @@
           <a:bodyPr/>
           <a:lstStyle/>
           <a:p>
-            <a:fld id="{100E1BD7-A6F2-47E2-ACB3-3469C810C63E}" type="slidenum">
-              <a:rPr lang="pt-BR" smtClean="0"/>
-              <a:t>4</a:t>
-            </a:fld>
-            <a:endParaRPr lang="pt-BR"/>
+            <a:r>
+              <a:rPr lang="pt-BR" dirty="0"/>
+              <a:t>3</a:t>
+            </a:r>
           </a:p>
         </p:txBody>
       </p:sp>
@@ -18235,8 +14378,8 @@
         </p:nvSpPr>
         <p:spPr>
           <a:xfrm>
-            <a:off x="1152686" y="1619905"/>
-            <a:ext cx="9886627" cy="4904356"/>
+            <a:off x="698715" y="1494215"/>
+            <a:ext cx="11033501" cy="4719690"/>
           </a:xfrm>
           <a:prstGeom prst="rect">
             <a:avLst/>
@@ -18256,11 +14399,11 @@
             </a:pPr>
             <a:r>
               <a:rPr lang="pt-BR" sz="1600" b="1" u="sng" dirty="0"/>
-              <a:t>Redes Neurais de Base Radial (RBF):</a:t>
+              <a:t>Perceptron</a:t>
             </a:r>
             <a:r>
               <a:rPr lang="pt-BR" sz="1600" b="1" dirty="0"/>
-              <a:t> </a:t>
+              <a:t>: </a:t>
             </a:r>
           </a:p>
           <a:p>
@@ -18273,7 +14416,7 @@
             </a:pPr>
             <a:r>
               <a:rPr lang="pt-BR" sz="1600" dirty="0"/>
-              <a:t>Utilizam funções de base radial como funções de ativação;</a:t>
+              <a:t>O tipo mais simples de rede neural (1 única camada/nó/neurônio) ;</a:t>
             </a:r>
           </a:p>
           <a:p>
@@ -18286,7 +14429,7 @@
             </a:pPr>
             <a:r>
               <a:rPr lang="pt-BR" sz="1600" dirty="0"/>
-              <a:t>Eficazes em problemas de classificação e regressão onde os dados têm um padrão radial.</a:t>
+              <a:t>Utilizado principalmente para problemas de classificação linear.</a:t>
             </a:r>
           </a:p>
           <a:p>
@@ -18297,7 +14440,7 @@
               <a:buFont typeface="Arial" panose="020B0604020202020204" pitchFamily="34" charset="0"/>
               <a:buChar char="•"/>
             </a:pPr>
-            <a:endParaRPr lang="pt-BR" sz="600" dirty="0"/>
+            <a:endParaRPr lang="pt-BR" sz="500" dirty="0"/>
           </a:p>
           <a:p>
             <a:pPr algn="just">
@@ -18307,7 +14450,7 @@
             </a:pPr>
             <a:r>
               <a:rPr lang="pt-BR" sz="1600" b="1" u="sng" dirty="0"/>
-              <a:t>Redes Neurais Generativas Adversárias (GAN)</a:t>
+              <a:t>Redes Neurais Feedforward (FNN)</a:t>
             </a:r>
             <a:r>
               <a:rPr lang="pt-BR" sz="1600" b="1" dirty="0"/>
@@ -18324,7 +14467,21 @@
             </a:pPr>
             <a:r>
               <a:rPr lang="pt-BR" sz="1600" dirty="0"/>
-              <a:t>constituídas por duas redes (o gerador e o discriminador) que competem entre si.</a:t>
+              <a:t>Redes onde os dados fluem em uma única direção (entrada </a:t>
+            </a:r>
+            <a:r>
+              <a:rPr lang="pt-BR" sz="1600" dirty="0">
+                <a:sym typeface="Wingdings" panose="05000000000000000000" pitchFamily="2" charset="2"/>
+              </a:rPr>
+              <a:t> saúda)</a:t>
+            </a:r>
+            <a:r>
+              <a:rPr lang="pt-BR" sz="1600" dirty="0"/>
+              <a:t> sem ciclos ou </a:t>
+            </a:r>
+            <a:r>
+              <a:rPr lang="pt-BR" sz="1600" i="1" dirty="0"/>
+              <a:t>loops;</a:t>
             </a:r>
           </a:p>
           <a:p>
@@ -18337,7 +14494,7 @@
             </a:pPr>
             <a:r>
               <a:rPr lang="pt-BR" sz="1600" dirty="0"/>
-              <a:t>Utilizadas para gerar dados sintéticos, como imagens e textos realistas.</a:t>
+              <a:t>Incluem Perceptrons Multicamadas (MLPs).</a:t>
             </a:r>
           </a:p>
           <a:p>
@@ -18348,7 +14505,7 @@
               <a:buFont typeface="Arial" panose="020B0604020202020204" pitchFamily="34" charset="0"/>
               <a:buChar char="•"/>
             </a:pPr>
-            <a:endParaRPr lang="pt-BR" sz="600" u="sng" dirty="0"/>
+            <a:endParaRPr lang="pt-BR" sz="500" dirty="0"/>
           </a:p>
           <a:p>
             <a:pPr algn="just">
@@ -18358,11 +14515,15 @@
             </a:pPr>
             <a:r>
               <a:rPr lang="pt-BR" sz="1600" b="1" u="sng" dirty="0"/>
-              <a:t>Autoencoders</a:t>
+              <a:t>Redes Neurais Convolucionais (CNN)</a:t>
             </a:r>
             <a:r>
               <a:rPr lang="pt-BR" sz="1600" b="1" dirty="0"/>
               <a:t>: </a:t>
+            </a:r>
+            <a:r>
+              <a:rPr lang="pt-BR" sz="1600" dirty="0"/>
+              <a:t>processamento de imagens e reconhecimento de padrões. </a:t>
             </a:r>
           </a:p>
           <a:p>
@@ -18373,33 +14534,7 @@
               <a:buFont typeface="Arial" panose="020B0604020202020204" pitchFamily="34" charset="0"/>
               <a:buChar char="•"/>
             </a:pPr>
-            <a:r>
-              <a:rPr lang="pt-BR" sz="1600" dirty="0"/>
-              <a:t>Projetadas para aprender representações eficientes dos dados;</a:t>
-            </a:r>
-          </a:p>
-          <a:p>
-            <a:pPr marL="285750" indent="-285750" algn="just">
-              <a:lnSpc>
-                <a:spcPct val="150000"/>
-              </a:lnSpc>
-              <a:buFont typeface="Arial" panose="020B0604020202020204" pitchFamily="34" charset="0"/>
-              <a:buChar char="•"/>
-            </a:pPr>
-            <a:r>
-              <a:rPr lang="pt-BR" sz="1600" dirty="0"/>
-              <a:t>Frequentemente usadas para redução de dimensionalidade ou detecção de anomalias.</a:t>
-            </a:r>
-          </a:p>
-          <a:p>
-            <a:pPr marL="285750" indent="-285750" algn="just">
-              <a:lnSpc>
-                <a:spcPct val="150000"/>
-              </a:lnSpc>
-              <a:buFont typeface="Arial" panose="020B0604020202020204" pitchFamily="34" charset="0"/>
-              <a:buChar char="•"/>
-            </a:pPr>
-            <a:endParaRPr lang="pt-BR" sz="600" u="sng" dirty="0"/>
+            <a:endParaRPr lang="pt-BR" sz="500" dirty="0"/>
           </a:p>
           <a:p>
             <a:pPr algn="just">
@@ -18409,11 +14544,15 @@
             </a:pPr>
             <a:r>
               <a:rPr lang="pt-BR" sz="1600" b="1" u="sng" dirty="0"/>
-              <a:t>Transformers</a:t>
+              <a:t>Redes Neurais Recorrentes (RNN)</a:t>
             </a:r>
             <a:r>
               <a:rPr lang="pt-BR" sz="1600" b="1" dirty="0"/>
               <a:t>: </a:t>
+            </a:r>
+            <a:r>
+              <a:rPr lang="pt-BR" sz="1600" dirty="0"/>
+              <a:t>projetadas para processar sequências de dados, como séries temporais ou texto.</a:t>
             </a:r>
           </a:p>
           <a:p>
@@ -18422,10 +14561,7 @@
                 <a:spcPct val="150000"/>
               </a:lnSpc>
             </a:pPr>
-            <a:r>
-              <a:rPr lang="pt-BR" sz="1600" dirty="0"/>
-              <a:t>Recentemente populares em processamento de linguagem natural (NLP); </a:t>
-            </a:r>
+            <a:endParaRPr lang="pt-BR" sz="500" dirty="0"/>
           </a:p>
           <a:p>
             <a:pPr algn="just">
@@ -18434,8 +14570,51 @@
               </a:lnSpc>
             </a:pPr>
             <a:r>
+              <a:rPr lang="en-US" sz="1600" b="1" u="sng" dirty="0"/>
+              <a:t>Long Short-Term Memory (LSTM)</a:t>
+            </a:r>
+            <a:r>
+              <a:rPr lang="en-US" sz="1600" b="1" dirty="0"/>
+              <a:t>:</a:t>
+            </a:r>
+            <a:r>
+              <a:rPr lang="pt-BR" sz="1600" b="1" dirty="0"/>
+              <a:t> </a:t>
+            </a:r>
+            <a:r>
               <a:rPr lang="pt-BR" sz="1600" dirty="0"/>
-              <a:t>Utilizam mecanismos de atenção para capturar relações entre diferentes partes de uma sequência de dados.</a:t>
+              <a:t>variação da RNN que resolve problemas de dependência de longo prazo.</a:t>
+            </a:r>
+          </a:p>
+          <a:p>
+            <a:pPr algn="just">
+              <a:lnSpc>
+                <a:spcPct val="150000"/>
+              </a:lnSpc>
+            </a:pPr>
+            <a:endParaRPr lang="pt-BR" sz="600" b="1" dirty="0"/>
+          </a:p>
+          <a:p>
+            <a:pPr algn="just">
+              <a:lnSpc>
+                <a:spcPct val="150000"/>
+              </a:lnSpc>
+            </a:pPr>
+            <a:r>
+              <a:rPr lang="pt-BR" sz="1600" b="1" u="sng" dirty="0"/>
+              <a:t>Redes Neurais de Memória a Curto Prazo (GRU</a:t>
+            </a:r>
+            <a:r>
+              <a:rPr lang="pt-BR" sz="1600" b="1" i="1" dirty="0"/>
+              <a:t>)</a:t>
+            </a:r>
+            <a:r>
+              <a:rPr lang="pt-BR" sz="1600" b="1" dirty="0"/>
+              <a:t>: </a:t>
+            </a:r>
+            <a:r>
+              <a:rPr lang="pt-BR" sz="1600" dirty="0"/>
+              <a:t>outra variação de RNN com uma arquitetura mais simples e menos parâmetros.</a:t>
             </a:r>
           </a:p>
         </p:txBody>
@@ -18443,7 +14622,7 @@
     </p:spTree>
     <p:extLst>
       <p:ext uri="{BB962C8B-B14F-4D97-AF65-F5344CB8AC3E}">
-        <p14:creationId xmlns:p14="http://schemas.microsoft.com/office/powerpoint/2010/main" val="2958209784"/>
+        <p14:creationId xmlns:p14="http://schemas.microsoft.com/office/powerpoint/2010/main" val="2783958140"/>
       </p:ext>
     </p:extLst>
   </p:cSld>
@@ -18493,7 +14672,7 @@
           <a:p>
             <a:r>
               <a:rPr lang="pt-BR" b="1" dirty="0"/>
-              <a:t>Perceptron multicamada</a:t>
+              <a:t>Tipos de redes neurais</a:t>
             </a:r>
           </a:p>
         </p:txBody>
@@ -18555,10 +14734,10 @@
       </p:sp>
       <p:sp>
         <p:nvSpPr>
-          <p:cNvPr id="4" name="Espaço Reservado para Número de Slide 3">
-            <a:extLst>
-              <a:ext uri="{FF2B5EF4-FFF2-40B4-BE49-F238E27FC236}">
-                <a16:creationId xmlns:a16="http://schemas.microsoft.com/office/drawing/2014/main" id="{A4734C9A-0B50-C641-C135-685FC196FC91}"/>
+          <p:cNvPr id="5" name="Espaço Reservado para Número de Slide 4">
+            <a:extLst>
+              <a:ext uri="{FF2B5EF4-FFF2-40B4-BE49-F238E27FC236}">
+                <a16:creationId xmlns:a16="http://schemas.microsoft.com/office/drawing/2014/main" id="{D416299F-8052-567E-AB96-8DD159F8779D}"/>
               </a:ext>
             </a:extLst>
           </p:cNvPr>
@@ -18584,10 +14763,10 @@
       </p:sp>
       <p:sp>
         <p:nvSpPr>
-          <p:cNvPr id="10" name="TextBox 9">
-            <a:extLst>
-              <a:ext uri="{FF2B5EF4-FFF2-40B4-BE49-F238E27FC236}">
-                <a16:creationId xmlns:a16="http://schemas.microsoft.com/office/drawing/2014/main" id="{A7EDF08E-16C3-C488-6186-6F69B8F1D98E}"/>
+          <p:cNvPr id="9" name="TextBox 8">
+            <a:extLst>
+              <a:ext uri="{FF2B5EF4-FFF2-40B4-BE49-F238E27FC236}">
+                <a16:creationId xmlns:a16="http://schemas.microsoft.com/office/drawing/2014/main" id="{23C41233-47C7-FB8C-4B0F-5A8B13E97CE2}"/>
               </a:ext>
             </a:extLst>
           </p:cNvPr>
@@ -18596,8 +14775,8 @@
         </p:nvSpPr>
         <p:spPr>
           <a:xfrm>
-            <a:off x="1999766" y="5798706"/>
-            <a:ext cx="8192467" cy="307777"/>
+            <a:off x="1152686" y="1619905"/>
+            <a:ext cx="9886627" cy="4904356"/>
           </a:xfrm>
           <a:prstGeom prst="rect">
             <a:avLst/>
@@ -18610,56 +14789,201 @@
           </a:bodyPr>
           <a:lstStyle/>
           <a:p>
-            <a:r>
-              <a:rPr lang="en-US" sz="1400" dirty="0"/>
-              <a:t>ELGENDY, Mohamed. </a:t>
-            </a:r>
-            <a:r>
-              <a:rPr lang="en-US" sz="1400" b="1" dirty="0"/>
-              <a:t>Deep Learning for Vision Systems</a:t>
-            </a:r>
-            <a:r>
-              <a:rPr lang="en-US" sz="1400" dirty="0"/>
-              <a:t>. Shelter Island: Manning Publications, 2020.</a:t>
-            </a:r>
-            <a:endParaRPr lang="pt-BR" sz="1400" dirty="0"/>
+            <a:pPr algn="just">
+              <a:lnSpc>
+                <a:spcPct val="150000"/>
+              </a:lnSpc>
+            </a:pPr>
+            <a:r>
+              <a:rPr lang="pt-BR" sz="1600" b="1" u="sng" dirty="0"/>
+              <a:t>Redes Neurais de Base Radial (RBF):</a:t>
+            </a:r>
+            <a:r>
+              <a:rPr lang="pt-BR" sz="1600" b="1" dirty="0"/>
+              <a:t> </a:t>
+            </a:r>
+          </a:p>
+          <a:p>
+            <a:pPr marL="285750" indent="-285750" algn="just">
+              <a:lnSpc>
+                <a:spcPct val="150000"/>
+              </a:lnSpc>
+              <a:buFont typeface="Arial" panose="020B0604020202020204" pitchFamily="34" charset="0"/>
+              <a:buChar char="•"/>
+            </a:pPr>
+            <a:r>
+              <a:rPr lang="pt-BR" sz="1600" dirty="0"/>
+              <a:t>Utilizam funções de base radial como funções de ativação;</a:t>
+            </a:r>
+          </a:p>
+          <a:p>
+            <a:pPr marL="285750" indent="-285750" algn="just">
+              <a:lnSpc>
+                <a:spcPct val="150000"/>
+              </a:lnSpc>
+              <a:buFont typeface="Arial" panose="020B0604020202020204" pitchFamily="34" charset="0"/>
+              <a:buChar char="•"/>
+            </a:pPr>
+            <a:r>
+              <a:rPr lang="pt-BR" sz="1600" dirty="0"/>
+              <a:t>Eficazes em problemas de classificação e regressão onde os dados têm um padrão radial.</a:t>
+            </a:r>
+          </a:p>
+          <a:p>
+            <a:pPr marL="285750" indent="-285750" algn="just">
+              <a:lnSpc>
+                <a:spcPct val="150000"/>
+              </a:lnSpc>
+              <a:buFont typeface="Arial" panose="020B0604020202020204" pitchFamily="34" charset="0"/>
+              <a:buChar char="•"/>
+            </a:pPr>
+            <a:endParaRPr lang="pt-BR" sz="600" dirty="0"/>
+          </a:p>
+          <a:p>
+            <a:pPr algn="just">
+              <a:lnSpc>
+                <a:spcPct val="150000"/>
+              </a:lnSpc>
+            </a:pPr>
+            <a:r>
+              <a:rPr lang="pt-BR" sz="1600" b="1" u="sng" dirty="0"/>
+              <a:t>Redes Neurais Generativas Adversárias (GAN)</a:t>
+            </a:r>
+            <a:r>
+              <a:rPr lang="pt-BR" sz="1600" b="1" dirty="0"/>
+              <a:t>: </a:t>
+            </a:r>
+          </a:p>
+          <a:p>
+            <a:pPr marL="285750" indent="-285750" algn="just">
+              <a:lnSpc>
+                <a:spcPct val="150000"/>
+              </a:lnSpc>
+              <a:buFont typeface="Arial" panose="020B0604020202020204" pitchFamily="34" charset="0"/>
+              <a:buChar char="•"/>
+            </a:pPr>
+            <a:r>
+              <a:rPr lang="pt-BR" sz="1600" dirty="0"/>
+              <a:t>constituídas por duas redes (o gerador e o discriminador) que competem entre si.</a:t>
+            </a:r>
+          </a:p>
+          <a:p>
+            <a:pPr marL="285750" indent="-285750" algn="just">
+              <a:lnSpc>
+                <a:spcPct val="150000"/>
+              </a:lnSpc>
+              <a:buFont typeface="Arial" panose="020B0604020202020204" pitchFamily="34" charset="0"/>
+              <a:buChar char="•"/>
+            </a:pPr>
+            <a:r>
+              <a:rPr lang="pt-BR" sz="1600" dirty="0"/>
+              <a:t>Utilizadas para gerar dados sintéticos, como imagens e textos realistas.</a:t>
+            </a:r>
+          </a:p>
+          <a:p>
+            <a:pPr marL="285750" indent="-285750" algn="just">
+              <a:lnSpc>
+                <a:spcPct val="150000"/>
+              </a:lnSpc>
+              <a:buFont typeface="Arial" panose="020B0604020202020204" pitchFamily="34" charset="0"/>
+              <a:buChar char="•"/>
+            </a:pPr>
+            <a:endParaRPr lang="pt-BR" sz="600" u="sng" dirty="0"/>
+          </a:p>
+          <a:p>
+            <a:pPr algn="just">
+              <a:lnSpc>
+                <a:spcPct val="150000"/>
+              </a:lnSpc>
+            </a:pPr>
+            <a:r>
+              <a:rPr lang="pt-BR" sz="1600" b="1" u="sng" dirty="0"/>
+              <a:t>Autoencoders</a:t>
+            </a:r>
+            <a:r>
+              <a:rPr lang="pt-BR" sz="1600" b="1" dirty="0"/>
+              <a:t>: </a:t>
+            </a:r>
+          </a:p>
+          <a:p>
+            <a:pPr marL="285750" indent="-285750" algn="just">
+              <a:lnSpc>
+                <a:spcPct val="150000"/>
+              </a:lnSpc>
+              <a:buFont typeface="Arial" panose="020B0604020202020204" pitchFamily="34" charset="0"/>
+              <a:buChar char="•"/>
+            </a:pPr>
+            <a:r>
+              <a:rPr lang="pt-BR" sz="1600" dirty="0"/>
+              <a:t>Projetadas para aprender representações eficientes dos dados;</a:t>
+            </a:r>
+          </a:p>
+          <a:p>
+            <a:pPr marL="285750" indent="-285750" algn="just">
+              <a:lnSpc>
+                <a:spcPct val="150000"/>
+              </a:lnSpc>
+              <a:buFont typeface="Arial" panose="020B0604020202020204" pitchFamily="34" charset="0"/>
+              <a:buChar char="•"/>
+            </a:pPr>
+            <a:r>
+              <a:rPr lang="pt-BR" sz="1600" dirty="0"/>
+              <a:t>Frequentemente usadas para redução de dimensionalidade ou detecção de anomalias.</a:t>
+            </a:r>
+          </a:p>
+          <a:p>
+            <a:pPr marL="285750" indent="-285750" algn="just">
+              <a:lnSpc>
+                <a:spcPct val="150000"/>
+              </a:lnSpc>
+              <a:buFont typeface="Arial" panose="020B0604020202020204" pitchFamily="34" charset="0"/>
+              <a:buChar char="•"/>
+            </a:pPr>
+            <a:endParaRPr lang="pt-BR" sz="600" u="sng" dirty="0"/>
+          </a:p>
+          <a:p>
+            <a:pPr algn="just">
+              <a:lnSpc>
+                <a:spcPct val="150000"/>
+              </a:lnSpc>
+            </a:pPr>
+            <a:r>
+              <a:rPr lang="pt-BR" sz="1600" b="1" u="sng" dirty="0"/>
+              <a:t>Transformers</a:t>
+            </a:r>
+            <a:r>
+              <a:rPr lang="pt-BR" sz="1600" b="1" dirty="0"/>
+              <a:t>: </a:t>
+            </a:r>
+          </a:p>
+          <a:p>
+            <a:pPr algn="just">
+              <a:lnSpc>
+                <a:spcPct val="150000"/>
+              </a:lnSpc>
+            </a:pPr>
+            <a:r>
+              <a:rPr lang="pt-BR" sz="1600" dirty="0"/>
+              <a:t>Recentemente populares em processamento de linguagem natural (NLP); </a:t>
+            </a:r>
+          </a:p>
+          <a:p>
+            <a:pPr algn="just">
+              <a:lnSpc>
+                <a:spcPct val="150000"/>
+              </a:lnSpc>
+            </a:pPr>
+            <a:r>
+              <a:rPr lang="pt-BR" sz="1600" dirty="0"/>
+              <a:t>Utilizam mecanismos de atenção para capturar relações entre diferentes partes de uma sequência de dados.</a:t>
+            </a:r>
           </a:p>
         </p:txBody>
       </p:sp>
-      <p:pic>
-        <p:nvPicPr>
-          <p:cNvPr id="12" name="Picture 11">
-            <a:extLst>
-              <a:ext uri="{FF2B5EF4-FFF2-40B4-BE49-F238E27FC236}">
-                <a16:creationId xmlns:a16="http://schemas.microsoft.com/office/drawing/2014/main" id="{3BC03BC3-4AA5-FF44-7601-DD6AA7E8FA8E}"/>
-              </a:ext>
-            </a:extLst>
-          </p:cNvPr>
-          <p:cNvPicPr>
-            <a:picLocks noChangeAspect="1"/>
-          </p:cNvPicPr>
-          <p:nvPr/>
-        </p:nvPicPr>
-        <p:blipFill>
-          <a:blip r:embed="rId2"/>
-          <a:stretch>
-            <a:fillRect/>
-          </a:stretch>
-        </p:blipFill>
-        <p:spPr>
-          <a:xfrm>
-            <a:off x="2224491" y="1588095"/>
-            <a:ext cx="7743016" cy="4085677"/>
-          </a:xfrm>
-          <a:prstGeom prst="rect">
-            <a:avLst/>
-          </a:prstGeom>
-        </p:spPr>
-      </p:pic>
     </p:spTree>
     <p:extLst>
       <p:ext uri="{BB962C8B-B14F-4D97-AF65-F5344CB8AC3E}">
-        <p14:creationId xmlns:p14="http://schemas.microsoft.com/office/powerpoint/2010/main" val="1073254456"/>
+        <p14:creationId xmlns:p14="http://schemas.microsoft.com/office/powerpoint/2010/main" val="2958209784"/>
       </p:ext>
     </p:extLst>
   </p:cSld>
@@ -18709,7 +15033,7 @@
           <a:p>
             <a:r>
               <a:rPr lang="pt-BR" b="1" dirty="0"/>
-              <a:t>Implementação (Google colab)</a:t>
+              <a:t>Perceptron multicamada</a:t>
             </a:r>
           </a:p>
         </p:txBody>
@@ -18774,7 +15098,7 @@
           <p:cNvPr id="4" name="Espaço Reservado para Número de Slide 3">
             <a:extLst>
               <a:ext uri="{FF2B5EF4-FFF2-40B4-BE49-F238E27FC236}">
-                <a16:creationId xmlns:a16="http://schemas.microsoft.com/office/drawing/2014/main" id="{1A1582B6-145D-0C8B-C335-D471D444DA79}"/>
+                <a16:creationId xmlns:a16="http://schemas.microsoft.com/office/drawing/2014/main" id="{A4734C9A-0B50-C641-C135-685FC196FC91}"/>
               </a:ext>
             </a:extLst>
           </p:cNvPr>
@@ -18800,10 +15124,10 @@
       </p:sp>
       <p:sp>
         <p:nvSpPr>
-          <p:cNvPr id="9" name="TextBox 8">
-            <a:extLst>
-              <a:ext uri="{FF2B5EF4-FFF2-40B4-BE49-F238E27FC236}">
-                <a16:creationId xmlns:a16="http://schemas.microsoft.com/office/drawing/2014/main" id="{4A4797E5-491A-5D6F-22F7-3C74552D5684}"/>
+          <p:cNvPr id="10" name="TextBox 9">
+            <a:extLst>
+              <a:ext uri="{FF2B5EF4-FFF2-40B4-BE49-F238E27FC236}">
+                <a16:creationId xmlns:a16="http://schemas.microsoft.com/office/drawing/2014/main" id="{A7EDF08E-16C3-C488-6186-6F69B8F1D98E}"/>
               </a:ext>
             </a:extLst>
           </p:cNvPr>
@@ -18812,89 +15136,7 @@
         </p:nvSpPr>
         <p:spPr>
           <a:xfrm>
-            <a:off x="838201" y="1815145"/>
-            <a:ext cx="10692538" cy="369332"/>
-          </a:xfrm>
-          <a:prstGeom prst="rect">
-            <a:avLst/>
-          </a:prstGeom>
-          <a:noFill/>
-        </p:spPr>
-        <p:txBody>
-          <a:bodyPr wrap="square" rtlCol="0">
-            <a:spAutoFit/>
-          </a:bodyPr>
-          <a:lstStyle/>
-          <a:p>
-            <a:pPr algn="just"/>
-            <a:r>
-              <a:rPr lang="pt-BR" b="1" dirty="0"/>
-              <a:t>Reconhecimento de padrões: </a:t>
-            </a:r>
-            <a:r>
-              <a:rPr lang="pt-BR" dirty="0"/>
-              <a:t>padrões mais simples nas primeiras camadas e mais complexos nas finais</a:t>
-            </a:r>
-          </a:p>
-        </p:txBody>
-      </p:sp>
-      <p:pic>
-        <p:nvPicPr>
-          <p:cNvPr id="14" name="Picture 13">
-            <a:extLst>
-              <a:ext uri="{FF2B5EF4-FFF2-40B4-BE49-F238E27FC236}">
-                <a16:creationId xmlns:a16="http://schemas.microsoft.com/office/drawing/2014/main" id="{637FF767-A196-F3D3-86DD-EC9224FEC7DB}"/>
-              </a:ext>
-            </a:extLst>
-          </p:cNvPr>
-          <p:cNvPicPr>
-            <a:picLocks noChangeAspect="1"/>
-          </p:cNvPicPr>
-          <p:nvPr/>
-        </p:nvPicPr>
-        <p:blipFill>
-          <a:blip r:embed="rId3">
-            <a:extLst>
-              <a:ext uri="{BEBA8EAE-BF5A-486C-A8C5-ECC9F3942E4B}">
-                <a14:imgProps xmlns:a14="http://schemas.microsoft.com/office/drawing/2010/main">
-                  <a14:imgLayer r:embed="rId4">
-                    <a14:imgEffect>
-                      <a14:sharpenSoften amount="25000"/>
-                    </a14:imgEffect>
-                  </a14:imgLayer>
-                </a14:imgProps>
-              </a:ext>
-            </a:extLst>
-          </a:blip>
-          <a:stretch>
-            <a:fillRect/>
-          </a:stretch>
-        </p:blipFill>
-        <p:spPr>
-          <a:xfrm>
-            <a:off x="2108819" y="2386799"/>
-            <a:ext cx="7873381" cy="3584807"/>
-          </a:xfrm>
-          <a:prstGeom prst="rect">
-            <a:avLst/>
-          </a:prstGeom>
-        </p:spPr>
-      </p:pic>
-      <p:sp>
-        <p:nvSpPr>
-          <p:cNvPr id="15" name="TextBox 14">
-            <a:extLst>
-              <a:ext uri="{FF2B5EF4-FFF2-40B4-BE49-F238E27FC236}">
-                <a16:creationId xmlns:a16="http://schemas.microsoft.com/office/drawing/2014/main" id="{4522CFA6-DFA3-3C88-ECE9-7A5C1640E04D}"/>
-              </a:ext>
-            </a:extLst>
-          </p:cNvPr>
-          <p:cNvSpPr txBox="1"/>
-          <p:nvPr/>
-        </p:nvSpPr>
-        <p:spPr>
-          <a:xfrm>
-            <a:off x="1789733" y="6133492"/>
+            <a:off x="1999766" y="5798706"/>
             <a:ext cx="8192467" cy="307777"/>
           </a:xfrm>
           <a:prstGeom prst="rect">
@@ -18924,10 +15166,40 @@
           </a:p>
         </p:txBody>
       </p:sp>
+      <p:pic>
+        <p:nvPicPr>
+          <p:cNvPr id="12" name="Picture 11">
+            <a:extLst>
+              <a:ext uri="{FF2B5EF4-FFF2-40B4-BE49-F238E27FC236}">
+                <a16:creationId xmlns:a16="http://schemas.microsoft.com/office/drawing/2014/main" id="{3BC03BC3-4AA5-FF44-7601-DD6AA7E8FA8E}"/>
+              </a:ext>
+            </a:extLst>
+          </p:cNvPr>
+          <p:cNvPicPr>
+            <a:picLocks noChangeAspect="1"/>
+          </p:cNvPicPr>
+          <p:nvPr/>
+        </p:nvPicPr>
+        <p:blipFill>
+          <a:blip r:embed="rId2"/>
+          <a:stretch>
+            <a:fillRect/>
+          </a:stretch>
+        </p:blipFill>
+        <p:spPr>
+          <a:xfrm>
+            <a:off x="2224491" y="1588095"/>
+            <a:ext cx="7743016" cy="4085677"/>
+          </a:xfrm>
+          <a:prstGeom prst="rect">
+            <a:avLst/>
+          </a:prstGeom>
+        </p:spPr>
+      </p:pic>
     </p:spTree>
     <p:extLst>
       <p:ext uri="{BB962C8B-B14F-4D97-AF65-F5344CB8AC3E}">
-        <p14:creationId xmlns:p14="http://schemas.microsoft.com/office/powerpoint/2010/main" val="2501966485"/>
+        <p14:creationId xmlns:p14="http://schemas.microsoft.com/office/powerpoint/2010/main" val="1073254456"/>
       </p:ext>
     </p:extLst>
   </p:cSld>
@@ -19011,10 +15283,10 @@
       </p:sp>
       <p:sp>
         <p:nvSpPr>
-          <p:cNvPr id="5" name="Espaço Reservado para Número de Slide 4">
-            <a:extLst>
-              <a:ext uri="{FF2B5EF4-FFF2-40B4-BE49-F238E27FC236}">
-                <a16:creationId xmlns:a16="http://schemas.microsoft.com/office/drawing/2014/main" id="{D416299F-8052-567E-AB96-8DD159F8779D}"/>
+          <p:cNvPr id="4" name="Espaço Reservado para Número de Slide 3">
+            <a:extLst>
+              <a:ext uri="{FF2B5EF4-FFF2-40B4-BE49-F238E27FC236}">
+                <a16:creationId xmlns:a16="http://schemas.microsoft.com/office/drawing/2014/main" id="{1A1582B6-145D-0C8B-C335-D471D444DA79}"/>
               </a:ext>
             </a:extLst>
           </p:cNvPr>
@@ -19033,6 +15305,301 @@
             <a:fld id="{100E1BD7-A6F2-47E2-ACB3-3469C810C63E}" type="slidenum">
               <a:rPr lang="pt-BR" smtClean="0"/>
               <a:t>7</a:t>
+            </a:fld>
+            <a:endParaRPr lang="pt-BR"/>
+          </a:p>
+        </p:txBody>
+      </p:sp>
+      <p:sp>
+        <p:nvSpPr>
+          <p:cNvPr id="9" name="TextBox 8">
+            <a:extLst>
+              <a:ext uri="{FF2B5EF4-FFF2-40B4-BE49-F238E27FC236}">
+                <a16:creationId xmlns:a16="http://schemas.microsoft.com/office/drawing/2014/main" id="{4A4797E5-491A-5D6F-22F7-3C74552D5684}"/>
+              </a:ext>
+            </a:extLst>
+          </p:cNvPr>
+          <p:cNvSpPr txBox="1"/>
+          <p:nvPr/>
+        </p:nvSpPr>
+        <p:spPr>
+          <a:xfrm>
+            <a:off x="838201" y="1815145"/>
+            <a:ext cx="10692538" cy="369332"/>
+          </a:xfrm>
+          <a:prstGeom prst="rect">
+            <a:avLst/>
+          </a:prstGeom>
+          <a:noFill/>
+        </p:spPr>
+        <p:txBody>
+          <a:bodyPr wrap="square" rtlCol="0">
+            <a:spAutoFit/>
+          </a:bodyPr>
+          <a:lstStyle/>
+          <a:p>
+            <a:pPr algn="just"/>
+            <a:r>
+              <a:rPr lang="pt-BR" b="1" dirty="0"/>
+              <a:t>Reconhecimento de padrões: </a:t>
+            </a:r>
+            <a:r>
+              <a:rPr lang="pt-BR" dirty="0"/>
+              <a:t>padrões mais simples nas primeiras camadas e mais complexos nas finais</a:t>
+            </a:r>
+          </a:p>
+        </p:txBody>
+      </p:sp>
+      <p:pic>
+        <p:nvPicPr>
+          <p:cNvPr id="14" name="Picture 13">
+            <a:extLst>
+              <a:ext uri="{FF2B5EF4-FFF2-40B4-BE49-F238E27FC236}">
+                <a16:creationId xmlns:a16="http://schemas.microsoft.com/office/drawing/2014/main" id="{637FF767-A196-F3D3-86DD-EC9224FEC7DB}"/>
+              </a:ext>
+            </a:extLst>
+          </p:cNvPr>
+          <p:cNvPicPr>
+            <a:picLocks noChangeAspect="1"/>
+          </p:cNvPicPr>
+          <p:nvPr/>
+        </p:nvPicPr>
+        <p:blipFill>
+          <a:blip r:embed="rId3">
+            <a:extLst>
+              <a:ext uri="{BEBA8EAE-BF5A-486C-A8C5-ECC9F3942E4B}">
+                <a14:imgProps xmlns:a14="http://schemas.microsoft.com/office/drawing/2010/main">
+                  <a14:imgLayer r:embed="rId4">
+                    <a14:imgEffect>
+                      <a14:sharpenSoften amount="25000"/>
+                    </a14:imgEffect>
+                  </a14:imgLayer>
+                </a14:imgProps>
+              </a:ext>
+            </a:extLst>
+          </a:blip>
+          <a:stretch>
+            <a:fillRect/>
+          </a:stretch>
+        </p:blipFill>
+        <p:spPr>
+          <a:xfrm>
+            <a:off x="2108819" y="2386799"/>
+            <a:ext cx="7873381" cy="3584807"/>
+          </a:xfrm>
+          <a:prstGeom prst="rect">
+            <a:avLst/>
+          </a:prstGeom>
+        </p:spPr>
+      </p:pic>
+      <p:sp>
+        <p:nvSpPr>
+          <p:cNvPr id="15" name="TextBox 14">
+            <a:extLst>
+              <a:ext uri="{FF2B5EF4-FFF2-40B4-BE49-F238E27FC236}">
+                <a16:creationId xmlns:a16="http://schemas.microsoft.com/office/drawing/2014/main" id="{4522CFA6-DFA3-3C88-ECE9-7A5C1640E04D}"/>
+              </a:ext>
+            </a:extLst>
+          </p:cNvPr>
+          <p:cNvSpPr txBox="1"/>
+          <p:nvPr/>
+        </p:nvSpPr>
+        <p:spPr>
+          <a:xfrm>
+            <a:off x="1789733" y="6133492"/>
+            <a:ext cx="8192467" cy="307777"/>
+          </a:xfrm>
+          <a:prstGeom prst="rect">
+            <a:avLst/>
+          </a:prstGeom>
+          <a:noFill/>
+        </p:spPr>
+        <p:txBody>
+          <a:bodyPr wrap="square" rtlCol="0">
+            <a:spAutoFit/>
+          </a:bodyPr>
+          <a:lstStyle/>
+          <a:p>
+            <a:r>
+              <a:rPr lang="en-US" sz="1400" dirty="0"/>
+              <a:t>ELGENDY, Mohamed. </a:t>
+            </a:r>
+            <a:r>
+              <a:rPr lang="en-US" sz="1400" b="1" dirty="0"/>
+              <a:t>Deep Learning for Vision Systems</a:t>
+            </a:r>
+            <a:r>
+              <a:rPr lang="en-US" sz="1400" dirty="0"/>
+              <a:t>. Shelter Island: Manning Publications, 2020.</a:t>
+            </a:r>
+            <a:endParaRPr lang="pt-BR" sz="1400" dirty="0"/>
+          </a:p>
+        </p:txBody>
+      </p:sp>
+      <p:sp>
+        <p:nvSpPr>
+          <p:cNvPr id="8" name="Título 1">
+            <a:extLst>
+              <a:ext uri="{FF2B5EF4-FFF2-40B4-BE49-F238E27FC236}">
+                <a16:creationId xmlns:a16="http://schemas.microsoft.com/office/drawing/2014/main" id="{69357F3A-861C-1F79-8CD9-F6F775310E9D}"/>
+              </a:ext>
+            </a:extLst>
+          </p:cNvPr>
+          <p:cNvSpPr txBox="1">
+            <a:spLocks/>
+          </p:cNvSpPr>
+          <p:nvPr/>
+        </p:nvSpPr>
+        <p:spPr>
+          <a:xfrm>
+            <a:off x="990600" y="517525"/>
+            <a:ext cx="10515600" cy="1325563"/>
+          </a:xfrm>
+          <a:prstGeom prst="rect">
+            <a:avLst/>
+          </a:prstGeom>
+        </p:spPr>
+        <p:txBody>
+          <a:bodyPr vert="horz" lIns="91440" tIns="45720" rIns="91440" bIns="45720" rtlCol="0" anchor="ctr">
+            <a:normAutofit/>
+          </a:bodyPr>
+          <a:lstStyle>
+            <a:lvl1pPr algn="l" defTabSz="914400" rtl="0" eaLnBrk="1" latinLnBrk="0" hangingPunct="1">
+              <a:lnSpc>
+                <a:spcPct val="90000"/>
+              </a:lnSpc>
+              <a:spcBef>
+                <a:spcPct val="0"/>
+              </a:spcBef>
+              <a:buNone/>
+              <a:defRPr sz="4400" kern="1200">
+                <a:solidFill>
+                  <a:schemeClr val="tx1"/>
+                </a:solidFill>
+                <a:latin typeface="+mj-lt"/>
+                <a:ea typeface="+mj-ea"/>
+                <a:cs typeface="+mj-cs"/>
+              </a:defRPr>
+            </a:lvl1pPr>
+          </a:lstStyle>
+          <a:p>
+            <a:r>
+              <a:rPr lang="pt-BR" b="1"/>
+              <a:t>Perceptron multicamada</a:t>
+            </a:r>
+            <a:endParaRPr lang="pt-BR" b="1" dirty="0"/>
+          </a:p>
+        </p:txBody>
+      </p:sp>
+    </p:spTree>
+    <p:extLst>
+      <p:ext uri="{BB962C8B-B14F-4D97-AF65-F5344CB8AC3E}">
+        <p14:creationId xmlns:p14="http://schemas.microsoft.com/office/powerpoint/2010/main" val="2501966485"/>
+      </p:ext>
+    </p:extLst>
+  </p:cSld>
+  <p:clrMapOvr>
+    <a:masterClrMapping/>
+  </p:clrMapOvr>
+</p:sld>
+</file>
+
+<file path=ppt/slides/slide8.xml><?xml version="1.0" encoding="utf-8"?>
+<p:sld xmlns:a="http://schemas.openxmlformats.org/drawingml/2006/main" xmlns:r="http://schemas.openxmlformats.org/officeDocument/2006/relationships" xmlns:p="http://schemas.openxmlformats.org/presentationml/2006/main">
+  <p:cSld>
+    <p:spTree>
+      <p:nvGrpSpPr>
+        <p:cNvPr id="1" name=""/>
+        <p:cNvGrpSpPr/>
+        <p:nvPr/>
+      </p:nvGrpSpPr>
+      <p:grpSpPr>
+        <a:xfrm>
+          <a:off x="0" y="0"/>
+          <a:ext cx="0" cy="0"/>
+          <a:chOff x="0" y="0"/>
+          <a:chExt cx="0" cy="0"/>
+        </a:xfrm>
+      </p:grpSpPr>
+      <p:sp>
+        <p:nvSpPr>
+          <p:cNvPr id="6" name="Retângulo 5">
+            <a:extLst>
+              <a:ext uri="{FF2B5EF4-FFF2-40B4-BE49-F238E27FC236}">
+                <a16:creationId xmlns:a16="http://schemas.microsoft.com/office/drawing/2014/main" id="{6400DBFB-4C95-4BC9-2AC3-48B17B718C74}"/>
+              </a:ext>
+            </a:extLst>
+          </p:cNvPr>
+          <p:cNvSpPr/>
+          <p:nvPr/>
+        </p:nvSpPr>
+        <p:spPr>
+          <a:xfrm>
+            <a:off x="0" y="0"/>
+            <a:ext cx="12192000" cy="230188"/>
+          </a:xfrm>
+          <a:prstGeom prst="rect">
+            <a:avLst/>
+          </a:prstGeom>
+          <a:solidFill>
+            <a:schemeClr val="accent4">
+              <a:lumMod val="20000"/>
+              <a:lumOff val="80000"/>
+            </a:schemeClr>
+          </a:solidFill>
+          <a:ln>
+            <a:noFill/>
+          </a:ln>
+        </p:spPr>
+        <p:style>
+          <a:lnRef idx="2">
+            <a:schemeClr val="accent1">
+              <a:shade val="15000"/>
+            </a:schemeClr>
+          </a:lnRef>
+          <a:fillRef idx="1">
+            <a:schemeClr val="accent1"/>
+          </a:fillRef>
+          <a:effectRef idx="0">
+            <a:schemeClr val="accent1"/>
+          </a:effectRef>
+          <a:fontRef idx="minor">
+            <a:schemeClr val="lt1"/>
+          </a:fontRef>
+        </p:style>
+        <p:txBody>
+          <a:bodyPr rtlCol="0" anchor="ctr"/>
+          <a:lstStyle/>
+          <a:p>
+            <a:pPr algn="ctr"/>
+            <a:endParaRPr lang="pt-BR"/>
+          </a:p>
+        </p:txBody>
+      </p:sp>
+      <p:sp>
+        <p:nvSpPr>
+          <p:cNvPr id="5" name="Espaço Reservado para Número de Slide 4">
+            <a:extLst>
+              <a:ext uri="{FF2B5EF4-FFF2-40B4-BE49-F238E27FC236}">
+                <a16:creationId xmlns:a16="http://schemas.microsoft.com/office/drawing/2014/main" id="{D416299F-8052-567E-AB96-8DD159F8779D}"/>
+              </a:ext>
+            </a:extLst>
+          </p:cNvPr>
+          <p:cNvSpPr>
+            <a:spLocks noGrp="1"/>
+          </p:cNvSpPr>
+          <p:nvPr>
+            <p:ph type="sldNum" sz="quarter" idx="12"/>
+          </p:nvPr>
+        </p:nvSpPr>
+        <p:spPr/>
+        <p:txBody>
+          <a:bodyPr/>
+          <a:lstStyle/>
+          <a:p>
+            <a:fld id="{100E1BD7-A6F2-47E2-ACB3-3469C810C63E}" type="slidenum">
+              <a:rPr lang="pt-BR" smtClean="0"/>
+              <a:t>8</a:t>
             </a:fld>
             <a:endParaRPr lang="pt-BR"/>
           </a:p>
@@ -21205,7 +17772,7 @@
 </p:sld>
 </file>
 
-<file path=ppt/slides/slide8.xml><?xml version="1.0" encoding="utf-8"?>
+<file path=ppt/slides/slide9.xml><?xml version="1.0" encoding="utf-8"?>
 <p:sld xmlns:a="http://schemas.openxmlformats.org/drawingml/2006/main" xmlns:r="http://schemas.openxmlformats.org/officeDocument/2006/relationships" xmlns:p="http://schemas.openxmlformats.org/presentationml/2006/main">
   <p:cSld>
     <p:spTree>
@@ -21300,7 +17867,7 @@
           <a:p>
             <a:fld id="{100E1BD7-A6F2-47E2-ACB3-3469C810C63E}" type="slidenum">
               <a:rPr lang="pt-BR" smtClean="0"/>
-              <a:t>8</a:t>
+              <a:t>9</a:t>
             </a:fld>
             <a:endParaRPr lang="pt-BR"/>
           </a:p>
@@ -21429,239 +17996,6 @@
     <p:extLst>
       <p:ext uri="{BB962C8B-B14F-4D97-AF65-F5344CB8AC3E}">
         <p14:creationId xmlns:p14="http://schemas.microsoft.com/office/powerpoint/2010/main" val="2383456766"/>
-      </p:ext>
-    </p:extLst>
-  </p:cSld>
-  <p:clrMapOvr>
-    <a:masterClrMapping/>
-  </p:clrMapOvr>
-</p:sld>
-</file>
-
-<file path=ppt/slides/slide9.xml><?xml version="1.0" encoding="utf-8"?>
-<p:sld xmlns:a="http://schemas.openxmlformats.org/drawingml/2006/main" xmlns:r="http://schemas.openxmlformats.org/officeDocument/2006/relationships" xmlns:p="http://schemas.openxmlformats.org/presentationml/2006/main">
-  <p:cSld>
-    <p:spTree>
-      <p:nvGrpSpPr>
-        <p:cNvPr id="1" name=""/>
-        <p:cNvGrpSpPr/>
-        <p:nvPr/>
-      </p:nvGrpSpPr>
-      <p:grpSpPr>
-        <a:xfrm>
-          <a:off x="0" y="0"/>
-          <a:ext cx="0" cy="0"/>
-          <a:chOff x="0" y="0"/>
-          <a:chExt cx="0" cy="0"/>
-        </a:xfrm>
-      </p:grpSpPr>
-      <p:sp>
-        <p:nvSpPr>
-          <p:cNvPr id="6" name="Retângulo 5">
-            <a:extLst>
-              <a:ext uri="{FF2B5EF4-FFF2-40B4-BE49-F238E27FC236}">
-                <a16:creationId xmlns:a16="http://schemas.microsoft.com/office/drawing/2014/main" id="{6400DBFB-4C95-4BC9-2AC3-48B17B718C74}"/>
-              </a:ext>
-            </a:extLst>
-          </p:cNvPr>
-          <p:cNvSpPr/>
-          <p:nvPr/>
-        </p:nvSpPr>
-        <p:spPr>
-          <a:xfrm>
-            <a:off x="0" y="0"/>
-            <a:ext cx="12192000" cy="230188"/>
-          </a:xfrm>
-          <a:prstGeom prst="rect">
-            <a:avLst/>
-          </a:prstGeom>
-          <a:solidFill>
-            <a:schemeClr val="accent4">
-              <a:lumMod val="20000"/>
-              <a:lumOff val="80000"/>
-            </a:schemeClr>
-          </a:solidFill>
-          <a:ln>
-            <a:noFill/>
-          </a:ln>
-        </p:spPr>
-        <p:style>
-          <a:lnRef idx="2">
-            <a:schemeClr val="accent1">
-              <a:shade val="15000"/>
-            </a:schemeClr>
-          </a:lnRef>
-          <a:fillRef idx="1">
-            <a:schemeClr val="accent1"/>
-          </a:fillRef>
-          <a:effectRef idx="0">
-            <a:schemeClr val="accent1"/>
-          </a:effectRef>
-          <a:fontRef idx="minor">
-            <a:schemeClr val="lt1"/>
-          </a:fontRef>
-        </p:style>
-        <p:txBody>
-          <a:bodyPr rtlCol="0" anchor="ctr"/>
-          <a:lstStyle/>
-          <a:p>
-            <a:pPr algn="ctr"/>
-            <a:endParaRPr lang="pt-BR"/>
-          </a:p>
-        </p:txBody>
-      </p:sp>
-      <p:sp>
-        <p:nvSpPr>
-          <p:cNvPr id="5" name="Espaço Reservado para Número de Slide 4">
-            <a:extLst>
-              <a:ext uri="{FF2B5EF4-FFF2-40B4-BE49-F238E27FC236}">
-                <a16:creationId xmlns:a16="http://schemas.microsoft.com/office/drawing/2014/main" id="{D416299F-8052-567E-AB96-8DD159F8779D}"/>
-              </a:ext>
-            </a:extLst>
-          </p:cNvPr>
-          <p:cNvSpPr>
-            <a:spLocks noGrp="1"/>
-          </p:cNvSpPr>
-          <p:nvPr>
-            <p:ph type="sldNum" sz="quarter" idx="12"/>
-          </p:nvPr>
-        </p:nvSpPr>
-        <p:spPr/>
-        <p:txBody>
-          <a:bodyPr/>
-          <a:lstStyle/>
-          <a:p>
-            <a:fld id="{100E1BD7-A6F2-47E2-ACB3-3469C810C63E}" type="slidenum">
-              <a:rPr lang="pt-BR" smtClean="0"/>
-              <a:t>9</a:t>
-            </a:fld>
-            <a:endParaRPr lang="pt-BR"/>
-          </a:p>
-        </p:txBody>
-      </p:sp>
-      <p:sp>
-        <p:nvSpPr>
-          <p:cNvPr id="60" name="Título 1">
-            <a:extLst>
-              <a:ext uri="{FF2B5EF4-FFF2-40B4-BE49-F238E27FC236}">
-                <a16:creationId xmlns:a16="http://schemas.microsoft.com/office/drawing/2014/main" id="{B82307BE-8878-9979-A9B3-8CF4C113D780}"/>
-              </a:ext>
-            </a:extLst>
-          </p:cNvPr>
-          <p:cNvSpPr>
-            <a:spLocks noGrp="1"/>
-          </p:cNvSpPr>
-          <p:nvPr>
-            <p:ph type="title"/>
-          </p:nvPr>
-        </p:nvSpPr>
-        <p:spPr>
-          <a:xfrm>
-            <a:off x="746421" y="211983"/>
-            <a:ext cx="10515600" cy="1325563"/>
-          </a:xfrm>
-        </p:spPr>
-        <p:txBody>
-          <a:bodyPr/>
-          <a:lstStyle/>
-          <a:p>
-            <a:r>
-              <a:rPr lang="pt-BR" b="1" dirty="0"/>
-              <a:t>Funções de ativação</a:t>
-            </a:r>
-          </a:p>
-        </p:txBody>
-      </p:sp>
-      <p:sp>
-        <p:nvSpPr>
-          <p:cNvPr id="4" name="TextBox 3">
-            <a:extLst>
-              <a:ext uri="{FF2B5EF4-FFF2-40B4-BE49-F238E27FC236}">
-                <a16:creationId xmlns:a16="http://schemas.microsoft.com/office/drawing/2014/main" id="{6CF33CFD-3616-D755-AC64-97717068517B}"/>
-              </a:ext>
-            </a:extLst>
-          </p:cNvPr>
-          <p:cNvSpPr txBox="1"/>
-          <p:nvPr/>
-        </p:nvSpPr>
-        <p:spPr>
-          <a:xfrm>
-            <a:off x="1999766" y="6231135"/>
-            <a:ext cx="8192467" cy="307777"/>
-          </a:xfrm>
-          <a:prstGeom prst="rect">
-            <a:avLst/>
-          </a:prstGeom>
-          <a:noFill/>
-        </p:spPr>
-        <p:txBody>
-          <a:bodyPr wrap="square" rtlCol="0">
-            <a:spAutoFit/>
-          </a:bodyPr>
-          <a:lstStyle/>
-          <a:p>
-            <a:r>
-              <a:rPr lang="en-US" sz="1400" dirty="0"/>
-              <a:t>ELGENDY, Mohamed. </a:t>
-            </a:r>
-            <a:r>
-              <a:rPr lang="en-US" sz="1400" b="1" dirty="0"/>
-              <a:t>Deep Learning for Vision Systems</a:t>
-            </a:r>
-            <a:r>
-              <a:rPr lang="en-US" sz="1400" dirty="0"/>
-              <a:t>. Shelter Island: Manning Publications, 2020.</a:t>
-            </a:r>
-            <a:endParaRPr lang="pt-BR" sz="1400" dirty="0"/>
-          </a:p>
-        </p:txBody>
-      </p:sp>
-      <p:pic>
-        <p:nvPicPr>
-          <p:cNvPr id="7" name="Picture 6">
-            <a:extLst>
-              <a:ext uri="{FF2B5EF4-FFF2-40B4-BE49-F238E27FC236}">
-                <a16:creationId xmlns:a16="http://schemas.microsoft.com/office/drawing/2014/main" id="{279ECDCC-E37B-E13A-DB1E-7174B1A137E8}"/>
-              </a:ext>
-            </a:extLst>
-          </p:cNvPr>
-          <p:cNvPicPr>
-            <a:picLocks noChangeAspect="1"/>
-          </p:cNvPicPr>
-          <p:nvPr/>
-        </p:nvPicPr>
-        <p:blipFill>
-          <a:blip r:embed="rId2">
-            <a:extLst>
-              <a:ext uri="{BEBA8EAE-BF5A-486C-A8C5-ECC9F3942E4B}">
-                <a14:imgProps xmlns:a14="http://schemas.microsoft.com/office/drawing/2010/main">
-                  <a14:imgLayer r:embed="rId3">
-                    <a14:imgEffect>
-                      <a14:sharpenSoften amount="25000"/>
-                    </a14:imgEffect>
-                  </a14:imgLayer>
-                </a14:imgProps>
-              </a:ext>
-            </a:extLst>
-          </a:blip>
-          <a:stretch>
-            <a:fillRect/>
-          </a:stretch>
-        </p:blipFill>
-        <p:spPr>
-          <a:xfrm>
-            <a:off x="2360908" y="1428947"/>
-            <a:ext cx="7286625" cy="4619625"/>
-          </a:xfrm>
-          <a:prstGeom prst="rect">
-            <a:avLst/>
-          </a:prstGeom>
-        </p:spPr>
-      </p:pic>
-    </p:spTree>
-    <p:extLst>
-      <p:ext uri="{BB962C8B-B14F-4D97-AF65-F5344CB8AC3E}">
-        <p14:creationId xmlns:p14="http://schemas.microsoft.com/office/powerpoint/2010/main" val="53910045"/>
       </p:ext>
     </p:extLst>
   </p:cSld>

--- a/assets/MachineLearning_RedesNeurais.pptx
+++ b/assets/MachineLearning_RedesNeurais.pptx
@@ -224,7 +224,7 @@
           <a:p>
             <a:fld id="{F75F9399-9FCD-4EB5-9097-B1F7C844D6C0}" type="datetimeFigureOut">
               <a:rPr lang="pt-BR" smtClean="0"/>
-              <a:t>12/09/2024</a:t>
+              <a:t>13/09/2024</a:t>
             </a:fld>
             <a:endParaRPr lang="pt-BR"/>
           </a:p>
@@ -806,7 +806,7 @@
           <a:p>
             <a:fld id="{6C726EF1-3415-47A9-AAD0-DEB93AD0CD29}" type="datetime1">
               <a:rPr lang="pt-BR" smtClean="0"/>
-              <a:t>12/09/2024</a:t>
+              <a:t>13/09/2024</a:t>
             </a:fld>
             <a:endParaRPr lang="pt-BR"/>
           </a:p>
@@ -1004,7 +1004,7 @@
           <a:p>
             <a:fld id="{EE569239-516C-47E0-BCF6-9A2AF4BC06CA}" type="datetime1">
               <a:rPr lang="pt-BR" smtClean="0"/>
-              <a:t>12/09/2024</a:t>
+              <a:t>13/09/2024</a:t>
             </a:fld>
             <a:endParaRPr lang="pt-BR"/>
           </a:p>
@@ -1212,7 +1212,7 @@
           <a:p>
             <a:fld id="{76DF1AFA-F169-45B6-8F49-433F5750701E}" type="datetime1">
               <a:rPr lang="pt-BR" smtClean="0"/>
-              <a:t>12/09/2024</a:t>
+              <a:t>13/09/2024</a:t>
             </a:fld>
             <a:endParaRPr lang="pt-BR"/>
           </a:p>
@@ -1410,7 +1410,7 @@
           <a:p>
             <a:fld id="{2CBB738E-6E7C-42C7-B306-D2F69400786E}" type="datetime1">
               <a:rPr lang="pt-BR" smtClean="0"/>
-              <a:t>12/09/2024</a:t>
+              <a:t>13/09/2024</a:t>
             </a:fld>
             <a:endParaRPr lang="pt-BR"/>
           </a:p>
@@ -1685,7 +1685,7 @@
           <a:p>
             <a:fld id="{5DEC77CB-96CC-4F6A-B0CA-CC6FDE8F2E03}" type="datetime1">
               <a:rPr lang="pt-BR" smtClean="0"/>
-              <a:t>12/09/2024</a:t>
+              <a:t>13/09/2024</a:t>
             </a:fld>
             <a:endParaRPr lang="pt-BR"/>
           </a:p>
@@ -1950,7 +1950,7 @@
           <a:p>
             <a:fld id="{AF461D1F-EC60-44F8-806D-8AB5B22260D2}" type="datetime1">
               <a:rPr lang="pt-BR" smtClean="0"/>
-              <a:t>12/09/2024</a:t>
+              <a:t>13/09/2024</a:t>
             </a:fld>
             <a:endParaRPr lang="pt-BR"/>
           </a:p>
@@ -2362,7 +2362,7 @@
           <a:p>
             <a:fld id="{17F36871-66A0-4B15-8698-510B8E856200}" type="datetime1">
               <a:rPr lang="pt-BR" smtClean="0"/>
-              <a:t>12/09/2024</a:t>
+              <a:t>13/09/2024</a:t>
             </a:fld>
             <a:endParaRPr lang="pt-BR"/>
           </a:p>
@@ -2503,7 +2503,7 @@
           <a:p>
             <a:fld id="{EECFC82D-BFF4-466D-8450-5252E65136C8}" type="datetime1">
               <a:rPr lang="pt-BR" smtClean="0"/>
-              <a:t>12/09/2024</a:t>
+              <a:t>13/09/2024</a:t>
             </a:fld>
             <a:endParaRPr lang="pt-BR"/>
           </a:p>
@@ -2616,7 +2616,7 @@
           <a:p>
             <a:fld id="{C70813B8-F369-43AF-AE80-11F6175FB80C}" type="datetime1">
               <a:rPr lang="pt-BR" smtClean="0"/>
-              <a:t>12/09/2024</a:t>
+              <a:t>13/09/2024</a:t>
             </a:fld>
             <a:endParaRPr lang="pt-BR"/>
           </a:p>
@@ -2927,7 +2927,7 @@
           <a:p>
             <a:fld id="{2A78AA8D-55C6-4247-9D6C-A98EA9875AE4}" type="datetime1">
               <a:rPr lang="pt-BR" smtClean="0"/>
-              <a:t>12/09/2024</a:t>
+              <a:t>13/09/2024</a:t>
             </a:fld>
             <a:endParaRPr lang="pt-BR"/>
           </a:p>
@@ -3215,7 +3215,7 @@
           <a:p>
             <a:fld id="{2F63D052-0229-42E2-AE2E-542AE57F799B}" type="datetime1">
               <a:rPr lang="pt-BR" smtClean="0"/>
-              <a:t>12/09/2024</a:t>
+              <a:t>13/09/2024</a:t>
             </a:fld>
             <a:endParaRPr lang="pt-BR"/>
           </a:p>
@@ -3456,7 +3456,7 @@
           <a:p>
             <a:fld id="{66D610B5-AA65-4A19-B373-E5658444F765}" type="datetime1">
               <a:rPr lang="pt-BR" smtClean="0"/>
-              <a:t>12/09/2024</a:t>
+              <a:t>13/09/2024</a:t>
             </a:fld>
             <a:endParaRPr lang="pt-BR"/>
           </a:p>
@@ -5913,48 +5913,6 @@
               </a:rPr>
               <a:t> Val_loss e loss  podem  utilizar a mesma função objetiva (métrica).</a:t>
             </a:r>
-            <a:br>
-              <a:rPr lang="pt-BR" sz="1600" dirty="0">
-                <a:solidFill>
-                  <a:schemeClr val="tx2">
-                    <a:lumMod val="90000"/>
-                    <a:lumOff val="10000"/>
-                  </a:schemeClr>
-                </a:solidFill>
-              </a:rPr>
-            </a:br>
-            <a:br>
-              <a:rPr lang="pt-BR" sz="1600" dirty="0">
-                <a:solidFill>
-                  <a:schemeClr val="tx2">
-                    <a:lumMod val="90000"/>
-                    <a:lumOff val="10000"/>
-                  </a:schemeClr>
-                </a:solidFill>
-              </a:rPr>
-            </a:br>
-            <a:r>
-              <a:rPr lang="pt-BR" sz="1600" b="1" dirty="0">
-                <a:solidFill>
-                  <a:schemeClr val="tx2">
-                    <a:lumMod val="90000"/>
-                    <a:lumOff val="10000"/>
-                  </a:schemeClr>
-                </a:solidFill>
-              </a:rPr>
-              <a:t>Métrica mais comum: </a:t>
-            </a:r>
-            <a:r>
-              <a:rPr lang="pt-BR" sz="1600" dirty="0">
-                <a:solidFill>
-                  <a:schemeClr val="tx2">
-                    <a:lumMod val="90000"/>
-                    <a:lumOff val="10000"/>
-                  </a:schemeClr>
-                </a:solidFill>
-              </a:rPr>
-              <a:t>R² | RMSE</a:t>
-            </a:r>
             <a:endParaRPr lang="pt-BR" sz="2000" dirty="0">
               <a:solidFill>
                 <a:schemeClr val="tx2">
@@ -7628,36 +7586,6 @@
           <a:chExt cx="0" cy="0"/>
         </a:xfrm>
       </p:grpSpPr>
-      <p:pic>
-        <p:nvPicPr>
-          <p:cNvPr id="4" name="Imagem 22" descr="Ícone&#10;&#10;Descrição gerada automaticamente">
-            <a:extLst>
-              <a:ext uri="{FF2B5EF4-FFF2-40B4-BE49-F238E27FC236}">
-                <a16:creationId xmlns:a16="http://schemas.microsoft.com/office/drawing/2014/main" id="{4E39335C-870F-2CF6-5D8C-DEDDC6BB317F}"/>
-              </a:ext>
-            </a:extLst>
-          </p:cNvPr>
-          <p:cNvPicPr>
-            <a:picLocks noChangeAspect="1"/>
-          </p:cNvPicPr>
-          <p:nvPr/>
-        </p:nvPicPr>
-        <p:blipFill>
-          <a:blip r:embed="rId2"/>
-          <a:stretch>
-            <a:fillRect/>
-          </a:stretch>
-        </p:blipFill>
-        <p:spPr>
-          <a:xfrm>
-            <a:off x="9316825" y="2486561"/>
-            <a:ext cx="1239866" cy="1329253"/>
-          </a:xfrm>
-          <a:prstGeom prst="rect">
-            <a:avLst/>
-          </a:prstGeom>
-        </p:spPr>
-      </p:pic>
       <p:sp>
         <p:nvSpPr>
           <p:cNvPr id="2" name="Título 1">
@@ -7851,19 +7779,6 @@
               <a:t>Controle e robótica</a:t>
             </a:r>
           </a:p>
-          <a:p>
-            <a:r>
-              <a:rPr lang="pt-BR" sz="2200" dirty="0"/>
-              <a:t>Outros</a:t>
-            </a:r>
-          </a:p>
-          <a:p>
-            <a:pPr lvl="1">
-              <a:buFont typeface="Courier New" panose="02070309020205020404" pitchFamily="49" charset="0"/>
-              <a:buChar char="o"/>
-            </a:pPr>
-            <a:endParaRPr lang="pt-BR" sz="1800" dirty="0"/>
-          </a:p>
         </p:txBody>
       </p:sp>
       <p:grpSp>
@@ -7880,7 +7795,7 @@
         </p:nvGrpSpPr>
         <p:grpSpPr>
           <a:xfrm>
-            <a:off x="7758195" y="3620752"/>
+            <a:off x="7801057" y="3363745"/>
             <a:ext cx="3247166" cy="1275098"/>
             <a:chOff x="8517612" y="3496768"/>
             <a:chExt cx="3247166" cy="1275098"/>
@@ -7901,7 +7816,7 @@
             <p:nvPr/>
           </p:nvPicPr>
           <p:blipFill rotWithShape="1">
-            <a:blip r:embed="rId3">
+            <a:blip r:embed="rId2">
               <a:extLst>
                 <a:ext uri="{28A0092B-C50C-407E-A947-70E740481C1C}">
                   <a14:useLocalDpi xmlns:a14="http://schemas.microsoft.com/office/drawing/2010/main" val="0"/>
@@ -7946,7 +7861,7 @@
             <p:nvPr/>
           </p:nvPicPr>
           <p:blipFill>
-            <a:blip r:embed="rId4"/>
+            <a:blip r:embed="rId3"/>
             <a:stretch>
               <a:fillRect/>
             </a:stretch>
@@ -15648,8 +15563,8 @@
           </a:fontRef>
         </p:style>
       </p:cxnSp>
-      <mc:AlternateContent xmlns:mc="http://schemas.openxmlformats.org/markup-compatibility/2006" xmlns:a14="http://schemas.microsoft.com/office/drawing/2010/main">
-        <mc:Choice Requires="a14">
+      <mc:AlternateContent xmlns:mc="http://schemas.openxmlformats.org/markup-compatibility/2006">
+        <mc:Choice xmlns:a14="http://schemas.microsoft.com/office/drawing/2010/main" Requires="a14">
           <p:sp>
             <p:nvSpPr>
               <p:cNvPr id="13" name="CaixaDeTexto 45">
@@ -15824,7 +15739,7 @@
                               <a:ea typeface="Cambria Math" panose="02040503050406030204" pitchFamily="18" charset="0"/>
                               <a:cs typeface="Roboto" panose="02000000000000000000" pitchFamily="2" charset="0"/>
                             </a:rPr>
-                            <m:t>2</m:t>
+                            <m:t>1</m:t>
                           </m:r>
                         </m:sub>
                       </m:sSub>
@@ -15900,12 +15815,12 @@
                         </m:e>
                         <m:sub>
                           <m:r>
-                            <a:rPr lang="pt-BR" i="1">
+                            <a:rPr lang="pt-BR" b="0" i="1" smtClean="0">
                               <a:latin typeface="Cambria Math" panose="02040503050406030204" pitchFamily="18" charset="0"/>
                               <a:ea typeface="Cambria Math" panose="02040503050406030204" pitchFamily="18" charset="0"/>
                               <a:cs typeface="Roboto" panose="02000000000000000000" pitchFamily="2" charset="0"/>
                             </a:rPr>
-                            <m:t>1</m:t>
+                            <m:t>2</m:t>
                           </m:r>
                         </m:sub>
                       </m:sSub>
@@ -15999,7 +15914,7 @@
             </p:txBody>
           </p:sp>
         </mc:Choice>
-        <mc:Fallback xmlns="">
+        <mc:Fallback>
           <p:sp>
             <p:nvSpPr>
               <p:cNvPr id="13" name="CaixaDeTexto 45">
